--- a/Progressive Web Apps.pptx
+++ b/Progressive Web Apps.pptx
@@ -84,9 +84,12 @@
     <p:sldId id="335" r:id="rId78"/>
     <p:sldId id="336" r:id="rId79"/>
     <p:sldId id="288" r:id="rId80"/>
-    <p:sldId id="289" r:id="rId81"/>
-    <p:sldId id="286" r:id="rId82"/>
-    <p:sldId id="265" r:id="rId83"/>
+    <p:sldId id="343" r:id="rId81"/>
+    <p:sldId id="344" r:id="rId82"/>
+    <p:sldId id="345" r:id="rId83"/>
+    <p:sldId id="289" r:id="rId84"/>
+    <p:sldId id="286" r:id="rId85"/>
+    <p:sldId id="265" r:id="rId86"/>
   </p:sldIdLst>
   <p:sldSz cx="12192000" cy="6858000"/>
   <p:notesSz cx="6858000" cy="9144000"/>
@@ -281,6 +284,9 @@
         <p14:section name="Abschnitt ohne Titel" id="{12A667C0-7F01-4085-932D-D03BC8DFA2BB}">
           <p14:sldIdLst>
             <p14:sldId id="288"/>
+            <p14:sldId id="343"/>
+            <p14:sldId id="344"/>
+            <p14:sldId id="345"/>
             <p14:sldId id="289"/>
             <p14:sldId id="286"/>
             <p14:sldId id="265"/>
@@ -296,7 +302,7 @@
 </file>
 
 <file path=ppt/charts/chart1.xml><?xml version="1.0" encoding="utf-8"?>
-<c:chartSpace xmlns:c="http://schemas.openxmlformats.org/drawingml/2006/chart" xmlns:a="http://schemas.openxmlformats.org/drawingml/2006/main" xmlns:r="http://schemas.openxmlformats.org/officeDocument/2006/relationships">
+<c:chartSpace xmlns:c="http://schemas.openxmlformats.org/drawingml/2006/chart" xmlns:a="http://schemas.openxmlformats.org/drawingml/2006/main" xmlns:r="http://schemas.openxmlformats.org/officeDocument/2006/relationships" xmlns:c16r2="http://schemas.microsoft.com/office/drawing/2015/06/chart">
   <c:date1904 val="0"/>
   <c:lang val="de-DE"/>
   <c:roundedCorners val="0"/>
@@ -310,7 +316,6 @@
   </mc:AlternateContent>
   <c:chart>
     <c:title>
-      <c:layout/>
       <c:overlay val="0"/>
       <c:spPr>
         <a:noFill/>
@@ -373,7 +378,7 @@
               </a:ln>
               <a:effectLst/>
             </c:spPr>
-            <c:extLst xmlns:c16r2="http://schemas.microsoft.com/office/drawing/2015/06/chart">
+            <c:extLst>
               <c:ext xmlns:c16="http://schemas.microsoft.com/office/drawing/2014/chart" uri="{C3380CC4-5D6E-409C-BE32-E72D297353CC}">
                 <c16:uniqueId val="{00000001-F955-4013-9B79-A1A044C95A44}"/>
               </c:ext>
@@ -393,7 +398,7 @@
               </a:ln>
               <a:effectLst/>
             </c:spPr>
-            <c:extLst xmlns:c16r2="http://schemas.microsoft.com/office/drawing/2015/06/chart">
+            <c:extLst>
               <c:ext xmlns:c16="http://schemas.microsoft.com/office/drawing/2014/chart" uri="{C3380CC4-5D6E-409C-BE32-E72D297353CC}">
                 <c16:uniqueId val="{00000003-F955-4013-9B79-A1A044C95A44}"/>
               </c:ext>
@@ -428,7 +433,7 @@
               </c:numCache>
             </c:numRef>
           </c:val>
-          <c:extLst xmlns:c16r2="http://schemas.microsoft.com/office/drawing/2015/06/chart">
+          <c:extLst>
             <c:ext xmlns:c16="http://schemas.microsoft.com/office/drawing/2014/chart" uri="{C3380CC4-5D6E-409C-BE32-E72D297353CC}">
               <c16:uniqueId val="{00000004-F955-4013-9B79-A1A044C95A44}"/>
             </c:ext>
@@ -456,7 +461,6 @@
     </c:plotArea>
     <c:legend>
       <c:legendPos val="b"/>
-      <c:layout/>
       <c:overlay val="0"/>
       <c:spPr>
         <a:noFill/>
@@ -1964,13 +1968,6 @@
         </dgm:presLayoutVars>
       </dgm:prSet>
       <dgm:spPr/>
-      <dgm:t>
-        <a:bodyPr/>
-        <a:lstStyle/>
-        <a:p>
-          <a:endParaRPr lang="de-AT"/>
-        </a:p>
-      </dgm:t>
     </dgm:pt>
     <dgm:pt modelId="{18403EAF-0848-461B-BD71-392FF353DC3E}" type="pres">
       <dgm:prSet presAssocID="{E0D95C9E-F43A-4D08-83F4-D847C05A4855}" presName="composite" presStyleCnt="0"/>
@@ -1989,13 +1986,6 @@
         </dgm:presLayoutVars>
       </dgm:prSet>
       <dgm:spPr/>
-      <dgm:t>
-        <a:bodyPr/>
-        <a:lstStyle/>
-        <a:p>
-          <a:endParaRPr lang="de-AT"/>
-        </a:p>
-      </dgm:t>
     </dgm:pt>
     <dgm:pt modelId="{6A6ACCDD-686C-43A5-89E6-3975E7714D21}" type="pres">
       <dgm:prSet presAssocID="{E0D95C9E-F43A-4D08-83F4-D847C05A4855}" presName="ChildText" presStyleLbl="revTx" presStyleIdx="0" presStyleCnt="2">
@@ -2028,13 +2018,6 @@
         </dgm:presLayoutVars>
       </dgm:prSet>
       <dgm:spPr/>
-      <dgm:t>
-        <a:bodyPr/>
-        <a:lstStyle/>
-        <a:p>
-          <a:endParaRPr lang="de-AT"/>
-        </a:p>
-      </dgm:t>
     </dgm:pt>
     <dgm:pt modelId="{2B6C91EA-B683-432A-88A0-469660F0E154}" type="pres">
       <dgm:prSet presAssocID="{DFF98910-C5C1-4783-8AAE-1EC1E9DDF3DD}" presName="ChildText" presStyleLbl="revTx" presStyleIdx="1" presStyleCnt="2">
@@ -2063,23 +2046,16 @@
         </dgm:presLayoutVars>
       </dgm:prSet>
       <dgm:spPr/>
-      <dgm:t>
-        <a:bodyPr/>
-        <a:lstStyle/>
-        <a:p>
-          <a:endParaRPr lang="de-AT"/>
-        </a:p>
-      </dgm:t>
     </dgm:pt>
   </dgm:ptLst>
   <dgm:cxnLst>
-    <dgm:cxn modelId="{9584C924-652C-413D-A1E2-A7AE2A927E97}" type="presOf" srcId="{CF61B1A9-7D70-448F-96AB-81E6CF7BF48B}" destId="{B75AA954-4C5B-4B32-896F-659690E05F01}" srcOrd="0" destOrd="0" presId="urn:microsoft.com/office/officeart/2005/8/layout/StepDownProcess"/>
-    <dgm:cxn modelId="{80C1AE57-A15B-46EC-897D-88C94869B031}" srcId="{4FB53A65-B854-41B3-B709-EAA9AB603D87}" destId="{DFF98910-C5C1-4783-8AAE-1EC1E9DDF3DD}" srcOrd="1" destOrd="0" parTransId="{17F477BD-0484-4BFA-B88B-1B7364046258}" sibTransId="{1BCF588C-0A1E-42FB-8816-224091594A45}"/>
-    <dgm:cxn modelId="{E5D5FDCD-5AE2-48BA-8ECB-9BB2F12249F4}" type="presOf" srcId="{4FB53A65-B854-41B3-B709-EAA9AB603D87}" destId="{7673DE3B-A9C1-417D-9FD4-46522B94B69B}" srcOrd="0" destOrd="0" presId="urn:microsoft.com/office/officeart/2005/8/layout/StepDownProcess"/>
     <dgm:cxn modelId="{266E6900-A36D-467D-BADB-974A992509C9}" type="presOf" srcId="{E0D95C9E-F43A-4D08-83F4-D847C05A4855}" destId="{636CEEFB-541C-4697-BC6E-0711637CD418}" srcOrd="0" destOrd="0" presId="urn:microsoft.com/office/officeart/2005/8/layout/StepDownProcess"/>
     <dgm:cxn modelId="{69BBBA06-1610-4C24-A748-B7E5CA5A6B59}" type="presOf" srcId="{DFF98910-C5C1-4783-8AAE-1EC1E9DDF3DD}" destId="{736E38AD-6292-438C-9543-C29ABA922F7F}" srcOrd="0" destOrd="0" presId="urn:microsoft.com/office/officeart/2005/8/layout/StepDownProcess"/>
     <dgm:cxn modelId="{790E360E-1671-4C24-8AF1-A36FE3D9737F}" srcId="{4FB53A65-B854-41B3-B709-EAA9AB603D87}" destId="{CF61B1A9-7D70-448F-96AB-81E6CF7BF48B}" srcOrd="2" destOrd="0" parTransId="{440FDDF5-DBDF-4055-A19B-6C6338267868}" sibTransId="{E04C51E7-A530-452E-AE15-C5B36DF590F9}"/>
+    <dgm:cxn modelId="{9584C924-652C-413D-A1E2-A7AE2A927E97}" type="presOf" srcId="{CF61B1A9-7D70-448F-96AB-81E6CF7BF48B}" destId="{B75AA954-4C5B-4B32-896F-659690E05F01}" srcOrd="0" destOrd="0" presId="urn:microsoft.com/office/officeart/2005/8/layout/StepDownProcess"/>
     <dgm:cxn modelId="{33F54C57-5A92-4E90-BB50-913923443992}" srcId="{4FB53A65-B854-41B3-B709-EAA9AB603D87}" destId="{E0D95C9E-F43A-4D08-83F4-D847C05A4855}" srcOrd="0" destOrd="0" parTransId="{A9EDF386-1666-446A-A8AD-22C8FA69F8D2}" sibTransId="{A9E7BC5C-7808-48D3-8C95-CF1BC6EFA22A}"/>
+    <dgm:cxn modelId="{80C1AE57-A15B-46EC-897D-88C94869B031}" srcId="{4FB53A65-B854-41B3-B709-EAA9AB603D87}" destId="{DFF98910-C5C1-4783-8AAE-1EC1E9DDF3DD}" srcOrd="1" destOrd="0" parTransId="{17F477BD-0484-4BFA-B88B-1B7364046258}" sibTransId="{1BCF588C-0A1E-42FB-8816-224091594A45}"/>
+    <dgm:cxn modelId="{E5D5FDCD-5AE2-48BA-8ECB-9BB2F12249F4}" type="presOf" srcId="{4FB53A65-B854-41B3-B709-EAA9AB603D87}" destId="{7673DE3B-A9C1-417D-9FD4-46522B94B69B}" srcOrd="0" destOrd="0" presId="urn:microsoft.com/office/officeart/2005/8/layout/StepDownProcess"/>
     <dgm:cxn modelId="{9F486A14-5652-437B-A5A2-B08664D102D8}" type="presParOf" srcId="{7673DE3B-A9C1-417D-9FD4-46522B94B69B}" destId="{18403EAF-0848-461B-BD71-392FF353DC3E}" srcOrd="0" destOrd="0" presId="urn:microsoft.com/office/officeart/2005/8/layout/StepDownProcess"/>
     <dgm:cxn modelId="{0780A4C9-7761-4C72-9D26-3C359B591849}" type="presParOf" srcId="{18403EAF-0848-461B-BD71-392FF353DC3E}" destId="{2DBAD7F1-2AF4-41F2-9566-0591A6AAB51A}" srcOrd="0" destOrd="0" presId="urn:microsoft.com/office/officeart/2005/8/layout/StepDownProcess"/>
     <dgm:cxn modelId="{FD4987CE-4174-4D62-B91F-AF0763DB66A5}" type="presParOf" srcId="{18403EAF-0848-461B-BD71-392FF353DC3E}" destId="{636CEEFB-541C-4697-BC6E-0711637CD418}" srcOrd="1" destOrd="0" presId="urn:microsoft.com/office/officeart/2005/8/layout/StepDownProcess"/>
@@ -2221,7 +2197,7 @@
         </a:bodyPr>
         <a:lstStyle/>
         <a:p>
-          <a:pPr lvl="0" algn="ctr" defTabSz="1244600" rtl="0">
+          <a:pPr marL="0" lvl="0" indent="0" algn="ctr" defTabSz="1244600" rtl="0">
             <a:lnSpc>
               <a:spcPct val="90000"/>
             </a:lnSpc>
@@ -2231,6 +2207,7 @@
             <a:spcAft>
               <a:spcPct val="35000"/>
             </a:spcAft>
+            <a:buNone/>
           </a:pPr>
           <a:r>
             <a:rPr lang="de-AT" sz="2800" kern="1200" dirty="0"/>
@@ -2385,7 +2362,7 @@
         </a:bodyPr>
         <a:lstStyle/>
         <a:p>
-          <a:pPr lvl="0" algn="ctr" defTabSz="1244600" rtl="0">
+          <a:pPr marL="0" lvl="0" indent="0" algn="ctr" defTabSz="1244600" rtl="0">
             <a:lnSpc>
               <a:spcPct val="90000"/>
             </a:lnSpc>
@@ -2395,6 +2372,7 @@
             <a:spcAft>
               <a:spcPct val="35000"/>
             </a:spcAft>
+            <a:buNone/>
           </a:pPr>
           <a:r>
             <a:rPr lang="de-AT" sz="2800" kern="1200" dirty="0"/>
@@ -2496,7 +2474,7 @@
         </a:bodyPr>
         <a:lstStyle/>
         <a:p>
-          <a:pPr lvl="0" algn="ctr" defTabSz="1244600" rtl="0">
+          <a:pPr marL="0" lvl="0" indent="0" algn="ctr" defTabSz="1244600" rtl="0">
             <a:lnSpc>
               <a:spcPct val="90000"/>
             </a:lnSpc>
@@ -2506,6 +2484,7 @@
             <a:spcAft>
               <a:spcPct val="35000"/>
             </a:spcAft>
+            <a:buNone/>
           </a:pPr>
           <a:r>
             <a:rPr lang="de-AT" sz="2800" kern="1200" dirty="0" err="1"/>
@@ -4417,7 +4396,7 @@
           <a:p>
             <a:fld id="{79699155-1715-4116-AA3E-91126DDAD825}" type="datetimeFigureOut">
               <a:rPr lang="de-AT" smtClean="0"/>
-              <a:t>02.05.2023</a:t>
+              <a:t>04.05.2023</a:t>
             </a:fld>
             <a:endParaRPr lang="de-AT"/>
           </a:p>
@@ -4587,7 +4566,7 @@
           <a:p>
             <a:fld id="{79699155-1715-4116-AA3E-91126DDAD825}" type="datetimeFigureOut">
               <a:rPr lang="de-AT" smtClean="0"/>
-              <a:t>02.05.2023</a:t>
+              <a:t>04.05.2023</a:t>
             </a:fld>
             <a:endParaRPr lang="de-AT"/>
           </a:p>
@@ -4767,7 +4746,7 @@
           <a:p>
             <a:fld id="{79699155-1715-4116-AA3E-91126DDAD825}" type="datetimeFigureOut">
               <a:rPr lang="de-AT" smtClean="0"/>
-              <a:t>02.05.2023</a:t>
+              <a:t>04.05.2023</a:t>
             </a:fld>
             <a:endParaRPr lang="de-AT"/>
           </a:p>
@@ -4937,7 +4916,7 @@
           <a:p>
             <a:fld id="{79699155-1715-4116-AA3E-91126DDAD825}" type="datetimeFigureOut">
               <a:rPr lang="de-AT" smtClean="0"/>
-              <a:t>02.05.2023</a:t>
+              <a:t>04.05.2023</a:t>
             </a:fld>
             <a:endParaRPr lang="de-AT"/>
           </a:p>
@@ -5183,7 +5162,7 @@
           <a:p>
             <a:fld id="{79699155-1715-4116-AA3E-91126DDAD825}" type="datetimeFigureOut">
               <a:rPr lang="de-AT" smtClean="0"/>
-              <a:t>02.05.2023</a:t>
+              <a:t>04.05.2023</a:t>
             </a:fld>
             <a:endParaRPr lang="de-AT"/>
           </a:p>
@@ -5415,7 +5394,7 @@
           <a:p>
             <a:fld id="{79699155-1715-4116-AA3E-91126DDAD825}" type="datetimeFigureOut">
               <a:rPr lang="de-AT" smtClean="0"/>
-              <a:t>02.05.2023</a:t>
+              <a:t>04.05.2023</a:t>
             </a:fld>
             <a:endParaRPr lang="de-AT"/>
           </a:p>
@@ -5782,7 +5761,7 @@
           <a:p>
             <a:fld id="{79699155-1715-4116-AA3E-91126DDAD825}" type="datetimeFigureOut">
               <a:rPr lang="de-AT" smtClean="0"/>
-              <a:t>02.05.2023</a:t>
+              <a:t>04.05.2023</a:t>
             </a:fld>
             <a:endParaRPr lang="de-AT"/>
           </a:p>
@@ -5900,7 +5879,7 @@
           <a:p>
             <a:fld id="{79699155-1715-4116-AA3E-91126DDAD825}" type="datetimeFigureOut">
               <a:rPr lang="de-AT" smtClean="0"/>
-              <a:t>02.05.2023</a:t>
+              <a:t>04.05.2023</a:t>
             </a:fld>
             <a:endParaRPr lang="de-AT"/>
           </a:p>
@@ -5995,7 +5974,7 @@
           <a:p>
             <a:fld id="{79699155-1715-4116-AA3E-91126DDAD825}" type="datetimeFigureOut">
               <a:rPr lang="de-AT" smtClean="0"/>
-              <a:t>02.05.2023</a:t>
+              <a:t>04.05.2023</a:t>
             </a:fld>
             <a:endParaRPr lang="de-AT"/>
           </a:p>
@@ -6272,7 +6251,7 @@
           <a:p>
             <a:fld id="{79699155-1715-4116-AA3E-91126DDAD825}" type="datetimeFigureOut">
               <a:rPr lang="de-AT" smtClean="0"/>
-              <a:t>02.05.2023</a:t>
+              <a:t>04.05.2023</a:t>
             </a:fld>
             <a:endParaRPr lang="de-AT"/>
           </a:p>
@@ -6525,7 +6504,7 @@
           <a:p>
             <a:fld id="{79699155-1715-4116-AA3E-91126DDAD825}" type="datetimeFigureOut">
               <a:rPr lang="de-AT" smtClean="0"/>
-              <a:t>02.05.2023</a:t>
+              <a:t>04.05.2023</a:t>
             </a:fld>
             <a:endParaRPr lang="de-AT"/>
           </a:p>
@@ -6738,7 +6717,7 @@
           <a:p>
             <a:fld id="{79699155-1715-4116-AA3E-91126DDAD825}" type="datetimeFigureOut">
               <a:rPr lang="de-AT" smtClean="0"/>
-              <a:t>02.05.2023</a:t>
+              <a:t>04.05.2023</a:t>
             </a:fld>
             <a:endParaRPr lang="de-AT"/>
           </a:p>
@@ -7265,21 +7244,21 @@
                 <a:gridCol w="1804416">
                   <a:extLst>
                     <a:ext uri="{9D8B030D-6E8A-4147-A177-3AD203B41FA5}">
-                      <a16:colId xmlns="" xmlns:a16="http://schemas.microsoft.com/office/drawing/2014/main" val="20000"/>
+                      <a16:colId xmlns:a16="http://schemas.microsoft.com/office/drawing/2014/main" val="20000"/>
                     </a:ext>
                   </a:extLst>
                 </a:gridCol>
                 <a:gridCol w="3936492">
                   <a:extLst>
                     <a:ext uri="{9D8B030D-6E8A-4147-A177-3AD203B41FA5}">
-                      <a16:colId xmlns="" xmlns:a16="http://schemas.microsoft.com/office/drawing/2014/main" val="20001"/>
+                      <a16:colId xmlns:a16="http://schemas.microsoft.com/office/drawing/2014/main" val="20001"/>
                     </a:ext>
                   </a:extLst>
                 </a:gridCol>
                 <a:gridCol w="4774692">
                   <a:extLst>
                     <a:ext uri="{9D8B030D-6E8A-4147-A177-3AD203B41FA5}">
-                      <a16:colId xmlns="" xmlns:a16="http://schemas.microsoft.com/office/drawing/2014/main" val="20002"/>
+                      <a16:colId xmlns:a16="http://schemas.microsoft.com/office/drawing/2014/main" val="20002"/>
                     </a:ext>
                   </a:extLst>
                 </a:gridCol>
@@ -7417,7 +7396,7 @@
                 </a:tc>
                 <a:extLst>
                   <a:ext uri="{0D108BD9-81ED-4DB2-BD59-A6C34878D82A}">
-                    <a16:rowId xmlns="" xmlns:a16="http://schemas.microsoft.com/office/drawing/2014/main" val="10000"/>
+                    <a16:rowId xmlns:a16="http://schemas.microsoft.com/office/drawing/2014/main" val="10000"/>
                   </a:ext>
                 </a:extLst>
               </a:tr>
@@ -7556,7 +7535,7 @@
                 </a:tc>
                 <a:extLst>
                   <a:ext uri="{0D108BD9-81ED-4DB2-BD59-A6C34878D82A}">
-                    <a16:rowId xmlns="" xmlns:a16="http://schemas.microsoft.com/office/drawing/2014/main" val="10001"/>
+                    <a16:rowId xmlns:a16="http://schemas.microsoft.com/office/drawing/2014/main" val="10001"/>
                   </a:ext>
                 </a:extLst>
               </a:tr>
@@ -7700,7 +7679,7 @@
                 </a:tc>
                 <a:extLst>
                   <a:ext uri="{0D108BD9-81ED-4DB2-BD59-A6C34878D82A}">
-                    <a16:rowId xmlns="" xmlns:a16="http://schemas.microsoft.com/office/drawing/2014/main" val="10002"/>
+                    <a16:rowId xmlns:a16="http://schemas.microsoft.com/office/drawing/2014/main" val="10002"/>
                   </a:ext>
                 </a:extLst>
               </a:tr>
@@ -7850,7 +7829,7 @@
                 </a:tc>
                 <a:extLst>
                   <a:ext uri="{0D108BD9-81ED-4DB2-BD59-A6C34878D82A}">
-                    <a16:rowId xmlns="" xmlns:a16="http://schemas.microsoft.com/office/drawing/2014/main" val="10003"/>
+                    <a16:rowId xmlns:a16="http://schemas.microsoft.com/office/drawing/2014/main" val="10003"/>
                   </a:ext>
                 </a:extLst>
               </a:tr>
@@ -12549,14 +12528,6 @@
   <p:clrMapOvr>
     <a:masterClrMapping/>
   </p:clrMapOvr>
-  <mc:AlternateContent xmlns:mc="http://schemas.openxmlformats.org/markup-compatibility/2006" xmlns:p14="http://schemas.microsoft.com/office/powerpoint/2010/main">
-    <mc:Choice Requires="p14">
-      <p:transition spd="slow" p14:dur="2000"/>
-    </mc:Choice>
-    <mc:Fallback xmlns="">
-      <p:transition spd="slow"/>
-    </mc:Fallback>
-  </mc:AlternateContent>
 </p:sld>
 </file>
 
@@ -13567,14 +13538,14 @@
                 <a:gridCol w="3101961">
                   <a:extLst>
                     <a:ext uri="{9D8B030D-6E8A-4147-A177-3AD203B41FA5}">
-                      <a16:colId xmlns="" xmlns:a16="http://schemas.microsoft.com/office/drawing/2014/main" val="20000"/>
+                      <a16:colId xmlns:a16="http://schemas.microsoft.com/office/drawing/2014/main" val="20000"/>
                     </a:ext>
                   </a:extLst>
                 </a:gridCol>
                 <a:gridCol w="7413639">
                   <a:extLst>
                     <a:ext uri="{9D8B030D-6E8A-4147-A177-3AD203B41FA5}">
-                      <a16:colId xmlns="" xmlns:a16="http://schemas.microsoft.com/office/drawing/2014/main" val="20001"/>
+                      <a16:colId xmlns:a16="http://schemas.microsoft.com/office/drawing/2014/main" val="20001"/>
                     </a:ext>
                   </a:extLst>
                 </a:gridCol>
@@ -13608,7 +13579,7 @@
                 </a:tc>
                 <a:extLst>
                   <a:ext uri="{0D108BD9-81ED-4DB2-BD59-A6C34878D82A}">
-                    <a16:rowId xmlns="" xmlns:a16="http://schemas.microsoft.com/office/drawing/2014/main" val="10000"/>
+                    <a16:rowId xmlns:a16="http://schemas.microsoft.com/office/drawing/2014/main" val="10000"/>
                   </a:ext>
                 </a:extLst>
               </a:tr>
@@ -13694,7 +13665,7 @@
                 </a:tc>
                 <a:extLst>
                   <a:ext uri="{0D108BD9-81ED-4DB2-BD59-A6C34878D82A}">
-                    <a16:rowId xmlns="" xmlns:a16="http://schemas.microsoft.com/office/drawing/2014/main" val="10001"/>
+                    <a16:rowId xmlns:a16="http://schemas.microsoft.com/office/drawing/2014/main" val="10001"/>
                   </a:ext>
                 </a:extLst>
               </a:tr>
@@ -13752,7 +13723,7 @@
                 </a:tc>
                 <a:extLst>
                   <a:ext uri="{0D108BD9-81ED-4DB2-BD59-A6C34878D82A}">
-                    <a16:rowId xmlns="" xmlns:a16="http://schemas.microsoft.com/office/drawing/2014/main" val="10002"/>
+                    <a16:rowId xmlns:a16="http://schemas.microsoft.com/office/drawing/2014/main" val="10002"/>
                   </a:ext>
                 </a:extLst>
               </a:tr>
@@ -13819,7 +13790,7 @@
                 </a:tc>
                 <a:extLst>
                   <a:ext uri="{0D108BD9-81ED-4DB2-BD59-A6C34878D82A}">
-                    <a16:rowId xmlns="" xmlns:a16="http://schemas.microsoft.com/office/drawing/2014/main" val="10003"/>
+                    <a16:rowId xmlns:a16="http://schemas.microsoft.com/office/drawing/2014/main" val="10003"/>
                   </a:ext>
                 </a:extLst>
               </a:tr>
@@ -13910,7 +13881,7 @@
                 </a:tc>
                 <a:extLst>
                   <a:ext uri="{0D108BD9-81ED-4DB2-BD59-A6C34878D82A}">
-                    <a16:rowId xmlns="" xmlns:a16="http://schemas.microsoft.com/office/drawing/2014/main" val="10004"/>
+                    <a16:rowId xmlns:a16="http://schemas.microsoft.com/office/drawing/2014/main" val="10004"/>
                   </a:ext>
                 </a:extLst>
               </a:tr>
@@ -13940,7 +13911,7 @@
                 </a:tc>
                 <a:extLst>
                   <a:ext uri="{0D108BD9-81ED-4DB2-BD59-A6C34878D82A}">
-                    <a16:rowId xmlns="" xmlns:a16="http://schemas.microsoft.com/office/drawing/2014/main" val="10005"/>
+                    <a16:rowId xmlns:a16="http://schemas.microsoft.com/office/drawing/2014/main" val="10005"/>
                   </a:ext>
                 </a:extLst>
               </a:tr>
@@ -14974,22 +14945,17 @@
           <a:lstStyle/>
           <a:p>
             <a:r>
-              <a:rPr lang="de-AT" dirty="0" smtClean="0"/>
+              <a:rPr lang="de-AT" dirty="0"/>
               <a:t>WIFI – CODE - </a:t>
             </a:r>
             <a:r>
-              <a:rPr lang="de-AT" dirty="0" smtClean="0">
+              <a:rPr lang="de-AT" dirty="0">
                 <a:solidFill>
                   <a:srgbClr val="00B050"/>
                 </a:solidFill>
               </a:rPr>
               <a:t>REPEAT</a:t>
             </a:r>
-            <a:endParaRPr lang="de-AT" dirty="0">
-              <a:solidFill>
-                <a:srgbClr val="00B050"/>
-              </a:solidFill>
-            </a:endParaRPr>
           </a:p>
         </p:txBody>
       </p:sp>
@@ -15952,23 +15918,23 @@
           <a:lstStyle/>
           <a:p>
             <a:r>
-              <a:rPr lang="de-AT" dirty="0" err="1" smtClean="0"/>
+              <a:rPr lang="de-AT" dirty="0" err="1"/>
               <a:t>Promise</a:t>
             </a:r>
             <a:r>
-              <a:rPr lang="de-AT" dirty="0" smtClean="0"/>
+              <a:rPr lang="de-AT" dirty="0"/>
               <a:t> </a:t>
             </a:r>
             <a:r>
-              <a:rPr lang="de-AT" dirty="0" err="1" smtClean="0"/>
+              <a:rPr lang="de-AT" dirty="0" err="1"/>
               <a:t>and</a:t>
             </a:r>
             <a:r>
-              <a:rPr lang="de-AT" dirty="0" smtClean="0"/>
+              <a:rPr lang="de-AT" dirty="0"/>
               <a:t> </a:t>
             </a:r>
             <a:r>
-              <a:rPr lang="de-AT" dirty="0" err="1" smtClean="0"/>
+              <a:rPr lang="de-AT" dirty="0" err="1"/>
               <a:t>Fetch</a:t>
             </a:r>
             <a:endParaRPr lang="de-AT" dirty="0"/>
@@ -16061,27 +16027,27 @@
           <a:p>
             <a:pPr algn="ctr"/>
             <a:r>
-              <a:rPr lang="de-AT" dirty="0" smtClean="0"/>
+              <a:rPr lang="de-AT" dirty="0"/>
               <a:t>Other </a:t>
             </a:r>
             <a:r>
-              <a:rPr lang="de-AT" dirty="0" err="1" smtClean="0"/>
+              <a:rPr lang="de-AT" dirty="0" err="1"/>
               <a:t>long</a:t>
             </a:r>
             <a:r>
-              <a:rPr lang="de-AT" dirty="0" smtClean="0"/>
+              <a:rPr lang="de-AT" dirty="0"/>
               <a:t> </a:t>
             </a:r>
             <a:r>
-              <a:rPr lang="de-AT" dirty="0" err="1" smtClean="0"/>
+              <a:rPr lang="de-AT" dirty="0" err="1"/>
               <a:t>running</a:t>
             </a:r>
             <a:r>
-              <a:rPr lang="de-AT" dirty="0" smtClean="0"/>
+              <a:rPr lang="de-AT" dirty="0"/>
               <a:t> </a:t>
             </a:r>
             <a:r>
-              <a:rPr lang="de-AT" dirty="0" err="1" smtClean="0"/>
+              <a:rPr lang="de-AT" dirty="0" err="1"/>
               <a:t>operation</a:t>
             </a:r>
             <a:endParaRPr lang="de-AT" dirty="0"/>
@@ -16104,15 +16070,15 @@
           <a:lstStyle/>
           <a:p>
             <a:r>
-              <a:rPr lang="de-AT" dirty="0" err="1" smtClean="0"/>
+              <a:rPr lang="de-AT" dirty="0" err="1"/>
               <a:t>Javascript</a:t>
             </a:r>
             <a:r>
-              <a:rPr lang="de-AT" dirty="0" smtClean="0"/>
+              <a:rPr lang="de-AT" dirty="0"/>
               <a:t> = SINGLE </a:t>
             </a:r>
             <a:r>
-              <a:rPr lang="de-AT" dirty="0" err="1" smtClean="0"/>
+              <a:rPr lang="de-AT" dirty="0" err="1"/>
               <a:t>Threaded</a:t>
             </a:r>
             <a:endParaRPr lang="de-AT" dirty="0"/>
@@ -16156,18 +16122,17 @@
           <a:p>
             <a:pPr algn="ctr"/>
             <a:r>
-              <a:rPr lang="de-AT" dirty="0" smtClean="0"/>
+              <a:rPr lang="de-AT" dirty="0"/>
               <a:t>Data </a:t>
             </a:r>
             <a:r>
-              <a:rPr lang="de-AT" dirty="0" err="1" smtClean="0"/>
+              <a:rPr lang="de-AT" dirty="0" err="1"/>
               <a:t>from</a:t>
             </a:r>
             <a:r>
-              <a:rPr lang="de-AT" dirty="0" smtClean="0"/>
+              <a:rPr lang="de-AT" dirty="0"/>
               <a:t> Server</a:t>
             </a:r>
-            <a:endParaRPr lang="de-AT" dirty="0"/>
           </a:p>
         </p:txBody>
       </p:sp>
@@ -16208,22 +16173,22 @@
           <a:p>
             <a:pPr algn="ctr"/>
             <a:r>
-              <a:rPr lang="de-AT" dirty="0" err="1" smtClean="0"/>
+              <a:rPr lang="de-AT" dirty="0" err="1"/>
               <a:t>Wait</a:t>
             </a:r>
             <a:r>
-              <a:rPr lang="de-AT" dirty="0" smtClean="0"/>
+              <a:rPr lang="de-AT" dirty="0"/>
               <a:t> </a:t>
             </a:r>
           </a:p>
           <a:p>
             <a:pPr algn="ctr"/>
             <a:r>
-              <a:rPr lang="de-AT" dirty="0" smtClean="0"/>
+              <a:rPr lang="de-AT" dirty="0"/>
               <a:t>2 </a:t>
             </a:r>
             <a:r>
-              <a:rPr lang="de-AT" dirty="0" err="1" smtClean="0"/>
+              <a:rPr lang="de-AT" dirty="0" err="1"/>
               <a:t>seconds</a:t>
             </a:r>
             <a:endParaRPr lang="de-AT" dirty="0"/>
@@ -16432,18 +16397,17 @@
           </a:lstStyle>
           <a:p>
             <a:r>
-              <a:rPr lang="de-AT" dirty="0" smtClean="0"/>
+              <a:rPr lang="de-AT" dirty="0"/>
               <a:t>Es könnte so einfach sein, </a:t>
             </a:r>
             <a:r>
-              <a:rPr lang="de-AT" dirty="0" err="1" smtClean="0"/>
+              <a:rPr lang="de-AT" dirty="0" err="1"/>
               <a:t>isses</a:t>
             </a:r>
             <a:r>
-              <a:rPr lang="de-AT" dirty="0" smtClean="0"/>
+              <a:rPr lang="de-AT" dirty="0"/>
               <a:t> aber nicht…</a:t>
             </a:r>
-            <a:endParaRPr lang="de-AT" dirty="0"/>
           </a:p>
         </p:txBody>
       </p:sp>
@@ -16514,27 +16478,27 @@
           <a:p>
             <a:pPr algn="ctr"/>
             <a:r>
-              <a:rPr lang="de-AT" dirty="0" smtClean="0"/>
+              <a:rPr lang="de-AT" dirty="0"/>
               <a:t>Other </a:t>
             </a:r>
             <a:r>
-              <a:rPr lang="de-AT" dirty="0" err="1" smtClean="0"/>
+              <a:rPr lang="de-AT" dirty="0" err="1"/>
               <a:t>long</a:t>
             </a:r>
             <a:r>
-              <a:rPr lang="de-AT" dirty="0" smtClean="0"/>
+              <a:rPr lang="de-AT" dirty="0"/>
               <a:t> </a:t>
             </a:r>
             <a:r>
-              <a:rPr lang="de-AT" dirty="0" err="1" smtClean="0"/>
+              <a:rPr lang="de-AT" dirty="0" err="1"/>
               <a:t>running</a:t>
             </a:r>
             <a:r>
-              <a:rPr lang="de-AT" dirty="0" smtClean="0"/>
+              <a:rPr lang="de-AT" dirty="0"/>
               <a:t> </a:t>
             </a:r>
             <a:r>
-              <a:rPr lang="de-AT" dirty="0" err="1" smtClean="0"/>
+              <a:rPr lang="de-AT" dirty="0" err="1"/>
               <a:t>operation</a:t>
             </a:r>
             <a:endParaRPr lang="de-AT" dirty="0"/>
@@ -16557,15 +16521,15 @@
           <a:lstStyle/>
           <a:p>
             <a:r>
-              <a:rPr lang="de-AT" dirty="0" err="1" smtClean="0"/>
+              <a:rPr lang="de-AT" dirty="0" err="1"/>
               <a:t>Javascript</a:t>
             </a:r>
             <a:r>
-              <a:rPr lang="de-AT" dirty="0" smtClean="0"/>
+              <a:rPr lang="de-AT" dirty="0"/>
               <a:t> = SINGLE </a:t>
             </a:r>
             <a:r>
-              <a:rPr lang="de-AT" dirty="0" err="1" smtClean="0"/>
+              <a:rPr lang="de-AT" dirty="0" err="1"/>
               <a:t>Threaded</a:t>
             </a:r>
             <a:endParaRPr lang="de-AT" dirty="0"/>
@@ -16609,18 +16573,17 @@
           <a:p>
             <a:pPr algn="ctr"/>
             <a:r>
-              <a:rPr lang="de-AT" dirty="0" smtClean="0"/>
+              <a:rPr lang="de-AT" dirty="0"/>
               <a:t>Data </a:t>
             </a:r>
             <a:r>
-              <a:rPr lang="de-AT" dirty="0" err="1" smtClean="0"/>
+              <a:rPr lang="de-AT" dirty="0" err="1"/>
               <a:t>from</a:t>
             </a:r>
             <a:r>
-              <a:rPr lang="de-AT" dirty="0" smtClean="0"/>
+              <a:rPr lang="de-AT" dirty="0"/>
               <a:t> Server</a:t>
             </a:r>
-            <a:endParaRPr lang="de-AT" dirty="0"/>
           </a:p>
         </p:txBody>
       </p:sp>
@@ -16661,22 +16624,22 @@
           <a:p>
             <a:pPr algn="ctr"/>
             <a:r>
-              <a:rPr lang="de-AT" dirty="0" err="1" smtClean="0"/>
+              <a:rPr lang="de-AT" dirty="0" err="1"/>
               <a:t>Wait</a:t>
             </a:r>
             <a:r>
-              <a:rPr lang="de-AT" dirty="0" smtClean="0"/>
+              <a:rPr lang="de-AT" dirty="0"/>
               <a:t> </a:t>
             </a:r>
           </a:p>
           <a:p>
             <a:pPr algn="ctr"/>
             <a:r>
-              <a:rPr lang="de-AT" dirty="0" smtClean="0"/>
+              <a:rPr lang="de-AT" dirty="0"/>
               <a:t>2 </a:t>
             </a:r>
             <a:r>
-              <a:rPr lang="de-AT" dirty="0" err="1" smtClean="0"/>
+              <a:rPr lang="de-AT" dirty="0" err="1"/>
               <a:t>seconds</a:t>
             </a:r>
             <a:endParaRPr lang="de-AT" dirty="0"/>
@@ -17168,10 +17131,9 @@
           <a:lstStyle/>
           <a:p>
             <a:r>
-              <a:rPr lang="de-AT" dirty="0" smtClean="0"/>
+              <a:rPr lang="de-AT" dirty="0"/>
               <a:t>Callback Demo</a:t>
             </a:r>
-            <a:endParaRPr lang="de-AT" dirty="0"/>
           </a:p>
         </p:txBody>
       </p:sp>
@@ -17209,14 +17171,6 @@
             </a:r>
           </a:p>
           <a:p>
-            <a:r>
-              <a:rPr lang="de-AT" dirty="0">
-                <a:solidFill>
-                  <a:schemeClr val="bg1"/>
-                </a:solidFill>
-              </a:rPr>
-              <a:t/>
-            </a:r>
             <a:br>
               <a:rPr lang="de-AT" dirty="0">
                 <a:solidFill>
@@ -17225,7 +17179,7 @@
               </a:rPr>
             </a:br>
             <a:r>
-              <a:rPr lang="de-AT" dirty="0" err="1" smtClean="0">
+              <a:rPr lang="de-AT" dirty="0" err="1">
                 <a:solidFill>
                   <a:schemeClr val="bg1"/>
                 </a:solidFill>
@@ -17233,7 +17187,7 @@
               <a:t>setTimeout</a:t>
             </a:r>
             <a:r>
-              <a:rPr lang="de-AT" dirty="0" smtClean="0">
+              <a:rPr lang="de-AT" dirty="0">
                 <a:solidFill>
                   <a:schemeClr val="bg1"/>
                 </a:solidFill>
@@ -17241,7 +17195,7 @@
               <a:t>(</a:t>
             </a:r>
             <a:r>
-              <a:rPr lang="de-AT" dirty="0" err="1" smtClean="0">
+              <a:rPr lang="de-AT" dirty="0" err="1">
                 <a:solidFill>
                   <a:schemeClr val="bg1"/>
                 </a:solidFill>
@@ -17264,65 +17218,20 @@
                   <a:schemeClr val="bg1"/>
                 </a:solidFill>
               </a:rPr>
-              <a:t>        </a:t>
-            </a:r>
-            <a:r>
-              <a:rPr lang="de-AT" dirty="0" smtClean="0">
-                <a:solidFill>
-                  <a:schemeClr val="bg1"/>
-                </a:solidFill>
-              </a:rPr>
-              <a:t>console.log("</a:t>
-            </a:r>
-            <a:r>
-              <a:rPr lang="de-AT" dirty="0">
-                <a:solidFill>
-                  <a:schemeClr val="bg1"/>
-                </a:solidFill>
-              </a:rPr>
-              <a:t>TIMEOUT COMPLETE")</a:t>
-            </a:r>
-          </a:p>
-          <a:p>
-            <a:r>
-              <a:rPr lang="de-AT" dirty="0" smtClean="0">
-                <a:solidFill>
-                  <a:schemeClr val="bg1"/>
-                </a:solidFill>
-              </a:rPr>
-              <a:t>}, </a:t>
-            </a:r>
-            <a:r>
-              <a:rPr lang="de-AT" dirty="0">
-                <a:solidFill>
-                  <a:schemeClr val="bg1"/>
-                </a:solidFill>
-              </a:rPr>
-              <a:t>3000</a:t>
-            </a:r>
-            <a:r>
-              <a:rPr lang="de-AT" dirty="0" smtClean="0">
-                <a:solidFill>
-                  <a:schemeClr val="bg1"/>
-                </a:solidFill>
-              </a:rPr>
-              <a:t>);</a:t>
-            </a:r>
-            <a:endParaRPr lang="de-AT" dirty="0">
-              <a:solidFill>
-                <a:schemeClr val="bg1"/>
-              </a:solidFill>
-            </a:endParaRPr>
-          </a:p>
-          <a:p>
-            <a:r>
-              <a:rPr lang="de-AT" dirty="0">
-                <a:solidFill>
-                  <a:schemeClr val="bg1"/>
-                </a:solidFill>
-              </a:rPr>
-              <a:t/>
-            </a:r>
+              <a:t>        console.log("TIMEOUT COMPLETE")</a:t>
+            </a:r>
+          </a:p>
+          <a:p>
+            <a:r>
+              <a:rPr lang="de-AT" dirty="0">
+                <a:solidFill>
+                  <a:schemeClr val="bg1"/>
+                </a:solidFill>
+              </a:rPr>
+              <a:t>}, 3000);</a:t>
+            </a:r>
+          </a:p>
+          <a:p>
             <a:br>
               <a:rPr lang="de-AT" dirty="0">
                 <a:solidFill>
@@ -17394,14 +17303,13 @@
           <a:lstStyle/>
           <a:p>
             <a:r>
-              <a:rPr lang="de-AT" dirty="0" err="1" smtClean="0"/>
+              <a:rPr lang="de-AT" dirty="0" err="1"/>
               <a:t>Promise</a:t>
             </a:r>
             <a:r>
-              <a:rPr lang="de-AT" dirty="0" smtClean="0"/>
+              <a:rPr lang="de-AT" dirty="0"/>
               <a:t> Demo</a:t>
             </a:r>
-            <a:endParaRPr lang="de-AT" dirty="0"/>
           </a:p>
         </p:txBody>
       </p:sp>
@@ -17439,14 +17347,6 @@
             </a:r>
           </a:p>
           <a:p>
-            <a:r>
-              <a:rPr lang="de-AT" dirty="0">
-                <a:solidFill>
-                  <a:schemeClr val="bg1"/>
-                </a:solidFill>
-              </a:rPr>
-              <a:t/>
-            </a:r>
             <a:br>
               <a:rPr lang="de-AT" dirty="0">
                 <a:solidFill>
@@ -17656,14 +17556,6 @@
             </a:r>
           </a:p>
           <a:p>
-            <a:r>
-              <a:rPr lang="de-AT" dirty="0">
-                <a:solidFill>
-                  <a:schemeClr val="bg1"/>
-                </a:solidFill>
-              </a:rPr>
-              <a:t/>
-            </a:r>
             <a:br>
               <a:rPr lang="de-AT" dirty="0">
                 <a:solidFill>
@@ -17757,14 +17649,6 @@
             </a:r>
           </a:p>
           <a:p>
-            <a:r>
-              <a:rPr lang="de-AT" dirty="0">
-                <a:solidFill>
-                  <a:schemeClr val="bg1"/>
-                </a:solidFill>
-              </a:rPr>
-              <a:t/>
-            </a:r>
             <a:br>
               <a:rPr lang="de-AT" dirty="0">
                 <a:solidFill>
@@ -17836,15 +17720,15 @@
           <a:lstStyle/>
           <a:p>
             <a:r>
-              <a:rPr lang="de-AT" dirty="0" err="1" smtClean="0"/>
+              <a:rPr lang="de-AT" dirty="0" err="1"/>
               <a:t>Rejecting</a:t>
             </a:r>
             <a:r>
-              <a:rPr lang="de-AT" dirty="0" smtClean="0"/>
+              <a:rPr lang="de-AT" dirty="0"/>
               <a:t> </a:t>
             </a:r>
             <a:r>
-              <a:rPr lang="de-AT" dirty="0" err="1" smtClean="0"/>
+              <a:rPr lang="de-AT" dirty="0" err="1"/>
               <a:t>Promises</a:t>
             </a:r>
             <a:endParaRPr lang="de-AT" dirty="0"/>
@@ -17897,14 +17781,13 @@
           <a:lstStyle/>
           <a:p>
             <a:r>
-              <a:rPr lang="de-AT" dirty="0" err="1" smtClean="0"/>
+              <a:rPr lang="de-AT" dirty="0" err="1"/>
               <a:t>Then</a:t>
             </a:r>
             <a:r>
-              <a:rPr lang="de-AT" dirty="0" smtClean="0"/>
+              <a:rPr lang="de-AT" dirty="0"/>
               <a:t>…Catch…</a:t>
             </a:r>
-            <a:endParaRPr lang="de-AT" dirty="0"/>
           </a:p>
         </p:txBody>
       </p:sp>
@@ -17973,54 +17856,53 @@
           <a:lstStyle/>
           <a:p>
             <a:r>
-              <a:rPr lang="de-AT" dirty="0" err="1" smtClean="0"/>
+              <a:rPr lang="de-AT" dirty="0" err="1"/>
               <a:t>Where</a:t>
             </a:r>
             <a:r>
-              <a:rPr lang="de-AT" dirty="0" smtClean="0"/>
+              <a:rPr lang="de-AT" dirty="0"/>
               <a:t> do </a:t>
             </a:r>
             <a:r>
-              <a:rPr lang="de-AT" dirty="0" err="1" smtClean="0"/>
+              <a:rPr lang="de-AT" dirty="0" err="1"/>
               <a:t>we</a:t>
             </a:r>
             <a:r>
-              <a:rPr lang="de-AT" dirty="0" smtClean="0"/>
+              <a:rPr lang="de-AT" dirty="0"/>
               <a:t> </a:t>
             </a:r>
             <a:r>
-              <a:rPr lang="de-AT" dirty="0" err="1" smtClean="0"/>
+              <a:rPr lang="de-AT" dirty="0" err="1"/>
               <a:t>use</a:t>
             </a:r>
             <a:r>
-              <a:rPr lang="de-AT" dirty="0" smtClean="0"/>
+              <a:rPr lang="de-AT" dirty="0"/>
               <a:t> </a:t>
             </a:r>
             <a:r>
-              <a:rPr lang="de-AT" dirty="0" err="1" smtClean="0"/>
+              <a:rPr lang="de-AT" dirty="0" err="1"/>
               <a:t>promises</a:t>
             </a:r>
             <a:r>
-              <a:rPr lang="de-AT" dirty="0" smtClean="0"/>
+              <a:rPr lang="de-AT" dirty="0"/>
               <a:t> in </a:t>
             </a:r>
             <a:r>
-              <a:rPr lang="de-AT" dirty="0" err="1" smtClean="0"/>
+              <a:rPr lang="de-AT" dirty="0" err="1"/>
               <a:t>our</a:t>
             </a:r>
             <a:r>
-              <a:rPr lang="de-AT" dirty="0" smtClean="0"/>
+              <a:rPr lang="de-AT" dirty="0"/>
               <a:t> </a:t>
             </a:r>
             <a:r>
-              <a:rPr lang="de-AT" dirty="0" err="1" smtClean="0"/>
+              <a:rPr lang="de-AT" dirty="0" err="1"/>
               <a:t>code</a:t>
             </a:r>
             <a:r>
-              <a:rPr lang="de-AT" dirty="0" smtClean="0"/>
+              <a:rPr lang="de-AT" dirty="0"/>
               <a:t>?</a:t>
             </a:r>
-            <a:endParaRPr lang="de-AT" dirty="0"/>
           </a:p>
         </p:txBody>
       </p:sp>
@@ -18041,19 +17923,14 @@
           <a:p>
             <a:r>
               <a:rPr lang="de-AT" dirty="0"/>
-              <a:t>a</a:t>
-            </a:r>
-            <a:r>
-              <a:rPr lang="de-AT" dirty="0" smtClean="0"/>
-              <a:t>pp.js</a:t>
-            </a:r>
-          </a:p>
-          <a:p>
-            <a:r>
-              <a:rPr lang="de-AT" dirty="0" smtClean="0"/>
+              <a:t>app.js</a:t>
+            </a:r>
+          </a:p>
+          <a:p>
+            <a:r>
+              <a:rPr lang="de-AT" dirty="0"/>
               <a:t>sw.js</a:t>
             </a:r>
-            <a:endParaRPr lang="de-AT" dirty="0"/>
           </a:p>
         </p:txBody>
       </p:sp>
@@ -18103,7 +17980,7 @@
           <a:lstStyle/>
           <a:p>
             <a:r>
-              <a:rPr lang="de-AT" dirty="0" err="1" smtClean="0"/>
+              <a:rPr lang="de-AT" dirty="0" err="1"/>
               <a:t>Fetch</a:t>
             </a:r>
             <a:endParaRPr lang="de-AT" dirty="0"/>
@@ -18126,22 +18003,22 @@
           <a:lstStyle/>
           <a:p>
             <a:r>
-              <a:rPr lang="de-AT" dirty="0" smtClean="0"/>
+              <a:rPr lang="de-AT" dirty="0"/>
               <a:t>httpbin.org/</a:t>
             </a:r>
             <a:r>
-              <a:rPr lang="de-AT" dirty="0" err="1" smtClean="0"/>
+              <a:rPr lang="de-AT" dirty="0" err="1"/>
               <a:t>ip</a:t>
             </a:r>
-            <a:endParaRPr lang="de-AT" dirty="0" smtClean="0"/>
-          </a:p>
-          <a:p>
-            <a:r>
-              <a:rPr lang="de-AT" dirty="0" smtClean="0"/>
+            <a:endParaRPr lang="de-AT" dirty="0"/>
+          </a:p>
+          <a:p>
+            <a:r>
+              <a:rPr lang="de-AT" dirty="0"/>
               <a:t>httpbin.org/</a:t>
             </a:r>
             <a:r>
-              <a:rPr lang="de-AT" dirty="0" err="1" smtClean="0"/>
+              <a:rPr lang="de-AT" dirty="0" err="1"/>
               <a:t>post</a:t>
             </a:r>
             <a:endParaRPr lang="de-AT" dirty="0"/>
@@ -18194,7 +18071,7 @@
           <a:lstStyle/>
           <a:p>
             <a:r>
-              <a:rPr lang="de-AT" dirty="0" err="1" smtClean="0"/>
+              <a:rPr lang="de-AT" dirty="0" err="1"/>
               <a:t>Polyfills</a:t>
             </a:r>
             <a:endParaRPr lang="de-AT" dirty="0"/>
@@ -18217,39 +18094,39 @@
           <a:lstStyle/>
           <a:p>
             <a:r>
-              <a:rPr lang="de-AT" dirty="0" err="1" smtClean="0"/>
+              <a:rPr lang="de-AT" dirty="0" err="1"/>
               <a:t>Use</a:t>
             </a:r>
             <a:r>
-              <a:rPr lang="de-AT" dirty="0" smtClean="0"/>
+              <a:rPr lang="de-AT" dirty="0"/>
               <a:t> </a:t>
             </a:r>
             <a:r>
-              <a:rPr lang="de-AT" dirty="0" err="1" smtClean="0"/>
+              <a:rPr lang="de-AT" dirty="0" err="1"/>
               <a:t>promises</a:t>
             </a:r>
             <a:r>
-              <a:rPr lang="de-AT" dirty="0" smtClean="0"/>
+              <a:rPr lang="de-AT" dirty="0"/>
               <a:t> &amp; </a:t>
             </a:r>
             <a:r>
-              <a:rPr lang="de-AT" dirty="0" err="1" smtClean="0"/>
+              <a:rPr lang="de-AT" dirty="0" err="1"/>
               <a:t>fetch</a:t>
             </a:r>
             <a:r>
-              <a:rPr lang="de-AT" dirty="0" smtClean="0"/>
+              <a:rPr lang="de-AT" dirty="0"/>
               <a:t> on </a:t>
             </a:r>
             <a:r>
-              <a:rPr lang="de-AT" dirty="0" err="1" smtClean="0"/>
+              <a:rPr lang="de-AT" dirty="0" err="1"/>
               <a:t>older</a:t>
             </a:r>
             <a:r>
-              <a:rPr lang="de-AT" dirty="0" smtClean="0"/>
+              <a:rPr lang="de-AT" dirty="0"/>
               <a:t> </a:t>
             </a:r>
             <a:r>
-              <a:rPr lang="de-AT" dirty="0" err="1" smtClean="0"/>
+              <a:rPr lang="de-AT" dirty="0" err="1"/>
               <a:t>browsers</a:t>
             </a:r>
             <a:endParaRPr lang="de-AT" dirty="0"/>
@@ -18291,7 +18168,7 @@
           <p:cNvPr id="2" name="Titel 1">
             <a:extLst>
               <a:ext uri="{FF2B5EF4-FFF2-40B4-BE49-F238E27FC236}">
-                <a16:creationId xmlns="" xmlns:a16="http://schemas.microsoft.com/office/drawing/2014/main" id="{7C74C4CE-CEBC-4725-9C59-28B4B7B750F9}"/>
+                <a16:creationId xmlns:a16="http://schemas.microsoft.com/office/drawing/2014/main" id="{7C74C4CE-CEBC-4725-9C59-28B4B7B750F9}"/>
               </a:ext>
             </a:extLst>
           </p:cNvPr>
@@ -18320,7 +18197,7 @@
           <p:cNvPr id="3" name="Inhaltsplatzhalter 2">
             <a:extLst>
               <a:ext uri="{FF2B5EF4-FFF2-40B4-BE49-F238E27FC236}">
-                <a16:creationId xmlns="" xmlns:a16="http://schemas.microsoft.com/office/drawing/2014/main" id="{8433872D-38EC-42CA-9561-0492F1E3670E}"/>
+                <a16:creationId xmlns:a16="http://schemas.microsoft.com/office/drawing/2014/main" id="{8433872D-38EC-42CA-9561-0492F1E3670E}"/>
               </a:ext>
             </a:extLst>
           </p:cNvPr>
@@ -18418,10 +18295,9 @@
           <a:lstStyle/>
           <a:p>
             <a:r>
-              <a:rPr lang="de-AT" dirty="0" smtClean="0"/>
+              <a:rPr lang="de-AT" dirty="0"/>
               <a:t>Links</a:t>
             </a:r>
-            <a:endParaRPr lang="de-AT" dirty="0"/>
           </a:p>
         </p:txBody>
       </p:sp>
@@ -18516,23 +18392,23 @@
           <a:lstStyle/>
           <a:p>
             <a:r>
-              <a:rPr lang="de-AT" dirty="0" err="1" smtClean="0"/>
+              <a:rPr lang="de-AT" dirty="0" err="1"/>
               <a:t>Before</a:t>
             </a:r>
             <a:r>
-              <a:rPr lang="de-AT" dirty="0" smtClean="0"/>
+              <a:rPr lang="de-AT" dirty="0"/>
               <a:t> </a:t>
             </a:r>
             <a:r>
-              <a:rPr lang="de-AT" dirty="0" err="1" smtClean="0"/>
+              <a:rPr lang="de-AT" dirty="0" err="1"/>
               <a:t>caching</a:t>
             </a:r>
             <a:r>
-              <a:rPr lang="de-AT" dirty="0" smtClean="0"/>
+              <a:rPr lang="de-AT" dirty="0"/>
               <a:t> </a:t>
             </a:r>
             <a:r>
-              <a:rPr lang="de-AT" dirty="0" err="1" smtClean="0"/>
+              <a:rPr lang="de-AT" dirty="0" err="1"/>
               <a:t>items</a:t>
             </a:r>
             <a:endParaRPr lang="de-AT" dirty="0"/>
@@ -18555,29 +18431,29 @@
           <a:lstStyle/>
           <a:p>
             <a:r>
-              <a:rPr lang="de-AT" dirty="0" err="1" smtClean="0"/>
+              <a:rPr lang="de-AT" dirty="0" err="1"/>
               <a:t>Which</a:t>
             </a:r>
             <a:r>
-              <a:rPr lang="de-AT" dirty="0" smtClean="0"/>
+              <a:rPr lang="de-AT" dirty="0"/>
               <a:t> </a:t>
             </a:r>
             <a:r>
-              <a:rPr lang="de-AT" dirty="0" err="1" smtClean="0"/>
+              <a:rPr lang="de-AT" dirty="0" err="1"/>
               <a:t>application</a:t>
             </a:r>
-            <a:endParaRPr lang="de-AT" dirty="0" smtClean="0"/>
-          </a:p>
-          <a:p>
-            <a:r>
-              <a:rPr lang="de-AT" dirty="0" smtClean="0"/>
+            <a:endParaRPr lang="de-AT" dirty="0"/>
+          </a:p>
+          <a:p>
+            <a:r>
+              <a:rPr lang="de-AT" dirty="0"/>
               <a:t>Basic </a:t>
             </a:r>
             <a:r>
-              <a:rPr lang="de-AT" dirty="0" err="1" smtClean="0"/>
+              <a:rPr lang="de-AT" dirty="0" err="1"/>
               <a:t>layouting</a:t>
             </a:r>
-            <a:endParaRPr lang="de-AT" dirty="0" smtClean="0"/>
+            <a:endParaRPr lang="de-AT" dirty="0"/>
           </a:p>
           <a:p>
             <a:endParaRPr lang="de-AT" dirty="0"/>
@@ -18630,10 +18506,9 @@
           <a:lstStyle/>
           <a:p>
             <a:r>
-              <a:rPr lang="de-AT" dirty="0" smtClean="0"/>
+              <a:rPr lang="de-AT" dirty="0"/>
               <a:t>Service Worker Caching (Basic)</a:t>
             </a:r>
-            <a:endParaRPr lang="de-AT" dirty="0"/>
           </a:p>
         </p:txBody>
       </p:sp>
@@ -18702,14 +18577,13 @@
           <a:lstStyle/>
           <a:p>
             <a:r>
-              <a:rPr lang="de-AT" dirty="0" err="1" smtClean="0"/>
+              <a:rPr lang="de-AT" dirty="0" err="1"/>
               <a:t>Why</a:t>
             </a:r>
             <a:r>
-              <a:rPr lang="de-AT" dirty="0" smtClean="0"/>
+              <a:rPr lang="de-AT" dirty="0"/>
               <a:t>?</a:t>
             </a:r>
-            <a:endParaRPr lang="de-AT" dirty="0"/>
           </a:p>
         </p:txBody>
       </p:sp>
@@ -18729,54 +18603,53 @@
           <a:lstStyle/>
           <a:p>
             <a:r>
-              <a:rPr lang="de-AT" dirty="0" smtClean="0"/>
+              <a:rPr lang="de-AT" dirty="0"/>
               <a:t>Offline </a:t>
             </a:r>
             <a:r>
-              <a:rPr lang="de-AT" dirty="0" err="1" smtClean="0"/>
+              <a:rPr lang="de-AT" dirty="0" err="1"/>
               <a:t>access</a:t>
             </a:r>
-            <a:endParaRPr lang="de-AT" dirty="0" smtClean="0"/>
+            <a:endParaRPr lang="de-AT" dirty="0"/>
           </a:p>
           <a:p>
             <a:pPr lvl="1"/>
             <a:r>
-              <a:rPr lang="de-AT" dirty="0" smtClean="0"/>
+              <a:rPr lang="de-AT" dirty="0"/>
               <a:t>Poor </a:t>
             </a:r>
             <a:r>
-              <a:rPr lang="de-AT" dirty="0" err="1" smtClean="0"/>
+              <a:rPr lang="de-AT" dirty="0" err="1"/>
               <a:t>connection</a:t>
             </a:r>
-            <a:endParaRPr lang="de-AT" dirty="0" smtClean="0"/>
+            <a:endParaRPr lang="de-AT" dirty="0"/>
           </a:p>
           <a:p>
             <a:pPr lvl="1"/>
             <a:r>
-              <a:rPr lang="de-AT" dirty="0" err="1" smtClean="0"/>
+              <a:rPr lang="de-AT" dirty="0" err="1"/>
               <a:t>No</a:t>
             </a:r>
             <a:r>
-              <a:rPr lang="de-AT" dirty="0" smtClean="0"/>
+              <a:rPr lang="de-AT" dirty="0"/>
               <a:t> </a:t>
             </a:r>
             <a:r>
-              <a:rPr lang="de-AT" dirty="0" err="1" smtClean="0"/>
+              <a:rPr lang="de-AT" dirty="0" err="1"/>
               <a:t>connection</a:t>
             </a:r>
-            <a:endParaRPr lang="de-AT" dirty="0" smtClean="0"/>
+            <a:endParaRPr lang="de-AT" dirty="0"/>
           </a:p>
           <a:p>
             <a:pPr lvl="1"/>
             <a:r>
-              <a:rPr lang="de-AT" dirty="0" err="1" smtClean="0"/>
+              <a:rPr lang="de-AT" dirty="0" err="1"/>
               <a:t>Lie-Fie</a:t>
             </a:r>
             <a:r>
-              <a:rPr lang="de-AT" dirty="0" smtClean="0"/>
+              <a:rPr lang="de-AT" dirty="0"/>
               <a:t>!</a:t>
             </a:r>
-            <a:endParaRPr lang="de-AT" dirty="0"/>
           </a:p>
         </p:txBody>
       </p:sp>
@@ -18827,10 +18700,9 @@
           <a:p>
             <a:pPr algn="ctr"/>
             <a:r>
-              <a:rPr lang="de-AT" dirty="0" smtClean="0"/>
+              <a:rPr lang="de-AT" dirty="0"/>
               <a:t>Cache API</a:t>
             </a:r>
-            <a:endParaRPr lang="de-AT" dirty="0"/>
           </a:p>
         </p:txBody>
       </p:sp>
@@ -18871,10 +18743,9 @@
           <a:p>
             <a:pPr algn="ctr"/>
             <a:r>
-              <a:rPr lang="de-AT" dirty="0" smtClean="0"/>
+              <a:rPr lang="de-AT" dirty="0"/>
               <a:t>Cache</a:t>
             </a:r>
-            <a:endParaRPr lang="de-AT" dirty="0"/>
           </a:p>
         </p:txBody>
       </p:sp>
@@ -18915,10 +18786,9 @@
           <a:p>
             <a:pPr algn="ctr"/>
             <a:r>
-              <a:rPr lang="de-AT" dirty="0" smtClean="0"/>
+              <a:rPr lang="de-AT" dirty="0"/>
               <a:t>Service Worker</a:t>
             </a:r>
-            <a:endParaRPr lang="de-AT" dirty="0"/>
           </a:p>
         </p:txBody>
       </p:sp>
@@ -18959,17 +18829,16 @@
           <a:p>
             <a:pPr algn="ctr"/>
             <a:r>
-              <a:rPr lang="de-AT" dirty="0" smtClean="0"/>
+              <a:rPr lang="de-AT" dirty="0"/>
               <a:t>JavaScript</a:t>
             </a:r>
           </a:p>
           <a:p>
             <a:pPr algn="ctr"/>
             <a:r>
-              <a:rPr lang="de-AT" dirty="0" smtClean="0"/>
+              <a:rPr lang="de-AT" dirty="0"/>
               <a:t>on Pages</a:t>
             </a:r>
-            <a:endParaRPr lang="de-AT" dirty="0"/>
           </a:p>
         </p:txBody>
       </p:sp>
@@ -19090,10 +18959,9 @@
           <a:p>
             <a:pPr algn="ctr"/>
             <a:r>
-              <a:rPr lang="de-AT" dirty="0" smtClean="0"/>
+              <a:rPr lang="de-AT" dirty="0"/>
               <a:t>Key: Request</a:t>
             </a:r>
-            <a:endParaRPr lang="de-AT" dirty="0"/>
           </a:p>
         </p:txBody>
       </p:sp>
@@ -19134,10 +19002,9 @@
           <a:p>
             <a:pPr algn="ctr"/>
             <a:r>
-              <a:rPr lang="de-AT" dirty="0" smtClean="0"/>
+              <a:rPr lang="de-AT" dirty="0"/>
               <a:t>Value: Response</a:t>
             </a:r>
-            <a:endParaRPr lang="de-AT" dirty="0"/>
           </a:p>
         </p:txBody>
       </p:sp>
@@ -19204,7 +19071,7 @@
           <a:lstStyle/>
           <a:p>
             <a:r>
-              <a:rPr lang="de-AT" dirty="0" smtClean="0">
+              <a:rPr lang="de-AT" dirty="0">
                 <a:solidFill>
                   <a:srgbClr val="00B050"/>
                 </a:solidFill>
@@ -19212,7 +19079,7 @@
               <a:t>Cache Data </a:t>
             </a:r>
             <a:r>
-              <a:rPr lang="de-AT" dirty="0" err="1" smtClean="0">
+              <a:rPr lang="de-AT" dirty="0" err="1">
                 <a:solidFill>
                   <a:srgbClr val="00B050"/>
                 </a:solidFill>
@@ -19220,7 +19087,7 @@
               <a:t>can</a:t>
             </a:r>
             <a:r>
-              <a:rPr lang="de-AT" dirty="0" smtClean="0">
+              <a:rPr lang="de-AT" dirty="0">
                 <a:solidFill>
                   <a:srgbClr val="00B050"/>
                 </a:solidFill>
@@ -19228,7 +19095,7 @@
               <a:t> </a:t>
             </a:r>
             <a:r>
-              <a:rPr lang="de-AT" dirty="0" err="1" smtClean="0">
+              <a:rPr lang="de-AT" dirty="0" err="1">
                 <a:solidFill>
                   <a:srgbClr val="00B050"/>
                 </a:solidFill>
@@ -19236,7 +19103,7 @@
               <a:t>be</a:t>
             </a:r>
             <a:r>
-              <a:rPr lang="de-AT" dirty="0" smtClean="0">
+              <a:rPr lang="de-AT" dirty="0">
                 <a:solidFill>
                   <a:srgbClr val="00B050"/>
                 </a:solidFill>
@@ -19244,7 +19111,7 @@
               <a:t> </a:t>
             </a:r>
             <a:r>
-              <a:rPr lang="de-AT" dirty="0" err="1" smtClean="0">
+              <a:rPr lang="de-AT" dirty="0" err="1">
                 <a:solidFill>
                   <a:srgbClr val="00B050"/>
                 </a:solidFill>
@@ -19252,7 +19119,7 @@
               <a:t>retrieved</a:t>
             </a:r>
             <a:r>
-              <a:rPr lang="de-AT" dirty="0" smtClean="0">
+              <a:rPr lang="de-AT" dirty="0">
                 <a:solidFill>
                   <a:srgbClr val="00B050"/>
                 </a:solidFill>
@@ -19260,7 +19127,7 @@
               <a:t> </a:t>
             </a:r>
             <a:r>
-              <a:rPr lang="de-AT" dirty="0" err="1" smtClean="0">
+              <a:rPr lang="de-AT" dirty="0" err="1">
                 <a:solidFill>
                   <a:srgbClr val="00B050"/>
                 </a:solidFill>
@@ -19268,7 +19135,7 @@
               <a:t>instead</a:t>
             </a:r>
             <a:r>
-              <a:rPr lang="de-AT" dirty="0" smtClean="0">
+              <a:rPr lang="de-AT" dirty="0">
                 <a:solidFill>
                   <a:srgbClr val="00B050"/>
                 </a:solidFill>
@@ -19276,7 +19143,7 @@
               <a:t> of </a:t>
             </a:r>
             <a:r>
-              <a:rPr lang="de-AT" dirty="0" err="1" smtClean="0">
+              <a:rPr lang="de-AT" dirty="0" err="1">
                 <a:solidFill>
                   <a:srgbClr val="00B050"/>
                 </a:solidFill>
@@ -19292,7 +19159,7 @@
               <a:t> </a:t>
             </a:r>
             <a:r>
-              <a:rPr lang="de-AT" dirty="0" err="1" smtClean="0">
+              <a:rPr lang="de-AT" dirty="0" err="1">
                 <a:solidFill>
                   <a:srgbClr val="00B050"/>
                 </a:solidFill>
@@ -19300,7 +19167,7 @@
               <a:t>network</a:t>
             </a:r>
             <a:r>
-              <a:rPr lang="de-AT" dirty="0" smtClean="0">
+              <a:rPr lang="de-AT" dirty="0">
                 <a:solidFill>
                   <a:srgbClr val="00B050"/>
                 </a:solidFill>
@@ -19308,7 +19175,7 @@
               <a:t> </a:t>
             </a:r>
             <a:r>
-              <a:rPr lang="de-AT" dirty="0" err="1" smtClean="0">
+              <a:rPr lang="de-AT" dirty="0" err="1">
                 <a:solidFill>
                   <a:srgbClr val="00B050"/>
                 </a:solidFill>
@@ -19369,31 +19236,31 @@
           <a:lstStyle/>
           <a:p>
             <a:r>
-              <a:rPr lang="de-AT" dirty="0" err="1" smtClean="0"/>
+              <a:rPr lang="de-AT" dirty="0" err="1"/>
               <a:t>Identify</a:t>
             </a:r>
             <a:r>
-              <a:rPr lang="de-AT" dirty="0" smtClean="0"/>
+              <a:rPr lang="de-AT" dirty="0"/>
               <a:t> </a:t>
             </a:r>
             <a:r>
-              <a:rPr lang="de-AT" dirty="0" err="1" smtClean="0"/>
+              <a:rPr lang="de-AT" dirty="0" err="1"/>
               <a:t>the</a:t>
             </a:r>
             <a:r>
-              <a:rPr lang="de-AT" dirty="0" smtClean="0"/>
+              <a:rPr lang="de-AT" dirty="0"/>
               <a:t> </a:t>
             </a:r>
             <a:r>
-              <a:rPr lang="de-AT" dirty="0" err="1" smtClean="0"/>
+              <a:rPr lang="de-AT" dirty="0" err="1"/>
               <a:t>app</a:t>
             </a:r>
             <a:r>
-              <a:rPr lang="de-AT" dirty="0" smtClean="0"/>
+              <a:rPr lang="de-AT" dirty="0"/>
               <a:t> </a:t>
             </a:r>
             <a:r>
-              <a:rPr lang="de-AT" dirty="0" err="1" smtClean="0"/>
+              <a:rPr lang="de-AT" dirty="0" err="1"/>
               <a:t>shell</a:t>
             </a:r>
             <a:endParaRPr lang="de-AT" dirty="0"/>
@@ -19416,7 +19283,7 @@
           <a:lstStyle/>
           <a:p>
             <a:r>
-              <a:rPr lang="de-AT" dirty="0" err="1" smtClean="0">
+              <a:rPr lang="de-AT" dirty="0" err="1">
                 <a:solidFill>
                   <a:srgbClr val="00B050"/>
                 </a:solidFill>
@@ -19424,7 +19291,7 @@
               <a:t>Static</a:t>
             </a:r>
             <a:r>
-              <a:rPr lang="de-AT" dirty="0" smtClean="0">
+              <a:rPr lang="de-AT" dirty="0">
                 <a:solidFill>
                   <a:srgbClr val="00B050"/>
                 </a:solidFill>
@@ -19432,98 +19299,98 @@
               <a:t> </a:t>
             </a:r>
             <a:r>
-              <a:rPr lang="de-AT" dirty="0" err="1" smtClean="0"/>
+              <a:rPr lang="de-AT" dirty="0" err="1"/>
               <a:t>content</a:t>
             </a:r>
             <a:r>
-              <a:rPr lang="de-AT" dirty="0" smtClean="0"/>
+              <a:rPr lang="de-AT" dirty="0"/>
               <a:t> </a:t>
             </a:r>
             <a:r>
-              <a:rPr lang="de-AT" dirty="0" err="1" smtClean="0"/>
+              <a:rPr lang="de-AT" dirty="0" err="1"/>
               <a:t>that</a:t>
             </a:r>
             <a:r>
-              <a:rPr lang="de-AT" dirty="0" smtClean="0"/>
+              <a:rPr lang="de-AT" dirty="0"/>
               <a:t> </a:t>
             </a:r>
             <a:r>
-              <a:rPr lang="de-AT" dirty="0" err="1" smtClean="0"/>
+              <a:rPr lang="de-AT" dirty="0" err="1"/>
               <a:t>is</a:t>
             </a:r>
             <a:r>
-              <a:rPr lang="de-AT" dirty="0" smtClean="0"/>
+              <a:rPr lang="de-AT" dirty="0"/>
               <a:t> </a:t>
             </a:r>
             <a:r>
-              <a:rPr lang="de-AT" dirty="0" err="1" smtClean="0"/>
+              <a:rPr lang="de-AT" dirty="0" err="1"/>
               <a:t>basic</a:t>
             </a:r>
             <a:r>
-              <a:rPr lang="de-AT" dirty="0" smtClean="0"/>
+              <a:rPr lang="de-AT" dirty="0"/>
               <a:t> </a:t>
             </a:r>
             <a:r>
-              <a:rPr lang="de-AT" dirty="0" err="1" smtClean="0"/>
+              <a:rPr lang="de-AT" dirty="0" err="1"/>
               <a:t>for</a:t>
             </a:r>
             <a:r>
-              <a:rPr lang="de-AT" dirty="0" smtClean="0"/>
+              <a:rPr lang="de-AT" dirty="0"/>
               <a:t> </a:t>
             </a:r>
             <a:r>
-              <a:rPr lang="de-AT" dirty="0" err="1" smtClean="0"/>
+              <a:rPr lang="de-AT" dirty="0" err="1"/>
               <a:t>our</a:t>
             </a:r>
             <a:r>
-              <a:rPr lang="de-AT" dirty="0" smtClean="0"/>
+              <a:rPr lang="de-AT" dirty="0"/>
               <a:t> </a:t>
             </a:r>
             <a:r>
-              <a:rPr lang="de-AT" dirty="0" err="1" smtClean="0"/>
+              <a:rPr lang="de-AT" dirty="0" err="1"/>
               <a:t>app</a:t>
             </a:r>
-            <a:endParaRPr lang="de-AT" dirty="0" smtClean="0"/>
-          </a:p>
-          <a:p>
-            <a:r>
-              <a:rPr lang="de-AT" dirty="0" smtClean="0"/>
+            <a:endParaRPr lang="de-AT" dirty="0"/>
+          </a:p>
+          <a:p>
+            <a:r>
+              <a:rPr lang="de-AT" dirty="0"/>
               <a:t>Cache </a:t>
             </a:r>
             <a:r>
-              <a:rPr lang="de-AT" dirty="0" err="1" smtClean="0"/>
+              <a:rPr lang="de-AT" dirty="0" err="1"/>
               <a:t>the</a:t>
             </a:r>
             <a:r>
-              <a:rPr lang="de-AT" dirty="0" smtClean="0"/>
+              <a:rPr lang="de-AT" dirty="0"/>
               <a:t> </a:t>
             </a:r>
             <a:r>
-              <a:rPr lang="de-AT" dirty="0" err="1" smtClean="0"/>
+              <a:rPr lang="de-AT" dirty="0" err="1"/>
               <a:t>identified</a:t>
             </a:r>
             <a:r>
-              <a:rPr lang="de-AT" dirty="0" smtClean="0"/>
+              <a:rPr lang="de-AT" dirty="0"/>
               <a:t> </a:t>
             </a:r>
             <a:r>
-              <a:rPr lang="de-AT" dirty="0" err="1" smtClean="0"/>
+              <a:rPr lang="de-AT" dirty="0" err="1"/>
               <a:t>content</a:t>
             </a:r>
             <a:r>
-              <a:rPr lang="de-AT" dirty="0" smtClean="0"/>
+              <a:rPr lang="de-AT" dirty="0"/>
               <a:t> in </a:t>
             </a:r>
             <a:r>
-              <a:rPr lang="de-AT" dirty="0" err="1" smtClean="0"/>
+              <a:rPr lang="de-AT" dirty="0" err="1"/>
               <a:t>the</a:t>
             </a:r>
             <a:r>
-              <a:rPr lang="de-AT" dirty="0" smtClean="0"/>
+              <a:rPr lang="de-AT" dirty="0"/>
               <a:t> </a:t>
             </a:r>
             <a:r>
-              <a:rPr lang="de-AT" dirty="0" err="1" smtClean="0">
+              <a:rPr lang="de-AT" dirty="0" err="1">
                 <a:solidFill>
                   <a:srgbClr val="00B050"/>
                 </a:solidFill>
@@ -19531,7 +19398,7 @@
               <a:t>install</a:t>
             </a:r>
             <a:r>
-              <a:rPr lang="de-AT" dirty="0" smtClean="0">
+              <a:rPr lang="de-AT" dirty="0">
                 <a:solidFill>
                   <a:srgbClr val="00B050"/>
                 </a:solidFill>
@@ -19539,31 +19406,31 @@
               <a:t> </a:t>
             </a:r>
             <a:r>
-              <a:rPr lang="de-AT" dirty="0" err="1" smtClean="0"/>
+              <a:rPr lang="de-AT" dirty="0" err="1"/>
               <a:t>event</a:t>
             </a:r>
             <a:r>
-              <a:rPr lang="de-AT" dirty="0" smtClean="0"/>
+              <a:rPr lang="de-AT" dirty="0"/>
               <a:t> of </a:t>
             </a:r>
             <a:r>
-              <a:rPr lang="de-AT" dirty="0" err="1" smtClean="0"/>
+              <a:rPr lang="de-AT" dirty="0" err="1"/>
               <a:t>the</a:t>
             </a:r>
             <a:r>
-              <a:rPr lang="de-AT" dirty="0" smtClean="0"/>
+              <a:rPr lang="de-AT" dirty="0"/>
               <a:t> </a:t>
             </a:r>
             <a:r>
-              <a:rPr lang="de-AT" dirty="0" err="1" smtClean="0"/>
+              <a:rPr lang="de-AT" dirty="0" err="1"/>
               <a:t>service</a:t>
             </a:r>
             <a:r>
-              <a:rPr lang="de-AT" dirty="0" smtClean="0"/>
+              <a:rPr lang="de-AT" dirty="0"/>
               <a:t> </a:t>
             </a:r>
             <a:r>
-              <a:rPr lang="de-AT" dirty="0" err="1" smtClean="0"/>
+              <a:rPr lang="de-AT" dirty="0" err="1"/>
               <a:t>worker</a:t>
             </a:r>
             <a:endParaRPr lang="de-AT" dirty="0"/>
@@ -19616,11 +19483,11 @@
           <a:lstStyle/>
           <a:p>
             <a:r>
-              <a:rPr lang="de-AT" dirty="0" smtClean="0"/>
+              <a:rPr lang="de-AT" dirty="0"/>
               <a:t>Demo STATIC </a:t>
             </a:r>
             <a:r>
-              <a:rPr lang="de-AT" dirty="0" err="1" smtClean="0"/>
+              <a:rPr lang="de-AT" dirty="0" err="1"/>
               <a:t>caching</a:t>
             </a:r>
             <a:endParaRPr lang="de-AT" dirty="0"/>
@@ -19692,7 +19559,7 @@
           <a:lstStyle/>
           <a:p>
             <a:r>
-              <a:rPr lang="de-AT" dirty="0" smtClean="0">
+              <a:rPr lang="de-AT" dirty="0">
                 <a:solidFill>
                   <a:srgbClr val="00B050"/>
                 </a:solidFill>
@@ -19700,11 +19567,11 @@
               <a:t>Dynamic</a:t>
             </a:r>
             <a:r>
-              <a:rPr lang="de-AT" dirty="0" smtClean="0"/>
+              <a:rPr lang="de-AT" dirty="0"/>
               <a:t> </a:t>
             </a:r>
             <a:r>
-              <a:rPr lang="de-AT" dirty="0" err="1" smtClean="0"/>
+              <a:rPr lang="de-AT" dirty="0" err="1"/>
               <a:t>caching</a:t>
             </a:r>
             <a:endParaRPr lang="de-AT" dirty="0"/>
@@ -19727,51 +19594,51 @@
           <a:lstStyle/>
           <a:p>
             <a:r>
-              <a:rPr lang="de-AT" dirty="0" smtClean="0"/>
+              <a:rPr lang="de-AT" dirty="0"/>
               <a:t>Cache </a:t>
             </a:r>
             <a:r>
-              <a:rPr lang="de-AT" dirty="0" err="1" smtClean="0"/>
+              <a:rPr lang="de-AT" dirty="0" err="1"/>
               <a:t>new</a:t>
             </a:r>
             <a:r>
-              <a:rPr lang="de-AT" dirty="0" smtClean="0"/>
+              <a:rPr lang="de-AT" dirty="0"/>
               <a:t> </a:t>
             </a:r>
             <a:r>
-              <a:rPr lang="de-AT" dirty="0" err="1" smtClean="0"/>
+              <a:rPr lang="de-AT" dirty="0" err="1"/>
               <a:t>requests</a:t>
             </a:r>
             <a:r>
-              <a:rPr lang="de-AT" dirty="0" smtClean="0"/>
+              <a:rPr lang="de-AT" dirty="0"/>
               <a:t> in </a:t>
             </a:r>
             <a:r>
-              <a:rPr lang="de-AT" dirty="0" err="1" smtClean="0"/>
+              <a:rPr lang="de-AT" dirty="0" err="1"/>
               <a:t>the</a:t>
             </a:r>
             <a:r>
-              <a:rPr lang="de-AT" dirty="0" smtClean="0"/>
+              <a:rPr lang="de-AT" dirty="0"/>
               <a:t> </a:t>
             </a:r>
             <a:r>
-              <a:rPr lang="de-AT" dirty="0" err="1" smtClean="0"/>
+              <a:rPr lang="de-AT" dirty="0" err="1"/>
               <a:t>fetch</a:t>
             </a:r>
             <a:r>
-              <a:rPr lang="de-AT" dirty="0" smtClean="0"/>
+              <a:rPr lang="de-AT" dirty="0"/>
               <a:t> </a:t>
             </a:r>
             <a:r>
-              <a:rPr lang="de-AT" dirty="0" err="1" smtClean="0"/>
+              <a:rPr lang="de-AT" dirty="0" err="1"/>
               <a:t>event</a:t>
             </a:r>
             <a:r>
-              <a:rPr lang="de-AT" dirty="0" smtClean="0"/>
+              <a:rPr lang="de-AT" dirty="0"/>
               <a:t> </a:t>
             </a:r>
             <a:r>
-              <a:rPr lang="de-AT" dirty="0" err="1" smtClean="0"/>
+              <a:rPr lang="de-AT" dirty="0" err="1"/>
               <a:t>dynamically</a:t>
             </a:r>
             <a:endParaRPr lang="de-AT" dirty="0"/>
@@ -19824,14 +19691,13 @@
           <a:lstStyle/>
           <a:p>
             <a:r>
-              <a:rPr lang="de-AT" dirty="0" smtClean="0"/>
+              <a:rPr lang="de-AT" dirty="0"/>
               <a:t>Demo DYNAMIC </a:t>
             </a:r>
             <a:r>
-              <a:rPr lang="de-AT" smtClean="0"/>
+              <a:rPr lang="de-AT"/>
               <a:t>caching</a:t>
             </a:r>
-            <a:endParaRPr lang="de-AT"/>
           </a:p>
         </p:txBody>
       </p:sp>
@@ -19900,11 +19766,11 @@
           <a:lstStyle/>
           <a:p>
             <a:r>
-              <a:rPr lang="de-AT" dirty="0" smtClean="0"/>
+              <a:rPr lang="de-AT" dirty="0"/>
               <a:t>Cache </a:t>
             </a:r>
             <a:r>
-              <a:rPr lang="de-AT" dirty="0" err="1" smtClean="0"/>
+              <a:rPr lang="de-AT" dirty="0" err="1"/>
               <a:t>versioning</a:t>
             </a:r>
             <a:endParaRPr lang="de-AT" dirty="0"/>
@@ -20284,10 +20150,9 @@
           <a:lstStyle/>
           <a:p>
             <a:r>
-              <a:rPr lang="de-AT" dirty="0" smtClean="0"/>
+              <a:rPr lang="de-AT" dirty="0"/>
               <a:t>Links</a:t>
             </a:r>
-            <a:endParaRPr lang="de-AT" dirty="0"/>
           </a:p>
         </p:txBody>
       </p:sp>
@@ -20791,22 +20656,17 @@
           <a:lstStyle/>
           <a:p>
             <a:r>
-              <a:rPr lang="de-AT" dirty="0" smtClean="0"/>
+              <a:rPr lang="de-AT" dirty="0"/>
               <a:t>WIFI – CODE - </a:t>
             </a:r>
             <a:r>
-              <a:rPr lang="de-AT" dirty="0" smtClean="0">
+              <a:rPr lang="de-AT" dirty="0">
                 <a:solidFill>
                   <a:srgbClr val="00B050"/>
                 </a:solidFill>
               </a:rPr>
               <a:t>REPEAT</a:t>
             </a:r>
-            <a:endParaRPr lang="de-AT" dirty="0">
-              <a:solidFill>
-                <a:srgbClr val="00B050"/>
-              </a:solidFill>
-            </a:endParaRPr>
           </a:p>
         </p:txBody>
       </p:sp>
@@ -20875,7 +20735,7 @@
           <a:lstStyle/>
           <a:p>
             <a:r>
-              <a:rPr lang="de-AT" dirty="0" err="1" smtClean="0"/>
+              <a:rPr lang="de-AT" dirty="0" err="1"/>
               <a:t>Improve</a:t>
             </a:r>
             <a:r>
@@ -20883,15 +20743,15 @@
               <a:t> </a:t>
             </a:r>
             <a:r>
-              <a:rPr lang="de-AT" dirty="0" err="1" smtClean="0"/>
+              <a:rPr lang="de-AT" dirty="0" err="1"/>
               <a:t>existing</a:t>
             </a:r>
             <a:r>
-              <a:rPr lang="de-AT" dirty="0" smtClean="0"/>
+              <a:rPr lang="de-AT" dirty="0"/>
               <a:t> </a:t>
             </a:r>
             <a:r>
-              <a:rPr lang="de-AT" dirty="0" err="1" smtClean="0"/>
+              <a:rPr lang="de-AT" dirty="0" err="1"/>
               <a:t>Application</a:t>
             </a:r>
             <a:endParaRPr lang="de-AT" dirty="0"/>
@@ -20914,111 +20774,111 @@
           <a:lstStyle/>
           <a:p>
             <a:r>
-              <a:rPr lang="de-AT" dirty="0" smtClean="0"/>
+              <a:rPr lang="de-AT" dirty="0"/>
               <a:t>Google </a:t>
             </a:r>
             <a:r>
-              <a:rPr lang="de-AT" dirty="0" err="1" smtClean="0"/>
+              <a:rPr lang="de-AT" dirty="0" err="1"/>
               <a:t>Firebase</a:t>
             </a:r>
-            <a:endParaRPr lang="de-AT" dirty="0" smtClean="0"/>
-          </a:p>
-          <a:p>
-            <a:r>
-              <a:rPr lang="de-AT" dirty="0" smtClean="0"/>
+            <a:endParaRPr lang="de-AT" dirty="0"/>
+          </a:p>
+          <a:p>
+            <a:r>
+              <a:rPr lang="de-AT" dirty="0"/>
               <a:t>Add </a:t>
             </a:r>
             <a:r>
-              <a:rPr lang="de-AT" dirty="0" err="1" smtClean="0"/>
+              <a:rPr lang="de-AT" dirty="0" err="1"/>
               <a:t>functionality</a:t>
             </a:r>
             <a:r>
-              <a:rPr lang="de-AT" dirty="0" smtClean="0"/>
+              <a:rPr lang="de-AT" dirty="0"/>
               <a:t> (</a:t>
             </a:r>
             <a:r>
-              <a:rPr lang="de-AT" dirty="0" err="1" smtClean="0"/>
+              <a:rPr lang="de-AT" dirty="0" err="1"/>
               <a:t>read</a:t>
             </a:r>
             <a:r>
-              <a:rPr lang="de-AT" dirty="0" smtClean="0"/>
+              <a:rPr lang="de-AT" dirty="0"/>
               <a:t>, </a:t>
             </a:r>
             <a:r>
-              <a:rPr lang="de-AT" dirty="0" err="1" smtClean="0"/>
+              <a:rPr lang="de-AT" dirty="0" err="1"/>
               <a:t>delete</a:t>
             </a:r>
             <a:r>
-              <a:rPr lang="de-AT" dirty="0" smtClean="0"/>
+              <a:rPr lang="de-AT" dirty="0"/>
               <a:t>, </a:t>
             </a:r>
             <a:r>
-              <a:rPr lang="de-AT" dirty="0" err="1" smtClean="0"/>
+              <a:rPr lang="de-AT" dirty="0" err="1"/>
               <a:t>insert</a:t>
             </a:r>
             <a:r>
-              <a:rPr lang="de-AT" dirty="0" smtClean="0"/>
+              <a:rPr lang="de-AT" dirty="0"/>
               <a:t>)</a:t>
             </a:r>
           </a:p>
           <a:p>
             <a:r>
-              <a:rPr lang="de-AT" dirty="0" smtClean="0"/>
+              <a:rPr lang="de-AT" dirty="0"/>
               <a:t>Show </a:t>
             </a:r>
             <a:r>
-              <a:rPr lang="de-AT" dirty="0" err="1" smtClean="0"/>
+              <a:rPr lang="de-AT" dirty="0" err="1"/>
               <a:t>bug</a:t>
             </a:r>
             <a:r>
-              <a:rPr lang="de-AT" dirty="0" smtClean="0"/>
+              <a:rPr lang="de-AT" dirty="0"/>
               <a:t> </a:t>
             </a:r>
             <a:r>
-              <a:rPr lang="de-AT" dirty="0" err="1" smtClean="0"/>
+              <a:rPr lang="de-AT" dirty="0" err="1"/>
               <a:t>with</a:t>
             </a:r>
             <a:r>
-              <a:rPr lang="de-AT" dirty="0" smtClean="0"/>
+              <a:rPr lang="de-AT" dirty="0"/>
               <a:t> </a:t>
             </a:r>
             <a:r>
-              <a:rPr lang="de-AT" dirty="0" err="1" smtClean="0"/>
+              <a:rPr lang="de-AT" dirty="0" err="1"/>
               <a:t>fetch</a:t>
             </a:r>
             <a:r>
-              <a:rPr lang="de-AT" dirty="0" smtClean="0"/>
+              <a:rPr lang="de-AT" dirty="0"/>
               <a:t> / </a:t>
             </a:r>
             <a:r>
-              <a:rPr lang="de-AT" dirty="0" err="1" smtClean="0"/>
+              <a:rPr lang="de-AT" dirty="0" err="1"/>
               <a:t>use</a:t>
             </a:r>
             <a:r>
-              <a:rPr lang="de-AT" dirty="0" smtClean="0"/>
+              <a:rPr lang="de-AT" dirty="0"/>
               <a:t> catch, </a:t>
             </a:r>
             <a:r>
-              <a:rPr lang="de-AT" dirty="0" err="1" smtClean="0"/>
+              <a:rPr lang="de-AT" dirty="0" err="1"/>
               <a:t>then</a:t>
             </a:r>
             <a:r>
-              <a:rPr lang="de-AT" dirty="0" smtClean="0"/>
+              <a:rPr lang="de-AT" dirty="0"/>
               <a:t> </a:t>
             </a:r>
             <a:r>
-              <a:rPr lang="de-AT" dirty="0" err="1" smtClean="0"/>
+              <a:rPr lang="de-AT" dirty="0" err="1"/>
               <a:t>and</a:t>
             </a:r>
             <a:r>
-              <a:rPr lang="de-AT" dirty="0" smtClean="0"/>
+              <a:rPr lang="de-AT" dirty="0"/>
               <a:t> </a:t>
             </a:r>
             <a:r>
-              <a:rPr lang="de-AT" dirty="0" err="1" smtClean="0"/>
+              <a:rPr lang="de-AT" dirty="0" err="1"/>
               <a:t>finally</a:t>
             </a:r>
-            <a:endParaRPr lang="de-AT" dirty="0" smtClean="0"/>
+            <a:endParaRPr lang="de-AT" dirty="0"/>
           </a:p>
           <a:p>
             <a:endParaRPr lang="de-AT" dirty="0"/>
@@ -21071,11 +20931,11 @@
           <a:lstStyle/>
           <a:p>
             <a:r>
-              <a:rPr lang="de-DE" dirty="0" err="1" smtClean="0"/>
+              <a:rPr lang="de-DE" dirty="0" err="1"/>
               <a:t>Advanced</a:t>
             </a:r>
             <a:r>
-              <a:rPr lang="de-DE" dirty="0" smtClean="0"/>
+              <a:rPr lang="de-DE" dirty="0"/>
               <a:t> Caching</a:t>
             </a:r>
             <a:endParaRPr lang="de-AT" dirty="0"/>
@@ -21100,141 +20960,141 @@
           <a:lstStyle/>
           <a:p>
             <a:r>
-              <a:rPr lang="de-DE" dirty="0" smtClean="0"/>
+              <a:rPr lang="de-DE" dirty="0"/>
               <a:t>Cache on </a:t>
             </a:r>
             <a:r>
-              <a:rPr lang="de-DE" dirty="0" err="1" smtClean="0"/>
+              <a:rPr lang="de-DE" dirty="0" err="1"/>
               <a:t>demand</a:t>
             </a:r>
-            <a:endParaRPr lang="de-DE" dirty="0" smtClean="0"/>
-          </a:p>
-          <a:p>
-            <a:r>
-              <a:rPr lang="de-DE" dirty="0" smtClean="0"/>
+            <a:endParaRPr lang="de-DE" dirty="0"/>
+          </a:p>
+          <a:p>
+            <a:r>
+              <a:rPr lang="de-DE" dirty="0"/>
               <a:t>Offline </a:t>
             </a:r>
             <a:r>
-              <a:rPr lang="de-DE" dirty="0" err="1" smtClean="0"/>
+              <a:rPr lang="de-DE" dirty="0" err="1"/>
               <a:t>fallback</a:t>
             </a:r>
             <a:r>
-              <a:rPr lang="de-DE" dirty="0" smtClean="0"/>
+              <a:rPr lang="de-DE" dirty="0"/>
               <a:t> </a:t>
             </a:r>
             <a:r>
-              <a:rPr lang="de-DE" dirty="0" err="1" smtClean="0"/>
+              <a:rPr lang="de-DE" dirty="0" err="1"/>
               <a:t>page</a:t>
             </a:r>
-            <a:endParaRPr lang="de-DE" dirty="0" smtClean="0"/>
-          </a:p>
-          <a:p>
-            <a:r>
-              <a:rPr lang="de-DE" dirty="0" smtClean="0"/>
+            <a:endParaRPr lang="de-DE" dirty="0"/>
+          </a:p>
+          <a:p>
+            <a:r>
+              <a:rPr lang="de-DE" dirty="0"/>
               <a:t>Cache </a:t>
             </a:r>
             <a:r>
-              <a:rPr lang="de-DE" dirty="0" err="1" smtClean="0"/>
+              <a:rPr lang="de-DE" dirty="0" err="1"/>
               <a:t>Strategies</a:t>
             </a:r>
-            <a:endParaRPr lang="de-DE" dirty="0" smtClean="0"/>
+            <a:endParaRPr lang="de-DE" dirty="0"/>
           </a:p>
           <a:p>
             <a:pPr lvl="1"/>
             <a:r>
-              <a:rPr lang="de-DE" dirty="0" smtClean="0"/>
+              <a:rPr lang="de-DE" dirty="0"/>
               <a:t>Cache </a:t>
             </a:r>
             <a:r>
-              <a:rPr lang="de-DE" dirty="0" err="1" smtClean="0"/>
+              <a:rPr lang="de-DE" dirty="0" err="1"/>
               <a:t>with</a:t>
             </a:r>
             <a:r>
-              <a:rPr lang="de-DE" dirty="0" smtClean="0"/>
+              <a:rPr lang="de-DE" dirty="0"/>
               <a:t> </a:t>
             </a:r>
             <a:r>
-              <a:rPr lang="de-DE" dirty="0" err="1" smtClean="0"/>
+              <a:rPr lang="de-DE" dirty="0" err="1"/>
               <a:t>network</a:t>
             </a:r>
             <a:r>
-              <a:rPr lang="de-DE" dirty="0" smtClean="0"/>
+              <a:rPr lang="de-DE" dirty="0"/>
               <a:t> </a:t>
             </a:r>
             <a:r>
-              <a:rPr lang="de-DE" dirty="0" err="1" smtClean="0"/>
+              <a:rPr lang="de-DE" dirty="0" err="1"/>
               <a:t>fallback</a:t>
             </a:r>
-            <a:endParaRPr lang="de-DE" dirty="0" smtClean="0"/>
+            <a:endParaRPr lang="de-DE" dirty="0"/>
           </a:p>
           <a:p>
             <a:pPr lvl="1"/>
             <a:r>
-              <a:rPr lang="de-DE" dirty="0" smtClean="0"/>
+              <a:rPr lang="de-DE" dirty="0"/>
               <a:t>Cache </a:t>
             </a:r>
             <a:r>
-              <a:rPr lang="de-DE" dirty="0" err="1" smtClean="0"/>
+              <a:rPr lang="de-DE" dirty="0" err="1"/>
               <a:t>only</a:t>
             </a:r>
-            <a:endParaRPr lang="de-DE" dirty="0" smtClean="0"/>
+            <a:endParaRPr lang="de-DE" dirty="0"/>
           </a:p>
           <a:p>
             <a:pPr lvl="1"/>
             <a:r>
-              <a:rPr lang="de-DE" dirty="0" smtClean="0"/>
+              <a:rPr lang="de-DE" dirty="0"/>
               <a:t>Network </a:t>
             </a:r>
             <a:r>
-              <a:rPr lang="de-DE" dirty="0" err="1" smtClean="0"/>
+              <a:rPr lang="de-DE" dirty="0" err="1"/>
               <a:t>only</a:t>
             </a:r>
-            <a:endParaRPr lang="de-DE" dirty="0" smtClean="0"/>
+            <a:endParaRPr lang="de-DE" dirty="0"/>
           </a:p>
           <a:p>
             <a:pPr lvl="1"/>
             <a:r>
-              <a:rPr lang="de-DE" dirty="0" smtClean="0"/>
+              <a:rPr lang="de-DE" dirty="0"/>
               <a:t>Network </a:t>
             </a:r>
             <a:r>
-              <a:rPr lang="de-DE" dirty="0" err="1" smtClean="0"/>
+              <a:rPr lang="de-DE" dirty="0" err="1"/>
               <a:t>with</a:t>
             </a:r>
             <a:r>
-              <a:rPr lang="de-DE" dirty="0" smtClean="0"/>
+              <a:rPr lang="de-DE" dirty="0"/>
               <a:t> </a:t>
             </a:r>
             <a:r>
-              <a:rPr lang="de-DE" dirty="0" err="1" smtClean="0"/>
+              <a:rPr lang="de-DE" dirty="0" err="1"/>
               <a:t>cache</a:t>
             </a:r>
             <a:r>
-              <a:rPr lang="de-DE" dirty="0" smtClean="0"/>
+              <a:rPr lang="de-DE" dirty="0"/>
               <a:t> </a:t>
             </a:r>
             <a:r>
-              <a:rPr lang="de-DE" dirty="0" err="1" smtClean="0"/>
+              <a:rPr lang="de-DE" dirty="0" err="1"/>
               <a:t>fallback</a:t>
             </a:r>
-            <a:endParaRPr lang="de-DE" dirty="0" smtClean="0"/>
+            <a:endParaRPr lang="de-DE" dirty="0"/>
           </a:p>
           <a:p>
             <a:pPr lvl="1"/>
             <a:r>
-              <a:rPr lang="de-DE" dirty="0" smtClean="0"/>
+              <a:rPr lang="de-DE" dirty="0"/>
               <a:t>Cache </a:t>
             </a:r>
             <a:r>
-              <a:rPr lang="de-DE" dirty="0" err="1" smtClean="0"/>
+              <a:rPr lang="de-DE" dirty="0" err="1"/>
               <a:t>then</a:t>
             </a:r>
             <a:r>
-              <a:rPr lang="de-DE" dirty="0" smtClean="0"/>
+              <a:rPr lang="de-DE" dirty="0"/>
               <a:t> </a:t>
             </a:r>
             <a:r>
-              <a:rPr lang="de-DE" dirty="0" err="1" smtClean="0"/>
+              <a:rPr lang="de-DE" dirty="0" err="1"/>
               <a:t>network</a:t>
             </a:r>
             <a:endParaRPr lang="de-DE" dirty="0"/>
@@ -21242,71 +21102,71 @@
           <a:p>
             <a:pPr lvl="1"/>
             <a:r>
-              <a:rPr lang="de-DE" dirty="0" smtClean="0"/>
+              <a:rPr lang="de-DE" dirty="0"/>
               <a:t>Cache </a:t>
             </a:r>
             <a:r>
-              <a:rPr lang="de-DE" dirty="0" err="1" smtClean="0"/>
+              <a:rPr lang="de-DE" dirty="0" err="1"/>
               <a:t>then</a:t>
             </a:r>
             <a:r>
-              <a:rPr lang="de-DE" dirty="0" smtClean="0"/>
+              <a:rPr lang="de-DE" dirty="0"/>
               <a:t> </a:t>
             </a:r>
             <a:r>
-              <a:rPr lang="de-DE" dirty="0" err="1" smtClean="0"/>
+              <a:rPr lang="de-DE" dirty="0" err="1"/>
               <a:t>network</a:t>
             </a:r>
             <a:r>
-              <a:rPr lang="de-DE" dirty="0" smtClean="0"/>
+              <a:rPr lang="de-DE" dirty="0"/>
               <a:t> &amp; </a:t>
             </a:r>
             <a:r>
-              <a:rPr lang="de-DE" dirty="0" err="1" smtClean="0"/>
+              <a:rPr lang="de-DE" dirty="0" err="1"/>
               <a:t>dynamic</a:t>
             </a:r>
             <a:r>
-              <a:rPr lang="de-DE" dirty="0" smtClean="0"/>
+              <a:rPr lang="de-DE" dirty="0"/>
               <a:t> </a:t>
             </a:r>
             <a:r>
-              <a:rPr lang="de-DE" dirty="0" err="1" smtClean="0"/>
+              <a:rPr lang="de-DE" dirty="0" err="1"/>
               <a:t>caching</a:t>
             </a:r>
-            <a:endParaRPr lang="de-DE" dirty="0" smtClean="0"/>
+            <a:endParaRPr lang="de-DE" dirty="0"/>
           </a:p>
           <a:p>
             <a:pPr lvl="1"/>
             <a:r>
-              <a:rPr lang="de-DE" dirty="0" smtClean="0"/>
+              <a:rPr lang="de-DE" dirty="0"/>
               <a:t>Cache </a:t>
             </a:r>
             <a:r>
-              <a:rPr lang="de-DE" dirty="0" err="1" smtClean="0"/>
+              <a:rPr lang="de-DE" dirty="0" err="1"/>
               <a:t>then</a:t>
             </a:r>
             <a:r>
-              <a:rPr lang="de-DE" dirty="0" smtClean="0"/>
+              <a:rPr lang="de-DE" dirty="0"/>
               <a:t> </a:t>
             </a:r>
             <a:r>
-              <a:rPr lang="de-DE" dirty="0" err="1" smtClean="0"/>
+              <a:rPr lang="de-DE" dirty="0" err="1"/>
               <a:t>network</a:t>
             </a:r>
             <a:r>
-              <a:rPr lang="de-DE" dirty="0" smtClean="0"/>
+              <a:rPr lang="de-DE" dirty="0"/>
               <a:t> </a:t>
             </a:r>
             <a:r>
-              <a:rPr lang="de-DE" dirty="0" err="1" smtClean="0"/>
+              <a:rPr lang="de-DE" dirty="0" err="1"/>
               <a:t>with</a:t>
             </a:r>
             <a:r>
-              <a:rPr lang="de-DE" dirty="0" smtClean="0"/>
+              <a:rPr lang="de-DE" dirty="0"/>
               <a:t> offline </a:t>
             </a:r>
             <a:r>
-              <a:rPr lang="de-DE" dirty="0" err="1" smtClean="0"/>
+              <a:rPr lang="de-DE" dirty="0" err="1"/>
               <a:t>support</a:t>
             </a:r>
             <a:endParaRPr lang="de-AT" dirty="0"/>
@@ -21359,11 +21219,11 @@
           <a:lstStyle/>
           <a:p>
             <a:r>
-              <a:rPr lang="de-AT" dirty="0" smtClean="0"/>
+              <a:rPr lang="de-AT" dirty="0"/>
               <a:t>Cache on </a:t>
             </a:r>
             <a:r>
-              <a:rPr lang="de-AT" dirty="0" err="1" smtClean="0"/>
+              <a:rPr lang="de-AT" dirty="0" err="1"/>
               <a:t>demand</a:t>
             </a:r>
             <a:endParaRPr lang="de-AT" dirty="0"/>
@@ -21442,26 +21302,16 @@
               </a:rPr>
               <a:t>) </a:t>
             </a:r>
-            <a:endParaRPr lang="de-AT" dirty="0" smtClean="0">
-              <a:solidFill>
-                <a:schemeClr val="bg1"/>
-              </a:solidFill>
-            </a:endParaRPr>
-          </a:p>
-          <a:p>
-            <a:r>
-              <a:rPr lang="de-AT" dirty="0" smtClean="0">
+          </a:p>
+          <a:p>
+            <a:r>
+              <a:rPr lang="de-AT" dirty="0">
                 <a:solidFill>
                   <a:schemeClr val="bg1"/>
                 </a:solidFill>
               </a:rPr>
               <a:t>{</a:t>
             </a:r>
-            <a:endParaRPr lang="de-AT" dirty="0">
-              <a:solidFill>
-                <a:schemeClr val="bg1"/>
-              </a:solidFill>
-            </a:endParaRPr>
           </a:p>
           <a:p>
             <a:r>
@@ -21657,11 +21507,11 @@
           <a:lstStyle/>
           <a:p>
             <a:r>
-              <a:rPr lang="de-AT" dirty="0" smtClean="0"/>
+              <a:rPr lang="de-AT" dirty="0"/>
               <a:t>Offline </a:t>
             </a:r>
             <a:r>
-              <a:rPr lang="de-AT" dirty="0" err="1" smtClean="0"/>
+              <a:rPr lang="de-AT" dirty="0" err="1"/>
               <a:t>fallback</a:t>
             </a:r>
             <a:endParaRPr lang="de-AT" dirty="0"/>
@@ -21693,20 +21543,12 @@
           <a:lstStyle/>
           <a:p>
             <a:r>
-              <a:rPr lang="de-AT" dirty="0" smtClean="0">
-                <a:solidFill>
-                  <a:schemeClr val="bg1"/>
-                </a:solidFill>
-              </a:rPr>
-              <a:t>  </a:t>
-            </a:r>
-            <a:r>
-              <a:rPr lang="de-AT" dirty="0">
-                <a:solidFill>
-                  <a:schemeClr val="bg1"/>
-                </a:solidFill>
-              </a:rPr>
-              <a:t>                      .catch(</a:t>
+              <a:rPr lang="de-AT" dirty="0">
+                <a:solidFill>
+                  <a:schemeClr val="bg1"/>
+                </a:solidFill>
+              </a:rPr>
+              <a:t>                        .catch(</a:t>
             </a:r>
             <a:r>
               <a:rPr lang="de-AT" dirty="0" err="1">
@@ -22078,42 +21920,41 @@
           <a:p>
             <a:pPr algn="ctr"/>
             <a:r>
-              <a:rPr lang="de-AT" dirty="0" smtClean="0"/>
+              <a:rPr lang="de-AT" dirty="0"/>
               <a:t>Cache </a:t>
             </a:r>
             <a:r>
-              <a:rPr lang="de-AT" dirty="0" err="1" smtClean="0"/>
+              <a:rPr lang="de-AT" dirty="0" err="1"/>
               <a:t>with</a:t>
             </a:r>
             <a:r>
-              <a:rPr lang="de-AT" dirty="0" smtClean="0"/>
+              <a:rPr lang="de-AT" dirty="0"/>
               <a:t> </a:t>
             </a:r>
             <a:r>
-              <a:rPr lang="de-AT" dirty="0" err="1" smtClean="0"/>
+              <a:rPr lang="de-AT" dirty="0" err="1"/>
               <a:t>network</a:t>
             </a:r>
             <a:r>
-              <a:rPr lang="de-AT" dirty="0" smtClean="0"/>
+              <a:rPr lang="de-AT" dirty="0"/>
               <a:t> </a:t>
             </a:r>
             <a:r>
-              <a:rPr lang="de-AT" dirty="0" err="1" smtClean="0"/>
+              <a:rPr lang="de-AT" dirty="0" err="1"/>
               <a:t>fallback</a:t>
             </a:r>
             <a:r>
-              <a:rPr lang="de-AT" dirty="0" smtClean="0"/>
+              <a:rPr lang="de-AT" dirty="0"/>
               <a:t> (</a:t>
             </a:r>
             <a:r>
-              <a:rPr lang="de-AT" dirty="0" err="1" smtClean="0"/>
+              <a:rPr lang="de-AT" dirty="0" err="1"/>
               <a:t>now</a:t>
             </a:r>
             <a:r>
-              <a:rPr lang="de-AT" dirty="0" smtClean="0"/>
+              <a:rPr lang="de-AT" dirty="0"/>
               <a:t>)</a:t>
             </a:r>
-            <a:endParaRPr lang="de-AT" dirty="0"/>
           </a:p>
         </p:txBody>
       </p:sp>
@@ -22154,10 +21995,9 @@
           <a:p>
             <a:pPr algn="ctr"/>
             <a:r>
-              <a:rPr lang="de-AT" dirty="0" smtClean="0"/>
+              <a:rPr lang="de-AT" dirty="0"/>
               <a:t>Page</a:t>
             </a:r>
-            <a:endParaRPr lang="de-AT" dirty="0"/>
           </a:p>
         </p:txBody>
       </p:sp>
@@ -22198,10 +22038,9 @@
           <a:p>
             <a:pPr algn="ctr"/>
             <a:r>
-              <a:rPr lang="de-AT" dirty="0" smtClean="0"/>
+              <a:rPr lang="de-AT" dirty="0"/>
               <a:t>Service Worker</a:t>
             </a:r>
-            <a:endParaRPr lang="de-AT" dirty="0"/>
           </a:p>
         </p:txBody>
       </p:sp>
@@ -22242,10 +22081,10 @@
           <a:p>
             <a:pPr algn="ctr"/>
             <a:r>
-              <a:rPr lang="de-DE" dirty="0" smtClean="0"/>
+              <a:rPr lang="de-DE" dirty="0"/>
               <a:t>Network</a:t>
             </a:r>
-            <a:endParaRPr lang="de-AT" dirty="0" smtClean="0"/>
+            <a:endParaRPr lang="de-AT" dirty="0"/>
           </a:p>
         </p:txBody>
       </p:sp>
@@ -22286,10 +22125,9 @@
           <a:p>
             <a:pPr algn="ctr"/>
             <a:r>
-              <a:rPr lang="de-AT" dirty="0" smtClean="0"/>
+              <a:rPr lang="de-AT" dirty="0"/>
               <a:t>Cache</a:t>
             </a:r>
-            <a:endParaRPr lang="de-AT" dirty="0"/>
           </a:p>
         </p:txBody>
       </p:sp>
@@ -22316,10 +22154,9 @@
           <a:lstStyle/>
           <a:p>
             <a:r>
-              <a:rPr lang="de-AT" dirty="0" smtClean="0"/>
+              <a:rPr lang="de-AT" dirty="0"/>
               <a:t>1</a:t>
             </a:r>
-            <a:endParaRPr lang="de-AT" dirty="0"/>
           </a:p>
         </p:txBody>
       </p:sp>
@@ -22483,10 +22320,9 @@
           <a:lstStyle/>
           <a:p>
             <a:r>
-              <a:rPr lang="de-AT" dirty="0" smtClean="0"/>
+              <a:rPr lang="de-AT" dirty="0"/>
               <a:t>3</a:t>
             </a:r>
-            <a:endParaRPr lang="de-AT" dirty="0"/>
           </a:p>
         </p:txBody>
       </p:sp>
@@ -22549,10 +22385,9 @@
           <a:lstStyle/>
           <a:p>
             <a:r>
-              <a:rPr lang="de-AT" dirty="0" smtClean="0"/>
+              <a:rPr lang="de-AT" dirty="0"/>
               <a:t>4</a:t>
             </a:r>
-            <a:endParaRPr lang="de-AT" dirty="0"/>
           </a:p>
         </p:txBody>
       </p:sp>
@@ -22579,33 +22414,33 @@
           <a:lstStyle/>
           <a:p>
             <a:r>
-              <a:rPr lang="de-AT" dirty="0" smtClean="0"/>
+              <a:rPr lang="de-AT" dirty="0"/>
               <a:t>Speed</a:t>
             </a:r>
           </a:p>
           <a:p>
             <a:r>
-              <a:rPr lang="de-AT" dirty="0" smtClean="0"/>
+              <a:rPr lang="de-AT" dirty="0"/>
               <a:t>Not </a:t>
             </a:r>
             <a:r>
-              <a:rPr lang="de-AT" dirty="0" err="1" smtClean="0"/>
+              <a:rPr lang="de-AT" dirty="0" err="1"/>
               <a:t>up</a:t>
             </a:r>
             <a:r>
-              <a:rPr lang="de-AT" dirty="0" smtClean="0"/>
+              <a:rPr lang="de-AT" dirty="0"/>
               <a:t> </a:t>
             </a:r>
             <a:r>
-              <a:rPr lang="de-AT" dirty="0" err="1" smtClean="0"/>
+              <a:rPr lang="de-AT" dirty="0" err="1"/>
               <a:t>to</a:t>
             </a:r>
             <a:r>
-              <a:rPr lang="de-AT" dirty="0" smtClean="0"/>
+              <a:rPr lang="de-AT" dirty="0"/>
               <a:t> </a:t>
             </a:r>
             <a:r>
-              <a:rPr lang="de-AT" dirty="0" err="1" smtClean="0"/>
+              <a:rPr lang="de-AT" dirty="0" err="1"/>
               <a:t>date</a:t>
             </a:r>
             <a:endParaRPr lang="de-AT" dirty="0"/>
@@ -22659,11 +22494,11 @@
           <a:p>
             <a:pPr algn="ctr"/>
             <a:r>
-              <a:rPr lang="de-AT" dirty="0" smtClean="0"/>
+              <a:rPr lang="de-AT" dirty="0"/>
               <a:t>Cache </a:t>
             </a:r>
             <a:r>
-              <a:rPr lang="de-AT" dirty="0" err="1" smtClean="0"/>
+              <a:rPr lang="de-AT" dirty="0" err="1"/>
               <a:t>only</a:t>
             </a:r>
             <a:endParaRPr lang="de-AT" dirty="0"/>
@@ -22707,10 +22542,9 @@
           <a:p>
             <a:pPr algn="ctr"/>
             <a:r>
-              <a:rPr lang="de-AT" dirty="0" smtClean="0"/>
+              <a:rPr lang="de-AT" dirty="0"/>
               <a:t>Page</a:t>
             </a:r>
-            <a:endParaRPr lang="de-AT" dirty="0"/>
           </a:p>
         </p:txBody>
       </p:sp>
@@ -22751,10 +22585,9 @@
           <a:p>
             <a:pPr algn="ctr"/>
             <a:r>
-              <a:rPr lang="de-AT" dirty="0" smtClean="0"/>
+              <a:rPr lang="de-AT" dirty="0"/>
               <a:t>Service Worker</a:t>
             </a:r>
-            <a:endParaRPr lang="de-AT" dirty="0"/>
           </a:p>
         </p:txBody>
       </p:sp>
@@ -22795,10 +22628,10 @@
           <a:p>
             <a:pPr algn="ctr"/>
             <a:r>
-              <a:rPr lang="de-DE" dirty="0" smtClean="0"/>
+              <a:rPr lang="de-DE" dirty="0"/>
               <a:t>Network</a:t>
             </a:r>
-            <a:endParaRPr lang="de-AT" dirty="0" smtClean="0"/>
+            <a:endParaRPr lang="de-AT" dirty="0"/>
           </a:p>
         </p:txBody>
       </p:sp>
@@ -22839,10 +22672,9 @@
           <a:p>
             <a:pPr algn="ctr"/>
             <a:r>
-              <a:rPr lang="de-AT" dirty="0" smtClean="0"/>
+              <a:rPr lang="de-AT" dirty="0"/>
               <a:t>Cache</a:t>
             </a:r>
-            <a:endParaRPr lang="de-AT" dirty="0"/>
           </a:p>
         </p:txBody>
       </p:sp>
@@ -22869,10 +22701,9 @@
           <a:lstStyle/>
           <a:p>
             <a:r>
-              <a:rPr lang="de-AT" dirty="0" smtClean="0"/>
+              <a:rPr lang="de-AT" dirty="0"/>
               <a:t>1</a:t>
             </a:r>
-            <a:endParaRPr lang="de-AT" dirty="0"/>
           </a:p>
         </p:txBody>
       </p:sp>
@@ -23089,11 +22920,11 @@
           <a:p>
             <a:pPr algn="ctr"/>
             <a:r>
-              <a:rPr lang="de-AT" dirty="0" smtClean="0"/>
+              <a:rPr lang="de-AT" dirty="0"/>
               <a:t>Network </a:t>
             </a:r>
             <a:r>
-              <a:rPr lang="de-AT" dirty="0" err="1" smtClean="0"/>
+              <a:rPr lang="de-AT" dirty="0" err="1"/>
               <a:t>only</a:t>
             </a:r>
             <a:endParaRPr lang="de-AT" dirty="0"/>
@@ -23137,10 +22968,9 @@
           <a:p>
             <a:pPr algn="ctr"/>
             <a:r>
-              <a:rPr lang="de-AT" dirty="0" smtClean="0"/>
+              <a:rPr lang="de-AT" dirty="0"/>
               <a:t>Page</a:t>
             </a:r>
-            <a:endParaRPr lang="de-AT" dirty="0"/>
           </a:p>
         </p:txBody>
       </p:sp>
@@ -23181,10 +23011,9 @@
           <a:p>
             <a:pPr algn="ctr"/>
             <a:r>
-              <a:rPr lang="de-AT" dirty="0" smtClean="0"/>
+              <a:rPr lang="de-AT" dirty="0"/>
               <a:t>Service Worker</a:t>
             </a:r>
-            <a:endParaRPr lang="de-AT" dirty="0"/>
           </a:p>
         </p:txBody>
       </p:sp>
@@ -23225,10 +23054,10 @@
           <a:p>
             <a:pPr algn="ctr"/>
             <a:r>
-              <a:rPr lang="de-DE" dirty="0" smtClean="0"/>
+              <a:rPr lang="de-DE" dirty="0"/>
               <a:t>Network</a:t>
             </a:r>
-            <a:endParaRPr lang="de-AT" dirty="0" smtClean="0"/>
+            <a:endParaRPr lang="de-AT" dirty="0"/>
           </a:p>
         </p:txBody>
       </p:sp>
@@ -23269,10 +23098,9 @@
           <a:p>
             <a:pPr algn="ctr"/>
             <a:r>
-              <a:rPr lang="de-AT" dirty="0" smtClean="0"/>
+              <a:rPr lang="de-AT" dirty="0"/>
               <a:t>Cache</a:t>
             </a:r>
-            <a:endParaRPr lang="de-AT" dirty="0"/>
           </a:p>
         </p:txBody>
       </p:sp>
@@ -23299,10 +23127,9 @@
           <a:lstStyle/>
           <a:p>
             <a:r>
-              <a:rPr lang="de-AT" dirty="0" smtClean="0"/>
+              <a:rPr lang="de-AT" dirty="0"/>
               <a:t>1</a:t>
             </a:r>
-            <a:endParaRPr lang="de-AT" dirty="0"/>
           </a:p>
         </p:txBody>
       </p:sp>
@@ -23608,27 +23435,27 @@
           <a:p>
             <a:pPr algn="ctr"/>
             <a:r>
-              <a:rPr lang="de-AT" dirty="0" smtClean="0"/>
+              <a:rPr lang="de-AT" dirty="0"/>
               <a:t>Network </a:t>
             </a:r>
             <a:r>
-              <a:rPr lang="de-AT" dirty="0" err="1" smtClean="0"/>
+              <a:rPr lang="de-AT" dirty="0" err="1"/>
               <a:t>with</a:t>
             </a:r>
             <a:r>
-              <a:rPr lang="de-AT" dirty="0" smtClean="0"/>
+              <a:rPr lang="de-AT" dirty="0"/>
               <a:t> </a:t>
             </a:r>
             <a:r>
-              <a:rPr lang="de-AT" dirty="0" err="1" smtClean="0"/>
+              <a:rPr lang="de-AT" dirty="0" err="1"/>
               <a:t>cache</a:t>
             </a:r>
             <a:r>
-              <a:rPr lang="de-AT" dirty="0" smtClean="0"/>
+              <a:rPr lang="de-AT" dirty="0"/>
               <a:t> </a:t>
             </a:r>
             <a:r>
-              <a:rPr lang="de-AT" dirty="0" err="1" smtClean="0"/>
+              <a:rPr lang="de-AT" dirty="0" err="1"/>
               <a:t>fallback</a:t>
             </a:r>
             <a:endParaRPr lang="de-AT" dirty="0"/>
@@ -23672,10 +23499,9 @@
           <a:p>
             <a:pPr algn="ctr"/>
             <a:r>
-              <a:rPr lang="de-AT" dirty="0" smtClean="0"/>
+              <a:rPr lang="de-AT" dirty="0"/>
               <a:t>Page</a:t>
             </a:r>
-            <a:endParaRPr lang="de-AT" dirty="0"/>
           </a:p>
         </p:txBody>
       </p:sp>
@@ -23716,10 +23542,9 @@
           <a:p>
             <a:pPr algn="ctr"/>
             <a:r>
-              <a:rPr lang="de-AT" dirty="0" smtClean="0"/>
+              <a:rPr lang="de-AT" dirty="0"/>
               <a:t>Service Worker</a:t>
             </a:r>
-            <a:endParaRPr lang="de-AT" dirty="0"/>
           </a:p>
         </p:txBody>
       </p:sp>
@@ -23760,10 +23585,10 @@
           <a:p>
             <a:pPr algn="ctr"/>
             <a:r>
-              <a:rPr lang="de-DE" dirty="0" smtClean="0"/>
+              <a:rPr lang="de-DE" dirty="0"/>
               <a:t>Network</a:t>
             </a:r>
-            <a:endParaRPr lang="de-AT" dirty="0" smtClean="0"/>
+            <a:endParaRPr lang="de-AT" dirty="0"/>
           </a:p>
         </p:txBody>
       </p:sp>
@@ -23804,10 +23629,9 @@
           <a:p>
             <a:pPr algn="ctr"/>
             <a:r>
-              <a:rPr lang="de-AT" dirty="0" smtClean="0"/>
+              <a:rPr lang="de-AT" dirty="0"/>
               <a:t>Cache</a:t>
             </a:r>
-            <a:endParaRPr lang="de-AT" dirty="0"/>
           </a:p>
         </p:txBody>
       </p:sp>
@@ -23834,10 +23658,9 @@
           <a:lstStyle/>
           <a:p>
             <a:r>
-              <a:rPr lang="de-AT" dirty="0" smtClean="0"/>
+              <a:rPr lang="de-AT" dirty="0"/>
               <a:t>1</a:t>
             </a:r>
-            <a:endParaRPr lang="de-AT" dirty="0"/>
           </a:p>
         </p:txBody>
       </p:sp>
@@ -23936,10 +23759,9 @@
           <a:lstStyle/>
           <a:p>
             <a:r>
-              <a:rPr lang="de-AT" dirty="0" smtClean="0"/>
+              <a:rPr lang="de-AT" dirty="0"/>
               <a:t>3</a:t>
             </a:r>
-            <a:endParaRPr lang="de-AT" dirty="0"/>
           </a:p>
         </p:txBody>
       </p:sp>
@@ -24002,10 +23824,9 @@
           <a:lstStyle/>
           <a:p>
             <a:r>
-              <a:rPr lang="de-AT" dirty="0" smtClean="0"/>
+              <a:rPr lang="de-AT" dirty="0"/>
               <a:t>2</a:t>
             </a:r>
-            <a:endParaRPr lang="de-AT" dirty="0"/>
           </a:p>
         </p:txBody>
       </p:sp>
@@ -24032,10 +23853,9 @@
           <a:lstStyle/>
           <a:p>
             <a:r>
-              <a:rPr lang="de-AT" dirty="0" smtClean="0"/>
+              <a:rPr lang="de-AT" dirty="0"/>
               <a:t>4</a:t>
             </a:r>
-            <a:endParaRPr lang="de-AT" dirty="0"/>
           </a:p>
         </p:txBody>
       </p:sp>
@@ -24062,20 +23882,20 @@
           <a:lstStyle/>
           <a:p>
             <a:r>
-              <a:rPr lang="de-AT" dirty="0" smtClean="0"/>
+              <a:rPr lang="de-AT" dirty="0"/>
               <a:t>Not so fast</a:t>
             </a:r>
           </a:p>
           <a:p>
             <a:r>
-              <a:rPr lang="de-AT" dirty="0" smtClean="0"/>
+              <a:rPr lang="de-AT" dirty="0"/>
               <a:t>Network </a:t>
             </a:r>
             <a:r>
-              <a:rPr lang="de-AT" dirty="0" err="1" smtClean="0"/>
+              <a:rPr lang="de-AT" dirty="0" err="1"/>
               <a:t>timeout</a:t>
             </a:r>
-            <a:endParaRPr lang="de-AT" dirty="0" smtClean="0"/>
+            <a:endParaRPr lang="de-AT" dirty="0"/>
           </a:p>
         </p:txBody>
       </p:sp>
@@ -24162,27 +23982,27 @@
           <a:p>
             <a:pPr algn="ctr"/>
             <a:r>
-              <a:rPr lang="de-AT" dirty="0" smtClean="0"/>
+              <a:rPr lang="de-AT" dirty="0"/>
               <a:t>Network </a:t>
             </a:r>
             <a:r>
-              <a:rPr lang="de-AT" dirty="0" err="1" smtClean="0"/>
+              <a:rPr lang="de-AT" dirty="0" err="1"/>
               <a:t>with</a:t>
             </a:r>
             <a:r>
-              <a:rPr lang="de-AT" dirty="0" smtClean="0"/>
+              <a:rPr lang="de-AT" dirty="0"/>
               <a:t> </a:t>
             </a:r>
             <a:r>
-              <a:rPr lang="de-AT" dirty="0" err="1" smtClean="0"/>
+              <a:rPr lang="de-AT" dirty="0" err="1"/>
               <a:t>cache</a:t>
             </a:r>
             <a:r>
-              <a:rPr lang="de-AT" dirty="0" smtClean="0"/>
+              <a:rPr lang="de-AT" dirty="0"/>
               <a:t> </a:t>
             </a:r>
             <a:r>
-              <a:rPr lang="de-AT" dirty="0" err="1" smtClean="0"/>
+              <a:rPr lang="de-AT" dirty="0" err="1"/>
               <a:t>fallback</a:t>
             </a:r>
             <a:endParaRPr lang="de-AT" dirty="0"/>
@@ -24226,10 +24046,9 @@
           <a:p>
             <a:pPr algn="ctr"/>
             <a:r>
-              <a:rPr lang="de-AT" dirty="0" smtClean="0"/>
+              <a:rPr lang="de-AT" dirty="0"/>
               <a:t>Page</a:t>
             </a:r>
-            <a:endParaRPr lang="de-AT" dirty="0"/>
           </a:p>
         </p:txBody>
       </p:sp>
@@ -24270,10 +24089,9 @@
           <a:p>
             <a:pPr algn="ctr"/>
             <a:r>
-              <a:rPr lang="de-AT" dirty="0" smtClean="0"/>
+              <a:rPr lang="de-AT" dirty="0"/>
               <a:t>Service Worker</a:t>
             </a:r>
-            <a:endParaRPr lang="de-AT" dirty="0"/>
           </a:p>
         </p:txBody>
       </p:sp>
@@ -24314,10 +24132,10 @@
           <a:p>
             <a:pPr algn="ctr"/>
             <a:r>
-              <a:rPr lang="de-DE" dirty="0" smtClean="0"/>
+              <a:rPr lang="de-DE" dirty="0"/>
               <a:t>Network</a:t>
             </a:r>
-            <a:endParaRPr lang="de-AT" dirty="0" smtClean="0"/>
+            <a:endParaRPr lang="de-AT" dirty="0"/>
           </a:p>
         </p:txBody>
       </p:sp>
@@ -24358,10 +24176,9 @@
           <a:p>
             <a:pPr algn="ctr"/>
             <a:r>
-              <a:rPr lang="de-AT" dirty="0" smtClean="0"/>
+              <a:rPr lang="de-AT" dirty="0"/>
               <a:t>Cache</a:t>
             </a:r>
-            <a:endParaRPr lang="de-AT" dirty="0"/>
           </a:p>
         </p:txBody>
       </p:sp>
@@ -24388,10 +24205,9 @@
           <a:lstStyle/>
           <a:p>
             <a:r>
-              <a:rPr lang="de-AT" dirty="0" smtClean="0"/>
+              <a:rPr lang="de-AT" dirty="0"/>
               <a:t>1</a:t>
             </a:r>
-            <a:endParaRPr lang="de-AT" dirty="0"/>
           </a:p>
         </p:txBody>
       </p:sp>
@@ -24490,10 +24306,9 @@
           <a:lstStyle/>
           <a:p>
             <a:r>
-              <a:rPr lang="de-AT" dirty="0" smtClean="0"/>
+              <a:rPr lang="de-AT" dirty="0"/>
               <a:t>3</a:t>
             </a:r>
-            <a:endParaRPr lang="de-AT" dirty="0"/>
           </a:p>
         </p:txBody>
       </p:sp>
@@ -24556,10 +24371,9 @@
           <a:lstStyle/>
           <a:p>
             <a:r>
-              <a:rPr lang="de-AT" dirty="0" smtClean="0"/>
+              <a:rPr lang="de-AT" dirty="0"/>
               <a:t>2</a:t>
             </a:r>
-            <a:endParaRPr lang="de-AT" dirty="0"/>
           </a:p>
         </p:txBody>
       </p:sp>
@@ -24586,10 +24400,9 @@
           <a:lstStyle/>
           <a:p>
             <a:r>
-              <a:rPr lang="de-AT" dirty="0" smtClean="0"/>
+              <a:rPr lang="de-AT" dirty="0"/>
               <a:t>4</a:t>
             </a:r>
-            <a:endParaRPr lang="de-AT" dirty="0"/>
           </a:p>
         </p:txBody>
       </p:sp>
@@ -24616,7 +24429,7 @@
           <a:lstStyle/>
           <a:p>
             <a:r>
-              <a:rPr lang="de-AT" dirty="0" smtClean="0"/>
+              <a:rPr lang="de-AT" dirty="0"/>
               <a:t>Not so fast</a:t>
             </a:r>
           </a:p>
@@ -24705,19 +24518,19 @@
           <a:p>
             <a:pPr algn="ctr"/>
             <a:r>
-              <a:rPr lang="de-AT" dirty="0" smtClean="0"/>
+              <a:rPr lang="de-AT" dirty="0"/>
               <a:t>Cache </a:t>
             </a:r>
             <a:r>
-              <a:rPr lang="de-AT" dirty="0" err="1" smtClean="0"/>
+              <a:rPr lang="de-AT" dirty="0" err="1"/>
               <a:t>then</a:t>
             </a:r>
             <a:r>
-              <a:rPr lang="de-AT" dirty="0" smtClean="0"/>
+              <a:rPr lang="de-AT" dirty="0"/>
               <a:t> </a:t>
             </a:r>
             <a:r>
-              <a:rPr lang="de-AT" dirty="0" err="1" smtClean="0"/>
+              <a:rPr lang="de-AT" dirty="0" err="1"/>
               <a:t>network</a:t>
             </a:r>
             <a:endParaRPr lang="de-AT" dirty="0"/>
@@ -24761,10 +24574,9 @@
           <a:p>
             <a:pPr algn="ctr"/>
             <a:r>
-              <a:rPr lang="de-AT" dirty="0" smtClean="0"/>
+              <a:rPr lang="de-AT" dirty="0"/>
               <a:t>Page</a:t>
             </a:r>
-            <a:endParaRPr lang="de-AT" dirty="0"/>
           </a:p>
         </p:txBody>
       </p:sp>
@@ -24805,10 +24617,9 @@
           <a:p>
             <a:pPr algn="ctr"/>
             <a:r>
-              <a:rPr lang="de-AT" dirty="0" smtClean="0"/>
+              <a:rPr lang="de-AT" dirty="0"/>
               <a:t>Service Worker</a:t>
             </a:r>
-            <a:endParaRPr lang="de-AT" dirty="0"/>
           </a:p>
         </p:txBody>
       </p:sp>
@@ -24849,10 +24660,10 @@
           <a:p>
             <a:pPr algn="ctr"/>
             <a:r>
-              <a:rPr lang="de-DE" dirty="0" smtClean="0"/>
+              <a:rPr lang="de-DE" dirty="0"/>
               <a:t>Network</a:t>
             </a:r>
-            <a:endParaRPr lang="de-AT" dirty="0" smtClean="0"/>
+            <a:endParaRPr lang="de-AT" dirty="0"/>
           </a:p>
         </p:txBody>
       </p:sp>
@@ -24893,10 +24704,9 @@
           <a:p>
             <a:pPr algn="ctr"/>
             <a:r>
-              <a:rPr lang="de-AT" dirty="0" smtClean="0"/>
+              <a:rPr lang="de-AT" dirty="0"/>
               <a:t>Cache</a:t>
             </a:r>
-            <a:endParaRPr lang="de-AT" dirty="0"/>
           </a:p>
         </p:txBody>
       </p:sp>
@@ -24923,10 +24733,9 @@
           <a:lstStyle/>
           <a:p>
             <a:r>
-              <a:rPr lang="de-AT" dirty="0" smtClean="0"/>
+              <a:rPr lang="de-AT" dirty="0"/>
               <a:t>1</a:t>
             </a:r>
-            <a:endParaRPr lang="de-AT" dirty="0"/>
           </a:p>
         </p:txBody>
       </p:sp>
@@ -24989,10 +24798,9 @@
           <a:lstStyle/>
           <a:p>
             <a:r>
-              <a:rPr lang="de-AT" dirty="0" smtClean="0"/>
+              <a:rPr lang="de-AT" dirty="0"/>
               <a:t>3</a:t>
             </a:r>
-            <a:endParaRPr lang="de-AT" dirty="0"/>
           </a:p>
         </p:txBody>
       </p:sp>
@@ -25052,10 +24860,9 @@
           <a:lstStyle/>
           <a:p>
             <a:r>
-              <a:rPr lang="de-AT" dirty="0" smtClean="0"/>
+              <a:rPr lang="de-AT" dirty="0"/>
               <a:t>2</a:t>
             </a:r>
-            <a:endParaRPr lang="de-AT" dirty="0"/>
           </a:p>
         </p:txBody>
       </p:sp>
@@ -25082,18 +24889,18 @@
           <a:lstStyle/>
           <a:p>
             <a:r>
-              <a:rPr lang="de-AT" dirty="0" err="1" smtClean="0"/>
+              <a:rPr lang="de-AT" dirty="0" err="1"/>
               <a:t>Get</a:t>
             </a:r>
             <a:r>
-              <a:rPr lang="de-AT" dirty="0" smtClean="0"/>
+              <a:rPr lang="de-AT" dirty="0"/>
               <a:t> fast but update </a:t>
             </a:r>
             <a:r>
-              <a:rPr lang="de-AT" smtClean="0"/>
+              <a:rPr lang="de-AT"/>
               <a:t>frequently</a:t>
             </a:r>
-            <a:endParaRPr lang="de-AT" dirty="0" smtClean="0"/>
+            <a:endParaRPr lang="de-AT" dirty="0"/>
           </a:p>
         </p:txBody>
       </p:sp>
@@ -25156,10 +24963,9 @@
           <a:lstStyle/>
           <a:p>
             <a:r>
-              <a:rPr lang="de-AT" dirty="0" smtClean="0"/>
+              <a:rPr lang="de-AT" dirty="0"/>
               <a:t>1</a:t>
             </a:r>
-            <a:endParaRPr lang="de-AT" dirty="0"/>
           </a:p>
         </p:txBody>
       </p:sp>
@@ -25222,10 +25028,9 @@
           <a:lstStyle/>
           <a:p>
             <a:r>
-              <a:rPr lang="de-AT" dirty="0" smtClean="0"/>
+              <a:rPr lang="de-AT" dirty="0"/>
               <a:t>2</a:t>
             </a:r>
-            <a:endParaRPr lang="de-AT" dirty="0"/>
           </a:p>
         </p:txBody>
       </p:sp>
@@ -25321,10 +25126,9 @@
           <a:lstStyle/>
           <a:p>
             <a:r>
-              <a:rPr lang="de-AT" dirty="0" smtClean="0"/>
+              <a:rPr lang="de-AT" dirty="0"/>
               <a:t>4</a:t>
             </a:r>
-            <a:endParaRPr lang="de-AT" dirty="0"/>
           </a:p>
         </p:txBody>
       </p:sp>
@@ -25390,10 +25194,9 @@
           <a:lstStyle/>
           <a:p>
             <a:r>
-              <a:rPr lang="de-AT" dirty="0" smtClean="0"/>
+              <a:rPr lang="de-AT" dirty="0"/>
               <a:t>5</a:t>
             </a:r>
-            <a:endParaRPr lang="de-AT" dirty="0"/>
           </a:p>
         </p:txBody>
       </p:sp>
@@ -25443,22 +25246,21 @@
           <a:lstStyle/>
           <a:p>
             <a:r>
-              <a:rPr lang="de-AT" dirty="0" err="1" smtClean="0"/>
+              <a:rPr lang="de-AT" dirty="0" err="1"/>
               <a:t>Indexed</a:t>
             </a:r>
             <a:r>
-              <a:rPr lang="de-AT" dirty="0" smtClean="0"/>
+              <a:rPr lang="de-AT" dirty="0"/>
               <a:t> DB </a:t>
             </a:r>
             <a:r>
-              <a:rPr lang="de-AT" dirty="0" err="1" smtClean="0"/>
+              <a:rPr lang="de-AT" dirty="0" err="1"/>
               <a:t>and</a:t>
             </a:r>
             <a:r>
-              <a:rPr lang="de-AT" dirty="0" smtClean="0"/>
+              <a:rPr lang="de-AT" dirty="0"/>
               <a:t> Dynamic Data</a:t>
             </a:r>
-            <a:endParaRPr lang="de-AT" dirty="0"/>
           </a:p>
         </p:txBody>
       </p:sp>
@@ -25529,10 +25331,9 @@
           <a:lstStyle/>
           <a:p>
             <a:r>
-              <a:rPr lang="de-AT" sz="4000" dirty="0" smtClean="0"/>
+              <a:rPr lang="de-AT" sz="4000" dirty="0"/>
               <a:t>Dynamic Caching vs. Caching of Dynamic Content</a:t>
             </a:r>
-            <a:endParaRPr lang="de-AT" sz="4000" dirty="0"/>
           </a:p>
         </p:txBody>
       </p:sp>
@@ -25573,10 +25374,9 @@
           <a:p>
             <a:pPr algn="ctr"/>
             <a:r>
-              <a:rPr lang="de-AT" dirty="0" smtClean="0"/>
+              <a:rPr lang="de-AT" dirty="0"/>
               <a:t>Page</a:t>
             </a:r>
-            <a:endParaRPr lang="de-AT" dirty="0"/>
           </a:p>
         </p:txBody>
       </p:sp>
@@ -25617,10 +25417,9 @@
           <a:p>
             <a:pPr algn="ctr"/>
             <a:r>
-              <a:rPr lang="de-AT" dirty="0" smtClean="0"/>
+              <a:rPr lang="de-AT" dirty="0"/>
               <a:t>Service Worker</a:t>
             </a:r>
-            <a:endParaRPr lang="de-AT" dirty="0"/>
           </a:p>
         </p:txBody>
       </p:sp>
@@ -25661,10 +25460,10 @@
           <a:p>
             <a:pPr algn="ctr"/>
             <a:r>
-              <a:rPr lang="de-DE" dirty="0" smtClean="0"/>
+              <a:rPr lang="de-DE" dirty="0"/>
               <a:t>Network</a:t>
             </a:r>
-            <a:endParaRPr lang="de-AT" dirty="0" smtClean="0"/>
+            <a:endParaRPr lang="de-AT" dirty="0"/>
           </a:p>
         </p:txBody>
       </p:sp>
@@ -25705,10 +25504,9 @@
           <a:p>
             <a:pPr algn="ctr"/>
             <a:r>
-              <a:rPr lang="de-AT" dirty="0" smtClean="0"/>
+              <a:rPr lang="de-AT" dirty="0"/>
               <a:t>Cache</a:t>
             </a:r>
-            <a:endParaRPr lang="de-AT" dirty="0"/>
           </a:p>
         </p:txBody>
       </p:sp>
@@ -25749,10 +25547,9 @@
           <a:p>
             <a:pPr algn="ctr"/>
             <a:r>
-              <a:rPr lang="de-AT" dirty="0" smtClean="0"/>
+              <a:rPr lang="de-AT" dirty="0"/>
               <a:t>Page</a:t>
             </a:r>
-            <a:endParaRPr lang="de-AT" dirty="0"/>
           </a:p>
         </p:txBody>
       </p:sp>
@@ -25793,10 +25590,9 @@
           <a:p>
             <a:pPr algn="ctr"/>
             <a:r>
-              <a:rPr lang="de-AT" dirty="0" smtClean="0"/>
+              <a:rPr lang="de-AT" dirty="0"/>
               <a:t>Service Worker</a:t>
             </a:r>
-            <a:endParaRPr lang="de-AT" dirty="0"/>
           </a:p>
         </p:txBody>
       </p:sp>
@@ -25837,10 +25633,10 @@
           <a:p>
             <a:pPr algn="ctr"/>
             <a:r>
-              <a:rPr lang="de-DE" dirty="0" smtClean="0"/>
+              <a:rPr lang="de-DE" dirty="0"/>
               <a:t>Network</a:t>
             </a:r>
-            <a:endParaRPr lang="de-AT" dirty="0" smtClean="0"/>
+            <a:endParaRPr lang="de-AT" dirty="0"/>
           </a:p>
         </p:txBody>
       </p:sp>
@@ -25879,14 +25675,13 @@
           <a:p>
             <a:pPr algn="ctr"/>
             <a:r>
-              <a:rPr lang="de-AT" dirty="0" err="1" smtClean="0"/>
+              <a:rPr lang="de-AT" dirty="0" err="1"/>
               <a:t>Indexed</a:t>
             </a:r>
             <a:r>
-              <a:rPr lang="de-AT" dirty="0" smtClean="0"/>
+              <a:rPr lang="de-AT" dirty="0"/>
               <a:t> DB</a:t>
             </a:r>
-            <a:endParaRPr lang="de-AT" dirty="0"/>
           </a:p>
         </p:txBody>
       </p:sp>
@@ -25936,14 +25731,13 @@
           <a:lstStyle/>
           <a:p>
             <a:r>
-              <a:rPr lang="de-AT" dirty="0" err="1" smtClean="0"/>
+              <a:rPr lang="de-AT" dirty="0" err="1"/>
               <a:t>Indexed</a:t>
             </a:r>
             <a:r>
-              <a:rPr lang="de-AT" dirty="0" smtClean="0"/>
+              <a:rPr lang="de-AT" dirty="0"/>
               <a:t> DB</a:t>
             </a:r>
-            <a:endParaRPr lang="de-AT" dirty="0"/>
           </a:p>
         </p:txBody>
       </p:sp>
@@ -25963,53 +25757,53 @@
           <a:lstStyle/>
           <a:p>
             <a:r>
-              <a:rPr lang="de-AT" dirty="0" err="1" smtClean="0"/>
+              <a:rPr lang="de-AT" dirty="0" err="1"/>
               <a:t>Transactional</a:t>
             </a:r>
             <a:r>
-              <a:rPr lang="de-AT" dirty="0" smtClean="0"/>
+              <a:rPr lang="de-AT" dirty="0"/>
               <a:t> (=all </a:t>
             </a:r>
             <a:r>
-              <a:rPr lang="de-AT" dirty="0" err="1" smtClean="0"/>
+              <a:rPr lang="de-AT" dirty="0" err="1"/>
               <a:t>or</a:t>
             </a:r>
             <a:r>
-              <a:rPr lang="de-AT" dirty="0" smtClean="0"/>
+              <a:rPr lang="de-AT" dirty="0"/>
               <a:t> </a:t>
             </a:r>
             <a:r>
-              <a:rPr lang="de-AT" dirty="0" err="1" smtClean="0"/>
+              <a:rPr lang="de-AT" dirty="0" err="1"/>
               <a:t>none</a:t>
             </a:r>
             <a:r>
-              <a:rPr lang="de-AT" dirty="0" smtClean="0"/>
+              <a:rPr lang="de-AT" dirty="0"/>
               <a:t>)</a:t>
             </a:r>
           </a:p>
           <a:p>
             <a:r>
-              <a:rPr lang="de-AT" dirty="0" smtClean="0"/>
+              <a:rPr lang="de-AT" dirty="0"/>
               <a:t>Key-Value </a:t>
             </a:r>
           </a:p>
           <a:p>
             <a:r>
-              <a:rPr lang="de-AT" dirty="0" smtClean="0"/>
+              <a:rPr lang="de-AT" dirty="0"/>
               <a:t>Database in </a:t>
             </a:r>
             <a:r>
-              <a:rPr lang="de-AT" dirty="0" err="1" smtClean="0"/>
+              <a:rPr lang="de-AT" dirty="0" err="1"/>
               <a:t>the</a:t>
             </a:r>
             <a:r>
-              <a:rPr lang="de-AT" dirty="0" smtClean="0"/>
+              <a:rPr lang="de-AT" dirty="0"/>
               <a:t> Browser</a:t>
             </a:r>
           </a:p>
           <a:p>
             <a:r>
-              <a:rPr lang="de-AT" dirty="0" smtClean="0"/>
+              <a:rPr lang="de-AT" dirty="0"/>
               <a:t>JSON Data</a:t>
             </a:r>
           </a:p>
@@ -26018,103 +25812,103 @@
           </a:p>
           <a:p>
             <a:r>
-              <a:rPr lang="de-AT" dirty="0" err="1" smtClean="0"/>
+              <a:rPr lang="de-AT" dirty="0" err="1"/>
               <a:t>Async</a:t>
             </a:r>
             <a:r>
-              <a:rPr lang="de-AT" dirty="0" smtClean="0"/>
+              <a:rPr lang="de-AT" dirty="0"/>
               <a:t> </a:t>
             </a:r>
             <a:r>
-              <a:rPr lang="de-AT" dirty="0" err="1" smtClean="0"/>
+              <a:rPr lang="de-AT" dirty="0" err="1"/>
               <a:t>access</a:t>
             </a:r>
             <a:r>
-              <a:rPr lang="de-AT" dirty="0" smtClean="0"/>
+              <a:rPr lang="de-AT" dirty="0"/>
               <a:t> </a:t>
             </a:r>
             <a:r>
-              <a:rPr lang="de-AT" dirty="0" err="1" smtClean="0"/>
+              <a:rPr lang="de-AT" dirty="0" err="1"/>
               <a:t>possible</a:t>
             </a:r>
             <a:r>
-              <a:rPr lang="de-AT" dirty="0" smtClean="0"/>
+              <a:rPr lang="de-AT" dirty="0"/>
               <a:t> = </a:t>
             </a:r>
             <a:r>
-              <a:rPr lang="de-AT" dirty="0" err="1" smtClean="0"/>
+              <a:rPr lang="de-AT" dirty="0" err="1"/>
               <a:t>Serviceworker</a:t>
             </a:r>
             <a:r>
-              <a:rPr lang="de-AT" dirty="0" smtClean="0"/>
+              <a:rPr lang="de-AT" dirty="0"/>
               <a:t> </a:t>
             </a:r>
             <a:r>
-              <a:rPr lang="de-AT" dirty="0" err="1" smtClean="0"/>
+              <a:rPr lang="de-AT" dirty="0" err="1"/>
               <a:t>ready</a:t>
             </a:r>
             <a:r>
-              <a:rPr lang="de-AT" dirty="0" smtClean="0"/>
+              <a:rPr lang="de-AT" dirty="0"/>
               <a:t>!</a:t>
             </a:r>
           </a:p>
           <a:p>
             <a:r>
-              <a:rPr lang="de-AT" dirty="0" smtClean="0"/>
+              <a:rPr lang="de-AT" dirty="0"/>
               <a:t>Database (</a:t>
             </a:r>
             <a:r>
-              <a:rPr lang="de-AT" dirty="0" err="1" smtClean="0"/>
+              <a:rPr lang="de-AT" dirty="0" err="1"/>
               <a:t>one</a:t>
             </a:r>
             <a:r>
-              <a:rPr lang="de-AT" dirty="0" smtClean="0"/>
+              <a:rPr lang="de-AT" dirty="0"/>
               <a:t> per App) – </a:t>
             </a:r>
             <a:r>
-              <a:rPr lang="de-AT" dirty="0" err="1" smtClean="0"/>
+              <a:rPr lang="de-AT" dirty="0" err="1"/>
               <a:t>Object</a:t>
             </a:r>
             <a:r>
-              <a:rPr lang="de-AT" dirty="0" smtClean="0"/>
+              <a:rPr lang="de-AT" dirty="0"/>
               <a:t> Store (Table) – </a:t>
             </a:r>
             <a:r>
-              <a:rPr lang="de-AT" dirty="0" err="1" smtClean="0"/>
+              <a:rPr lang="de-AT" dirty="0" err="1"/>
               <a:t>Object</a:t>
             </a:r>
-            <a:endParaRPr lang="de-AT" dirty="0" smtClean="0"/>
-          </a:p>
-          <a:p>
-            <a:r>
-              <a:rPr lang="de-AT" dirty="0" err="1" smtClean="0"/>
+            <a:endParaRPr lang="de-AT" dirty="0"/>
+          </a:p>
+          <a:p>
+            <a:r>
+              <a:rPr lang="de-AT" dirty="0" err="1"/>
               <a:t>Well</a:t>
             </a:r>
             <a:r>
-              <a:rPr lang="de-AT" dirty="0" smtClean="0"/>
+              <a:rPr lang="de-AT" dirty="0"/>
               <a:t> </a:t>
             </a:r>
             <a:r>
-              <a:rPr lang="de-AT" dirty="0" err="1" smtClean="0"/>
+              <a:rPr lang="de-AT" dirty="0" err="1"/>
               <a:t>supported</a:t>
             </a:r>
             <a:r>
-              <a:rPr lang="de-AT" dirty="0" smtClean="0"/>
+              <a:rPr lang="de-AT" dirty="0"/>
               <a:t> in </a:t>
             </a:r>
             <a:r>
-              <a:rPr lang="de-AT" dirty="0" err="1" smtClean="0"/>
+              <a:rPr lang="de-AT" dirty="0" err="1"/>
               <a:t>nearly</a:t>
             </a:r>
             <a:r>
-              <a:rPr lang="de-AT" dirty="0" smtClean="0"/>
+              <a:rPr lang="de-AT" dirty="0"/>
               <a:t> all </a:t>
             </a:r>
             <a:r>
-              <a:rPr lang="de-AT" dirty="0" err="1" smtClean="0"/>
+              <a:rPr lang="de-AT" dirty="0" err="1"/>
               <a:t>browsers</a:t>
             </a:r>
-            <a:endParaRPr lang="de-AT" dirty="0" smtClean="0"/>
+            <a:endParaRPr lang="de-AT" dirty="0"/>
           </a:p>
           <a:p>
             <a:endParaRPr lang="de-AT" dirty="0"/>
@@ -26167,26 +25961,25 @@
           <a:lstStyle/>
           <a:p>
             <a:r>
-              <a:rPr lang="de-AT" dirty="0" smtClean="0"/>
+              <a:rPr lang="de-AT" dirty="0"/>
               <a:t>API </a:t>
             </a:r>
             <a:r>
-              <a:rPr lang="de-AT" dirty="0" err="1" smtClean="0"/>
+              <a:rPr lang="de-AT" dirty="0" err="1"/>
               <a:t>for</a:t>
             </a:r>
             <a:r>
-              <a:rPr lang="de-AT" dirty="0" smtClean="0"/>
+              <a:rPr lang="de-AT" dirty="0"/>
               <a:t> </a:t>
             </a:r>
             <a:r>
-              <a:rPr lang="de-AT" dirty="0" err="1" smtClean="0"/>
+              <a:rPr lang="de-AT" dirty="0" err="1"/>
               <a:t>Indexed</a:t>
             </a:r>
             <a:r>
-              <a:rPr lang="de-AT" dirty="0" smtClean="0"/>
+              <a:rPr lang="de-AT" dirty="0"/>
               <a:t> DB</a:t>
             </a:r>
-            <a:endParaRPr lang="de-AT" dirty="0"/>
           </a:p>
         </p:txBody>
       </p:sp>
@@ -26206,44 +25999,43 @@
           <a:lstStyle/>
           <a:p>
             <a:r>
-              <a:rPr lang="de-AT" dirty="0" err="1" smtClean="0"/>
+              <a:rPr lang="de-AT" dirty="0" err="1"/>
               <a:t>Clunky</a:t>
             </a:r>
-            <a:endParaRPr lang="de-AT" dirty="0" smtClean="0"/>
-          </a:p>
-          <a:p>
-            <a:r>
-              <a:rPr lang="de-AT" dirty="0" err="1" smtClean="0"/>
+            <a:endParaRPr lang="de-AT" dirty="0"/>
+          </a:p>
+          <a:p>
+            <a:r>
+              <a:rPr lang="de-AT" dirty="0" err="1"/>
               <a:t>jakearchibald</a:t>
             </a:r>
             <a:r>
-              <a:rPr lang="de-AT" dirty="0" smtClean="0"/>
+              <a:rPr lang="de-AT" dirty="0"/>
               <a:t>/</a:t>
             </a:r>
             <a:r>
-              <a:rPr lang="de-AT" dirty="0" err="1" smtClean="0"/>
+              <a:rPr lang="de-AT" dirty="0" err="1"/>
               <a:t>idb</a:t>
             </a:r>
             <a:r>
-              <a:rPr lang="de-AT" dirty="0" smtClean="0"/>
+              <a:rPr lang="de-AT" dirty="0"/>
               <a:t> </a:t>
             </a:r>
             <a:r>
-              <a:rPr lang="de-AT" dirty="0" err="1" smtClean="0"/>
+              <a:rPr lang="de-AT" dirty="0" err="1"/>
               <a:t>package</a:t>
             </a:r>
-            <a:endParaRPr lang="de-AT" dirty="0" smtClean="0"/>
-          </a:p>
-          <a:p>
-            <a:r>
-              <a:rPr lang="de-AT" dirty="0" err="1" smtClean="0"/>
+            <a:endParaRPr lang="de-AT" dirty="0"/>
+          </a:p>
+          <a:p>
+            <a:r>
+              <a:rPr lang="de-AT" dirty="0" err="1"/>
               <a:t>import</a:t>
             </a:r>
             <a:r>
-              <a:rPr lang="de-AT" dirty="0" smtClean="0"/>
+              <a:rPr lang="de-AT" dirty="0"/>
               <a:t> idb.js (index.html + sw.js)</a:t>
             </a:r>
-            <a:endParaRPr lang="de-AT" dirty="0"/>
           </a:p>
         </p:txBody>
       </p:sp>
@@ -26293,15 +26085,15 @@
           <a:lstStyle/>
           <a:p>
             <a:r>
-              <a:rPr lang="de-AT" dirty="0" err="1" smtClean="0"/>
+              <a:rPr lang="de-AT" dirty="0" err="1"/>
               <a:t>Getting</a:t>
             </a:r>
             <a:r>
-              <a:rPr lang="de-AT" dirty="0" smtClean="0"/>
+              <a:rPr lang="de-AT" dirty="0"/>
               <a:t> </a:t>
             </a:r>
             <a:r>
-              <a:rPr lang="de-AT" dirty="0" err="1" smtClean="0"/>
+              <a:rPr lang="de-AT" dirty="0" err="1"/>
               <a:t>started</a:t>
             </a:r>
             <a:endParaRPr lang="de-AT" dirty="0"/>
@@ -26367,7 +26159,7 @@
           </a:p>
           <a:p>
             <a:r>
-              <a:rPr lang="de-AT" dirty="0" smtClean="0">
+              <a:rPr lang="de-AT" dirty="0">
                 <a:solidFill>
                   <a:schemeClr val="bg1"/>
                 </a:solidFill>
@@ -26377,7 +26169,7 @@
           </a:p>
           <a:p>
             <a:r>
-              <a:rPr lang="de-AT" dirty="0" err="1" smtClean="0">
+              <a:rPr lang="de-AT" dirty="0" err="1">
                 <a:solidFill>
                   <a:schemeClr val="bg1"/>
                 </a:solidFill>
@@ -26385,7 +26177,7 @@
               <a:t>var</a:t>
             </a:r>
             <a:r>
-              <a:rPr lang="de-AT" dirty="0" smtClean="0">
+              <a:rPr lang="de-AT" dirty="0">
                 <a:solidFill>
                   <a:schemeClr val="bg1"/>
                 </a:solidFill>
@@ -26617,7 +26409,7 @@
           </a:p>
           <a:p>
             <a:r>
-              <a:rPr lang="de-AT" dirty="0" smtClean="0">
+              <a:rPr lang="de-AT" dirty="0">
                 <a:solidFill>
                   <a:schemeClr val="bg1"/>
                 </a:solidFill>
@@ -26627,18 +26419,13 @@
           </a:p>
           <a:p>
             <a:r>
-              <a:rPr lang="de-AT" dirty="0" smtClean="0">
+              <a:rPr lang="de-AT" dirty="0">
                 <a:solidFill>
                   <a:schemeClr val="bg1"/>
                 </a:solidFill>
               </a:rPr>
               <a:t>…</a:t>
             </a:r>
-            <a:endParaRPr lang="de-AT" dirty="0">
-              <a:solidFill>
-                <a:schemeClr val="bg1"/>
-              </a:solidFill>
-            </a:endParaRPr>
           </a:p>
         </p:txBody>
       </p:sp>
@@ -26688,30 +26475,29 @@
           <a:lstStyle/>
           <a:p>
             <a:r>
-              <a:rPr lang="de-AT" dirty="0" err="1" smtClean="0"/>
+              <a:rPr lang="de-AT" dirty="0" err="1"/>
               <a:t>Added</a:t>
             </a:r>
             <a:r>
-              <a:rPr lang="de-AT" dirty="0" smtClean="0"/>
+              <a:rPr lang="de-AT" dirty="0"/>
               <a:t> </a:t>
             </a:r>
             <a:r>
-              <a:rPr lang="de-AT" dirty="0" err="1" smtClean="0"/>
+              <a:rPr lang="de-AT" dirty="0" err="1"/>
               <a:t>basic</a:t>
             </a:r>
             <a:r>
-              <a:rPr lang="de-AT" dirty="0" smtClean="0"/>
+              <a:rPr lang="de-AT" dirty="0"/>
               <a:t> </a:t>
             </a:r>
             <a:r>
-              <a:rPr lang="de-AT" dirty="0" err="1" smtClean="0"/>
+              <a:rPr lang="de-AT" dirty="0" err="1"/>
               <a:t>functionality</a:t>
             </a:r>
             <a:r>
-              <a:rPr lang="de-AT" dirty="0" smtClean="0"/>
+              <a:rPr lang="de-AT" dirty="0"/>
               <a:t> (helper.js)</a:t>
             </a:r>
-            <a:endParaRPr lang="de-AT" dirty="0"/>
           </a:p>
         </p:txBody>
       </p:sp>
@@ -26731,50 +26517,50 @@
           <a:lstStyle/>
           <a:p>
             <a:r>
-              <a:rPr lang="de-AT" dirty="0" smtClean="0"/>
+              <a:rPr lang="de-AT" dirty="0"/>
               <a:t>Add </a:t>
             </a:r>
             <a:r>
-              <a:rPr lang="de-AT" dirty="0" err="1" smtClean="0"/>
+              <a:rPr lang="de-AT" dirty="0" err="1"/>
               <a:t>dbPromise</a:t>
             </a:r>
-            <a:endParaRPr lang="de-AT" dirty="0" smtClean="0"/>
-          </a:p>
-          <a:p>
-            <a:r>
-              <a:rPr lang="de-AT" dirty="0" err="1" smtClean="0"/>
+            <a:endParaRPr lang="de-AT" dirty="0"/>
+          </a:p>
+          <a:p>
+            <a:r>
+              <a:rPr lang="de-AT" dirty="0" err="1"/>
               <a:t>Implement</a:t>
             </a:r>
             <a:r>
-              <a:rPr lang="de-AT" dirty="0" smtClean="0"/>
+              <a:rPr lang="de-AT" dirty="0"/>
               <a:t> </a:t>
             </a:r>
             <a:r>
-              <a:rPr lang="de-AT" dirty="0" err="1" smtClean="0"/>
+              <a:rPr lang="de-AT" dirty="0" err="1"/>
               <a:t>writeData</a:t>
             </a:r>
             <a:r>
-              <a:rPr lang="de-AT" dirty="0" smtClean="0"/>
+              <a:rPr lang="de-AT" dirty="0"/>
               <a:t>, </a:t>
             </a:r>
             <a:r>
-              <a:rPr lang="de-AT" dirty="0" err="1" smtClean="0"/>
+              <a:rPr lang="de-AT" dirty="0" err="1"/>
               <a:t>readAllData</a:t>
             </a:r>
             <a:r>
-              <a:rPr lang="de-AT" dirty="0" smtClean="0"/>
+              <a:rPr lang="de-AT" dirty="0"/>
               <a:t>, </a:t>
             </a:r>
             <a:r>
-              <a:rPr lang="de-AT" dirty="0" err="1" smtClean="0"/>
+              <a:rPr lang="de-AT" dirty="0" err="1"/>
               <a:t>clearAllData</a:t>
             </a:r>
             <a:r>
-              <a:rPr lang="de-AT" dirty="0" smtClean="0"/>
+              <a:rPr lang="de-AT" dirty="0"/>
               <a:t>, </a:t>
             </a:r>
             <a:r>
-              <a:rPr lang="de-AT" dirty="0" err="1" smtClean="0"/>
+              <a:rPr lang="de-AT" dirty="0" err="1"/>
               <a:t>deleteItemFromData</a:t>
             </a:r>
             <a:endParaRPr lang="de-AT" dirty="0"/>
@@ -26827,23 +26613,23 @@
           <a:lstStyle/>
           <a:p>
             <a:r>
-              <a:rPr lang="de-AT" dirty="0" err="1" smtClean="0"/>
+              <a:rPr lang="de-AT" dirty="0" err="1"/>
               <a:t>Implement</a:t>
             </a:r>
             <a:r>
-              <a:rPr lang="de-AT" dirty="0" smtClean="0"/>
+              <a:rPr lang="de-AT" dirty="0"/>
               <a:t> </a:t>
             </a:r>
             <a:r>
-              <a:rPr lang="de-AT" dirty="0" err="1" smtClean="0"/>
+              <a:rPr lang="de-AT" dirty="0" err="1"/>
               <a:t>new</a:t>
             </a:r>
             <a:r>
-              <a:rPr lang="de-AT" dirty="0" smtClean="0"/>
+              <a:rPr lang="de-AT" dirty="0"/>
               <a:t> </a:t>
             </a:r>
             <a:r>
-              <a:rPr lang="de-AT" dirty="0" err="1" smtClean="0"/>
+              <a:rPr lang="de-AT" dirty="0" err="1"/>
               <a:t>caching</a:t>
             </a:r>
             <a:endParaRPr lang="de-AT" dirty="0"/>
@@ -26932,14 +26718,6 @@
             </a:r>
           </a:p>
           <a:p>
-            <a:r>
-              <a:rPr lang="de-AT" sz="1400" dirty="0">
-                <a:solidFill>
-                  <a:schemeClr val="bg1"/>
-                </a:solidFill>
-              </a:rPr>
-              <a:t/>
-            </a:r>
             <a:br>
               <a:rPr lang="de-AT" sz="1400" dirty="0">
                 <a:solidFill>
@@ -27887,21 +27665,21 @@
                 <a:gridCol w="3505200">
                   <a:extLst>
                     <a:ext uri="{9D8B030D-6E8A-4147-A177-3AD203B41FA5}">
-                      <a16:colId xmlns="" xmlns:a16="http://schemas.microsoft.com/office/drawing/2014/main" val="20000"/>
+                      <a16:colId xmlns:a16="http://schemas.microsoft.com/office/drawing/2014/main" val="20000"/>
                     </a:ext>
                   </a:extLst>
                 </a:gridCol>
                 <a:gridCol w="3505200">
                   <a:extLst>
                     <a:ext uri="{9D8B030D-6E8A-4147-A177-3AD203B41FA5}">
-                      <a16:colId xmlns="" xmlns:a16="http://schemas.microsoft.com/office/drawing/2014/main" val="20001"/>
+                      <a16:colId xmlns:a16="http://schemas.microsoft.com/office/drawing/2014/main" val="20001"/>
                     </a:ext>
                   </a:extLst>
                 </a:gridCol>
                 <a:gridCol w="3505200">
                   <a:extLst>
                     <a:ext uri="{9D8B030D-6E8A-4147-A177-3AD203B41FA5}">
-                      <a16:colId xmlns="" xmlns:a16="http://schemas.microsoft.com/office/drawing/2014/main" val="20002"/>
+                      <a16:colId xmlns:a16="http://schemas.microsoft.com/office/drawing/2014/main" val="20002"/>
                     </a:ext>
                   </a:extLst>
                 </a:gridCol>
@@ -27956,7 +27734,7 @@
                 </a:tc>
                 <a:extLst>
                   <a:ext uri="{0D108BD9-81ED-4DB2-BD59-A6C34878D82A}">
-                    <a16:rowId xmlns="" xmlns:a16="http://schemas.microsoft.com/office/drawing/2014/main" val="10000"/>
+                    <a16:rowId xmlns:a16="http://schemas.microsoft.com/office/drawing/2014/main" val="10000"/>
                   </a:ext>
                 </a:extLst>
               </a:tr>
@@ -28043,7 +27821,7 @@
                 </a:tc>
                 <a:extLst>
                   <a:ext uri="{0D108BD9-81ED-4DB2-BD59-A6C34878D82A}">
-                    <a16:rowId xmlns="" xmlns:a16="http://schemas.microsoft.com/office/drawing/2014/main" val="10001"/>
+                    <a16:rowId xmlns:a16="http://schemas.microsoft.com/office/drawing/2014/main" val="10001"/>
                   </a:ext>
                 </a:extLst>
               </a:tr>
@@ -28144,7 +27922,7 @@
                 </a:tc>
                 <a:extLst>
                   <a:ext uri="{0D108BD9-81ED-4DB2-BD59-A6C34878D82A}">
-                    <a16:rowId xmlns="" xmlns:a16="http://schemas.microsoft.com/office/drawing/2014/main" val="10002"/>
+                    <a16:rowId xmlns:a16="http://schemas.microsoft.com/office/drawing/2014/main" val="10002"/>
                   </a:ext>
                 </a:extLst>
               </a:tr>
@@ -28236,7 +28014,7 @@
                 </a:tc>
                 <a:extLst>
                   <a:ext uri="{0D108BD9-81ED-4DB2-BD59-A6C34878D82A}">
-                    <a16:rowId xmlns="" xmlns:a16="http://schemas.microsoft.com/office/drawing/2014/main" val="10003"/>
+                    <a16:rowId xmlns:a16="http://schemas.microsoft.com/office/drawing/2014/main" val="10003"/>
                   </a:ext>
                 </a:extLst>
               </a:tr>
@@ -28290,10 +28068,9 @@
           <a:lstStyle/>
           <a:p>
             <a:r>
-              <a:rPr lang="de-AT" dirty="0" smtClean="0"/>
+              <a:rPr lang="de-AT" dirty="0"/>
               <a:t>Links</a:t>
             </a:r>
-            <a:endParaRPr lang="de-AT" dirty="0"/>
           </a:p>
         </p:txBody>
       </p:sp>
@@ -28346,15 +28123,9 @@
               <a:rPr lang="en-US" dirty="0">
                 <a:hlinkClick r:id="rId2"/>
               </a:rPr>
-              <a:t>, but with promises (github.com</a:t>
-            </a:r>
-            <a:r>
-              <a:rPr lang="en-US" dirty="0" smtClean="0">
-                <a:hlinkClick r:id="rId2"/>
-              </a:rPr>
-              <a:t>)</a:t>
-            </a:r>
-            <a:endParaRPr lang="en-US" dirty="0" smtClean="0"/>
+              <a:t>, but with promises (github.com)</a:t>
+            </a:r>
+            <a:endParaRPr lang="en-US" dirty="0"/>
           </a:p>
           <a:p>
             <a:r>
@@ -28849,10 +28620,9 @@
           <a:lstStyle/>
           <a:p>
             <a:r>
-              <a:rPr lang="de-AT" dirty="0" smtClean="0"/>
+              <a:rPr lang="de-AT" dirty="0"/>
               <a:t>Repeat</a:t>
             </a:r>
-            <a:endParaRPr lang="de-AT" dirty="0"/>
           </a:p>
         </p:txBody>
       </p:sp>
@@ -28921,18 +28691,9 @@
           <a:lstStyle/>
           <a:p>
             <a:r>
-              <a:rPr lang="de-AT" dirty="0" smtClean="0"/>
-              <a:t>Implementation of </a:t>
-            </a:r>
-            <a:r>
-              <a:rPr lang="de-AT" dirty="0"/>
-              <a:t>A</a:t>
-            </a:r>
-            <a:r>
-              <a:rPr lang="de-AT" dirty="0" smtClean="0"/>
-              <a:t>pp</a:t>
-            </a:r>
-            <a:endParaRPr lang="de-AT" dirty="0"/>
+              <a:rPr lang="de-AT" dirty="0"/>
+              <a:t>Implementation of App</a:t>
+            </a:r>
           </a:p>
         </p:txBody>
       </p:sp>
@@ -29001,10 +28762,9 @@
           <a:lstStyle/>
           <a:p>
             <a:r>
-              <a:rPr lang="de-AT" dirty="0" smtClean="0"/>
+              <a:rPr lang="de-AT" dirty="0"/>
               <a:t>Docker</a:t>
             </a:r>
-            <a:endParaRPr lang="de-AT" dirty="0"/>
           </a:p>
         </p:txBody>
       </p:sp>
@@ -29030,29 +28790,29 @@
               <a:rPr lang="de-DE" dirty="0"/>
               <a:t>Docker vereinfacht die Bereitstellung von Anwendungen, weil sich Container, die alle nötigen Pakete enthalten, leicht als Dateien transportieren und installieren lassen. Container gewährleisten die Trennung und Verwaltung der auf einem Rechner genutzten Ressourcen. Das umfasst laut Aussage der Entwickler: Code, Laufzeitmodul, Systemwerkzeuge, Systembibliotheken – alles was auf einem Rechner installiert werden kann</a:t>
             </a:r>
-            <a:endParaRPr lang="de-AT" dirty="0" smtClean="0"/>
-          </a:p>
-          <a:p>
             <a:endParaRPr lang="de-AT" dirty="0"/>
           </a:p>
           <a:p>
-            <a:r>
-              <a:rPr lang="de-AT" dirty="0" err="1" smtClean="0"/>
+            <a:endParaRPr lang="de-AT" dirty="0"/>
+          </a:p>
+          <a:p>
+            <a:r>
+              <a:rPr lang="de-AT" dirty="0" err="1"/>
               <a:t>docker</a:t>
             </a:r>
             <a:r>
-              <a:rPr lang="de-AT" dirty="0" smtClean="0"/>
+              <a:rPr lang="de-AT" dirty="0"/>
               <a:t> </a:t>
             </a:r>
             <a:r>
-              <a:rPr lang="de-AT" dirty="0" err="1" smtClean="0"/>
+              <a:rPr lang="de-AT" dirty="0" err="1"/>
               <a:t>compose</a:t>
             </a:r>
-            <a:endParaRPr lang="de-AT" dirty="0" smtClean="0"/>
-          </a:p>
-          <a:p>
-            <a:r>
-              <a:rPr lang="de-AT" dirty="0" err="1" smtClean="0"/>
+            <a:endParaRPr lang="de-AT" dirty="0"/>
+          </a:p>
+          <a:p>
+            <a:r>
+              <a:rPr lang="de-AT" dirty="0" err="1"/>
               <a:t>demo</a:t>
             </a:r>
             <a:endParaRPr lang="de-AT" dirty="0"/>
@@ -29105,26 +28865,25 @@
           <a:lstStyle/>
           <a:p>
             <a:r>
-              <a:rPr lang="de-AT" dirty="0" smtClean="0"/>
+              <a:rPr lang="de-AT" dirty="0"/>
               <a:t>Caching (</a:t>
             </a:r>
             <a:r>
-              <a:rPr lang="de-AT" dirty="0" err="1" smtClean="0"/>
+              <a:rPr lang="de-AT" dirty="0" err="1"/>
               <a:t>race</a:t>
             </a:r>
             <a:r>
-              <a:rPr lang="de-AT" dirty="0" smtClean="0"/>
+              <a:rPr lang="de-AT" dirty="0"/>
               <a:t> </a:t>
             </a:r>
             <a:r>
-              <a:rPr lang="de-AT" dirty="0" err="1" smtClean="0"/>
+              <a:rPr lang="de-AT" dirty="0" err="1"/>
               <a:t>condition</a:t>
             </a:r>
             <a:r>
-              <a:rPr lang="de-AT" dirty="0" smtClean="0"/>
+              <a:rPr lang="de-AT" dirty="0"/>
               <a:t>)</a:t>
             </a:r>
-            <a:endParaRPr lang="de-AT" dirty="0"/>
           </a:p>
         </p:txBody>
       </p:sp>
@@ -29144,7 +28903,7 @@
           <a:lstStyle/>
           <a:p>
             <a:r>
-              <a:rPr lang="de-AT" dirty="0" err="1" smtClean="0"/>
+              <a:rPr lang="de-AT" dirty="0" err="1"/>
               <a:t>orderentries</a:t>
             </a:r>
             <a:endParaRPr lang="de-AT" dirty="0"/>
@@ -29197,14 +28956,13 @@
           <a:lstStyle/>
           <a:p>
             <a:r>
-              <a:rPr lang="de-AT" dirty="0" err="1" smtClean="0"/>
+              <a:rPr lang="de-AT" dirty="0" err="1"/>
               <a:t>Indexed</a:t>
             </a:r>
             <a:r>
-              <a:rPr lang="de-AT" dirty="0" smtClean="0"/>
+              <a:rPr lang="de-AT" dirty="0"/>
               <a:t> DB</a:t>
             </a:r>
-            <a:endParaRPr lang="de-AT" dirty="0"/>
           </a:p>
         </p:txBody>
       </p:sp>
@@ -29273,11 +29031,11 @@
           <a:lstStyle/>
           <a:p>
             <a:r>
-              <a:rPr lang="de-AT" dirty="0" smtClean="0"/>
+              <a:rPr lang="de-AT" dirty="0"/>
               <a:t>Background </a:t>
             </a:r>
             <a:r>
-              <a:rPr lang="de-AT" dirty="0" err="1" smtClean="0"/>
+              <a:rPr lang="de-AT" dirty="0" err="1"/>
               <a:t>Sync</a:t>
             </a:r>
             <a:endParaRPr lang="de-AT" dirty="0"/>
@@ -29321,10 +29079,9 @@
           <a:p>
             <a:pPr algn="ctr"/>
             <a:r>
-              <a:rPr lang="de-AT" dirty="0" smtClean="0"/>
+              <a:rPr lang="de-AT" dirty="0"/>
               <a:t>App</a:t>
             </a:r>
-            <a:endParaRPr lang="de-AT" dirty="0"/>
           </a:p>
         </p:txBody>
       </p:sp>
@@ -29365,17 +29122,16 @@
           <a:p>
             <a:pPr algn="ctr"/>
             <a:r>
-              <a:rPr lang="de-AT" dirty="0" smtClean="0"/>
+              <a:rPr lang="de-AT" dirty="0"/>
               <a:t>Server</a:t>
             </a:r>
           </a:p>
           <a:p>
             <a:pPr algn="ctr"/>
             <a:r>
-              <a:rPr lang="de-AT" dirty="0" smtClean="0"/>
+              <a:rPr lang="de-AT" dirty="0"/>
               <a:t>(API…)</a:t>
             </a:r>
-            <a:endParaRPr lang="de-AT" dirty="0"/>
           </a:p>
         </p:txBody>
       </p:sp>
@@ -29416,47 +29172,47 @@
           <a:p>
             <a:pPr algn="ctr"/>
             <a:r>
-              <a:rPr lang="de-AT" dirty="0" err="1" smtClean="0"/>
+              <a:rPr lang="de-AT" dirty="0" err="1"/>
               <a:t>Wants</a:t>
             </a:r>
             <a:r>
-              <a:rPr lang="de-AT" dirty="0" smtClean="0"/>
+              <a:rPr lang="de-AT" dirty="0"/>
               <a:t> </a:t>
             </a:r>
             <a:r>
-              <a:rPr lang="de-AT" dirty="0" err="1" smtClean="0"/>
+              <a:rPr lang="de-AT" dirty="0" err="1"/>
               <a:t>to</a:t>
             </a:r>
             <a:r>
-              <a:rPr lang="de-AT" dirty="0" smtClean="0"/>
+              <a:rPr lang="de-AT" dirty="0"/>
               <a:t> send </a:t>
             </a:r>
             <a:r>
-              <a:rPr lang="de-AT" dirty="0" err="1" smtClean="0"/>
+              <a:rPr lang="de-AT" dirty="0" err="1"/>
               <a:t>data</a:t>
             </a:r>
             <a:r>
-              <a:rPr lang="de-AT" dirty="0" smtClean="0"/>
+              <a:rPr lang="de-AT" dirty="0"/>
               <a:t> </a:t>
             </a:r>
             <a:r>
-              <a:rPr lang="de-AT" dirty="0" err="1" smtClean="0"/>
+              <a:rPr lang="de-AT" dirty="0" err="1"/>
               <a:t>to</a:t>
             </a:r>
             <a:r>
-              <a:rPr lang="de-AT" dirty="0" smtClean="0"/>
+              <a:rPr lang="de-AT" dirty="0"/>
               <a:t> </a:t>
             </a:r>
             <a:r>
-              <a:rPr lang="de-AT" dirty="0" err="1" smtClean="0"/>
+              <a:rPr lang="de-AT" dirty="0" err="1"/>
               <a:t>the</a:t>
             </a:r>
             <a:r>
-              <a:rPr lang="de-AT" dirty="0" smtClean="0"/>
+              <a:rPr lang="de-AT" dirty="0"/>
               <a:t> </a:t>
             </a:r>
             <a:r>
-              <a:rPr lang="de-AT" dirty="0" err="1" smtClean="0"/>
+              <a:rPr lang="de-AT" dirty="0" err="1"/>
               <a:t>server</a:t>
             </a:r>
             <a:endParaRPr lang="de-AT" dirty="0"/>
@@ -29562,23 +29318,23 @@
           <a:lstStyle/>
           <a:p>
             <a:r>
-              <a:rPr lang="de-AT" dirty="0" err="1" smtClean="0"/>
+              <a:rPr lang="de-AT" dirty="0" err="1"/>
               <a:t>No</a:t>
             </a:r>
             <a:r>
-              <a:rPr lang="de-AT" dirty="0" smtClean="0"/>
+              <a:rPr lang="de-AT" dirty="0"/>
               <a:t> </a:t>
             </a:r>
             <a:r>
-              <a:rPr lang="de-AT" dirty="0" err="1" smtClean="0"/>
+              <a:rPr lang="de-AT" dirty="0" err="1"/>
               <a:t>internet</a:t>
             </a:r>
             <a:r>
-              <a:rPr lang="de-AT" dirty="0" smtClean="0"/>
+              <a:rPr lang="de-AT" dirty="0"/>
               <a:t> </a:t>
             </a:r>
             <a:r>
-              <a:rPr lang="de-AT" dirty="0" err="1" smtClean="0"/>
+              <a:rPr lang="de-AT" dirty="0" err="1"/>
               <a:t>connection</a:t>
             </a:r>
             <a:endParaRPr lang="de-AT" dirty="0"/>
@@ -29622,10 +29378,9 @@
           <a:p>
             <a:pPr algn="ctr"/>
             <a:r>
-              <a:rPr lang="de-AT" dirty="0" smtClean="0"/>
+              <a:rPr lang="de-AT" dirty="0"/>
               <a:t>Service Worker</a:t>
             </a:r>
-            <a:endParaRPr lang="de-AT" dirty="0"/>
           </a:p>
         </p:txBody>
       </p:sp>
@@ -29702,19 +29457,19 @@
           <a:p>
             <a:pPr algn="ctr"/>
             <a:r>
-              <a:rPr lang="de-AT" dirty="0" smtClean="0"/>
+              <a:rPr lang="de-AT" dirty="0"/>
               <a:t>Register </a:t>
             </a:r>
             <a:r>
-              <a:rPr lang="de-AT" dirty="0" err="1" smtClean="0"/>
+              <a:rPr lang="de-AT" dirty="0" err="1"/>
               <a:t>sync</a:t>
             </a:r>
             <a:r>
-              <a:rPr lang="de-AT" dirty="0" smtClean="0"/>
+              <a:rPr lang="de-AT" dirty="0"/>
               <a:t> </a:t>
             </a:r>
             <a:r>
-              <a:rPr lang="de-AT" dirty="0" err="1" smtClean="0"/>
+              <a:rPr lang="de-AT" dirty="0" err="1"/>
               <a:t>task</a:t>
             </a:r>
             <a:endParaRPr lang="de-AT" dirty="0"/>
@@ -29758,14 +29513,13 @@
           <a:p>
             <a:pPr algn="ctr"/>
             <a:r>
-              <a:rPr lang="de-AT" dirty="0" err="1" smtClean="0"/>
+              <a:rPr lang="de-AT" dirty="0" err="1"/>
               <a:t>Indexed</a:t>
             </a:r>
             <a:r>
-              <a:rPr lang="de-AT" dirty="0" smtClean="0"/>
+              <a:rPr lang="de-AT" dirty="0"/>
               <a:t> DB</a:t>
             </a:r>
-            <a:endParaRPr lang="de-AT" dirty="0"/>
           </a:p>
         </p:txBody>
       </p:sp>
@@ -29828,23 +29582,23 @@
           <a:lstStyle/>
           <a:p>
             <a:r>
-              <a:rPr lang="de-AT" dirty="0" err="1" smtClean="0"/>
+              <a:rPr lang="de-AT" dirty="0" err="1"/>
               <a:t>temporary</a:t>
             </a:r>
             <a:r>
-              <a:rPr lang="de-AT" dirty="0" smtClean="0"/>
+              <a:rPr lang="de-AT" dirty="0"/>
               <a:t> </a:t>
             </a:r>
             <a:r>
-              <a:rPr lang="de-AT" dirty="0" err="1" smtClean="0"/>
+              <a:rPr lang="de-AT" dirty="0" err="1"/>
               <a:t>store</a:t>
             </a:r>
             <a:r>
-              <a:rPr lang="de-AT" dirty="0" smtClean="0"/>
+              <a:rPr lang="de-AT" dirty="0"/>
               <a:t> </a:t>
             </a:r>
             <a:r>
-              <a:rPr lang="de-AT" dirty="0" err="1" smtClean="0"/>
+              <a:rPr lang="de-AT" dirty="0" err="1"/>
               <a:t>data</a:t>
             </a:r>
             <a:endParaRPr lang="de-AT" dirty="0"/>
@@ -29888,19 +29642,19 @@
           <a:p>
             <a:pPr algn="ctr"/>
             <a:r>
-              <a:rPr lang="de-AT" dirty="0" smtClean="0"/>
+              <a:rPr lang="de-AT" dirty="0"/>
               <a:t>Connectivity (</a:t>
             </a:r>
             <a:r>
-              <a:rPr lang="de-AT" dirty="0" err="1" smtClean="0"/>
+              <a:rPr lang="de-AT" dirty="0" err="1"/>
               <a:t>re</a:t>
             </a:r>
             <a:r>
-              <a:rPr lang="de-AT" dirty="0" smtClean="0"/>
+              <a:rPr lang="de-AT" dirty="0"/>
               <a:t>)</a:t>
             </a:r>
             <a:r>
-              <a:rPr lang="de-AT" dirty="0" err="1" smtClean="0"/>
+              <a:rPr lang="de-AT" dirty="0" err="1"/>
               <a:t>established</a:t>
             </a:r>
             <a:endParaRPr lang="de-AT" dirty="0"/>
@@ -29982,10 +29736,9 @@
           <a:p>
             <a:pPr algn="ctr"/>
             <a:r>
-              <a:rPr lang="de-AT" dirty="0" smtClean="0"/>
+              <a:rPr lang="de-AT" dirty="0"/>
               <a:t>SYNC EVENT</a:t>
             </a:r>
-            <a:endParaRPr lang="de-AT" dirty="0"/>
           </a:p>
         </p:txBody>
       </p:sp>
@@ -30035,10 +29788,9 @@
           <a:lstStyle/>
           <a:p>
             <a:r>
-              <a:rPr lang="de-AT" dirty="0" smtClean="0"/>
+              <a:rPr lang="de-AT" dirty="0"/>
               <a:t>Implementation</a:t>
             </a:r>
-            <a:endParaRPr lang="de-AT" dirty="0"/>
           </a:p>
         </p:txBody>
       </p:sp>
@@ -30061,235 +29813,227 @@
           <a:p>
             <a:r>
               <a:rPr lang="de-AT" dirty="0" err="1"/>
-              <a:t>r</a:t>
-            </a:r>
-            <a:r>
-              <a:rPr lang="de-AT" dirty="0" err="1" smtClean="0"/>
-              <a:t>egister</a:t>
-            </a:r>
-            <a:r>
-              <a:rPr lang="de-AT" dirty="0" smtClean="0"/>
+              <a:t>register</a:t>
+            </a:r>
+            <a:r>
+              <a:rPr lang="de-AT" dirty="0"/>
               <a:t> </a:t>
             </a:r>
             <a:r>
-              <a:rPr lang="de-AT" dirty="0" err="1" smtClean="0"/>
+              <a:rPr lang="de-AT" dirty="0" err="1"/>
               <a:t>submit</a:t>
             </a:r>
             <a:r>
-              <a:rPr lang="de-AT" dirty="0" smtClean="0"/>
+              <a:rPr lang="de-AT" dirty="0"/>
               <a:t> </a:t>
             </a:r>
             <a:r>
-              <a:rPr lang="de-AT" dirty="0" err="1" smtClean="0"/>
+              <a:rPr lang="de-AT" dirty="0" err="1"/>
               <a:t>listener</a:t>
             </a:r>
             <a:r>
-              <a:rPr lang="de-AT" dirty="0" smtClean="0"/>
+              <a:rPr lang="de-AT" dirty="0"/>
               <a:t> on form</a:t>
             </a:r>
           </a:p>
           <a:p>
             <a:r>
-              <a:rPr lang="de-AT" dirty="0" err="1" smtClean="0"/>
+              <a:rPr lang="de-AT" dirty="0" err="1"/>
               <a:t>event.preventDefault</a:t>
             </a:r>
-            <a:endParaRPr lang="de-AT" dirty="0" smtClean="0"/>
-          </a:p>
-          <a:p>
-            <a:r>
-              <a:rPr lang="de-AT" dirty="0" smtClean="0"/>
+            <a:endParaRPr lang="de-AT" dirty="0"/>
+          </a:p>
+          <a:p>
+            <a:r>
+              <a:rPr lang="de-AT" dirty="0"/>
               <a:t>check </a:t>
             </a:r>
             <a:r>
-              <a:rPr lang="de-AT" dirty="0" err="1" smtClean="0"/>
+              <a:rPr lang="de-AT" dirty="0" err="1"/>
               <a:t>for</a:t>
             </a:r>
             <a:r>
-              <a:rPr lang="de-AT" dirty="0" smtClean="0"/>
+              <a:rPr lang="de-AT" dirty="0"/>
               <a:t> </a:t>
             </a:r>
             <a:r>
-              <a:rPr lang="de-AT" dirty="0" err="1" smtClean="0"/>
+              <a:rPr lang="de-AT" dirty="0" err="1"/>
               <a:t>data</a:t>
             </a:r>
-            <a:endParaRPr lang="de-AT" dirty="0" smtClean="0"/>
+            <a:endParaRPr lang="de-AT" dirty="0"/>
           </a:p>
           <a:p>
             <a:r>
               <a:rPr lang="de-AT" dirty="0" err="1"/>
-              <a:t>r</a:t>
-            </a:r>
-            <a:r>
-              <a:rPr lang="de-AT" dirty="0" err="1" smtClean="0"/>
-              <a:t>egister</a:t>
-            </a:r>
-            <a:r>
-              <a:rPr lang="de-AT" dirty="0" smtClean="0"/>
+              <a:t>register</a:t>
+            </a:r>
+            <a:r>
+              <a:rPr lang="de-AT" dirty="0"/>
               <a:t> </a:t>
             </a:r>
             <a:r>
-              <a:rPr lang="de-AT" dirty="0" err="1" smtClean="0"/>
+              <a:rPr lang="de-AT" dirty="0" err="1"/>
               <a:t>background</a:t>
             </a:r>
             <a:r>
-              <a:rPr lang="de-AT" dirty="0" smtClean="0"/>
+              <a:rPr lang="de-AT" dirty="0"/>
               <a:t> </a:t>
             </a:r>
             <a:r>
-              <a:rPr lang="de-AT" dirty="0" err="1" smtClean="0"/>
+              <a:rPr lang="de-AT" dirty="0" err="1"/>
               <a:t>sync</a:t>
             </a:r>
             <a:r>
-              <a:rPr lang="de-AT" dirty="0" smtClean="0"/>
+              <a:rPr lang="de-AT" dirty="0"/>
               <a:t> </a:t>
             </a:r>
             <a:r>
-              <a:rPr lang="de-AT" dirty="0" err="1" smtClean="0"/>
+              <a:rPr lang="de-AT" dirty="0" err="1"/>
               <a:t>task</a:t>
             </a:r>
             <a:r>
-              <a:rPr lang="de-AT" dirty="0" smtClean="0"/>
+              <a:rPr lang="de-AT" dirty="0"/>
               <a:t> (Chrome </a:t>
             </a:r>
             <a:r>
-              <a:rPr lang="de-AT" dirty="0" err="1" smtClean="0"/>
+              <a:rPr lang="de-AT" dirty="0" err="1"/>
               <a:t>and</a:t>
             </a:r>
             <a:r>
-              <a:rPr lang="de-AT" dirty="0" smtClean="0"/>
+              <a:rPr lang="de-AT" dirty="0"/>
               <a:t> Edge)</a:t>
             </a:r>
           </a:p>
           <a:p>
             <a:r>
-              <a:rPr lang="de-AT" dirty="0" err="1" smtClean="0"/>
+              <a:rPr lang="de-AT" dirty="0" err="1"/>
               <a:t>create</a:t>
             </a:r>
             <a:r>
-              <a:rPr lang="de-AT" dirty="0" smtClean="0"/>
+              <a:rPr lang="de-AT" dirty="0"/>
               <a:t> </a:t>
             </a:r>
             <a:r>
-              <a:rPr lang="de-AT" dirty="0" err="1" smtClean="0"/>
+              <a:rPr lang="de-AT" dirty="0" err="1"/>
               <a:t>new</a:t>
             </a:r>
             <a:r>
-              <a:rPr lang="de-AT" dirty="0" smtClean="0"/>
+              <a:rPr lang="de-AT" dirty="0"/>
               <a:t> </a:t>
             </a:r>
             <a:r>
-              <a:rPr lang="de-AT" dirty="0" err="1" smtClean="0"/>
+              <a:rPr lang="de-AT" dirty="0" err="1"/>
               <a:t>store</a:t>
             </a:r>
             <a:r>
-              <a:rPr lang="de-AT" dirty="0" smtClean="0"/>
+              <a:rPr lang="de-AT" dirty="0"/>
               <a:t> in </a:t>
             </a:r>
             <a:r>
-              <a:rPr lang="de-AT" dirty="0" err="1" smtClean="0"/>
+              <a:rPr lang="de-AT" dirty="0" err="1"/>
               <a:t>IndexedDB</a:t>
             </a:r>
-            <a:endParaRPr lang="de-AT" dirty="0" smtClean="0"/>
-          </a:p>
-          <a:p>
-            <a:r>
-              <a:rPr lang="de-AT" dirty="0" err="1" smtClean="0"/>
+            <a:endParaRPr lang="de-AT" dirty="0"/>
+          </a:p>
+          <a:p>
+            <a:r>
+              <a:rPr lang="de-AT" dirty="0" err="1"/>
               <a:t>write</a:t>
             </a:r>
             <a:r>
-              <a:rPr lang="de-AT" dirty="0" smtClean="0"/>
+              <a:rPr lang="de-AT" dirty="0"/>
               <a:t> </a:t>
             </a:r>
             <a:r>
-              <a:rPr lang="de-AT" dirty="0" err="1" smtClean="0"/>
+              <a:rPr lang="de-AT" dirty="0" err="1"/>
               <a:t>data</a:t>
             </a:r>
-            <a:endParaRPr lang="de-AT" dirty="0" smtClean="0"/>
-          </a:p>
-          <a:p>
-            <a:r>
-              <a:rPr lang="de-AT" dirty="0" err="1" smtClean="0"/>
+            <a:endParaRPr lang="de-AT" dirty="0"/>
+          </a:p>
+          <a:p>
+            <a:r>
+              <a:rPr lang="de-AT" dirty="0" err="1"/>
               <a:t>show</a:t>
             </a:r>
             <a:r>
-              <a:rPr lang="de-AT" dirty="0" smtClean="0"/>
+              <a:rPr lang="de-AT" dirty="0"/>
               <a:t> </a:t>
             </a:r>
             <a:r>
-              <a:rPr lang="de-AT" dirty="0" err="1" smtClean="0"/>
+              <a:rPr lang="de-AT" dirty="0" err="1"/>
               <a:t>something</a:t>
             </a:r>
             <a:r>
-              <a:rPr lang="de-AT" dirty="0" smtClean="0"/>
+              <a:rPr lang="de-AT" dirty="0"/>
               <a:t>?</a:t>
             </a:r>
           </a:p>
           <a:p>
             <a:r>
-              <a:rPr lang="de-AT" dirty="0" err="1" smtClean="0"/>
+              <a:rPr lang="de-AT" dirty="0" err="1"/>
               <a:t>if</a:t>
             </a:r>
             <a:r>
-              <a:rPr lang="de-AT" dirty="0" smtClean="0"/>
+              <a:rPr lang="de-AT" dirty="0"/>
               <a:t> </a:t>
             </a:r>
             <a:r>
-              <a:rPr lang="de-AT" dirty="0" err="1" smtClean="0"/>
+              <a:rPr lang="de-AT" dirty="0" err="1"/>
               <a:t>sw</a:t>
             </a:r>
             <a:r>
-              <a:rPr lang="de-AT" dirty="0" smtClean="0"/>
+              <a:rPr lang="de-AT" dirty="0"/>
               <a:t> </a:t>
             </a:r>
             <a:r>
-              <a:rPr lang="de-AT" dirty="0" err="1" smtClean="0"/>
+              <a:rPr lang="de-AT" dirty="0" err="1"/>
               <a:t>or</a:t>
             </a:r>
             <a:r>
-              <a:rPr lang="de-AT" dirty="0" smtClean="0"/>
+              <a:rPr lang="de-AT" dirty="0"/>
               <a:t> </a:t>
             </a:r>
             <a:r>
-              <a:rPr lang="de-AT" dirty="0" err="1" smtClean="0"/>
+              <a:rPr lang="de-AT" dirty="0" err="1"/>
               <a:t>sm</a:t>
             </a:r>
             <a:r>
-              <a:rPr lang="de-AT" dirty="0" smtClean="0"/>
+              <a:rPr lang="de-AT" dirty="0"/>
               <a:t> </a:t>
             </a:r>
             <a:r>
-              <a:rPr lang="de-AT" dirty="0" err="1" smtClean="0"/>
+              <a:rPr lang="de-AT" dirty="0" err="1"/>
               <a:t>is</a:t>
             </a:r>
             <a:r>
-              <a:rPr lang="de-AT" dirty="0" smtClean="0"/>
+              <a:rPr lang="de-AT" dirty="0"/>
               <a:t> not </a:t>
             </a:r>
             <a:r>
-              <a:rPr lang="de-AT" dirty="0" err="1" smtClean="0"/>
+              <a:rPr lang="de-AT" dirty="0" err="1"/>
               <a:t>supported</a:t>
             </a:r>
             <a:r>
-              <a:rPr lang="de-AT" dirty="0" smtClean="0"/>
+              <a:rPr lang="de-AT" dirty="0"/>
               <a:t> -&gt; </a:t>
             </a:r>
             <a:r>
-              <a:rPr lang="de-AT" dirty="0" err="1" smtClean="0"/>
+              <a:rPr lang="de-AT" dirty="0" err="1"/>
               <a:t>create</a:t>
             </a:r>
             <a:r>
-              <a:rPr lang="de-AT" dirty="0" smtClean="0"/>
+              <a:rPr lang="de-AT" dirty="0"/>
               <a:t> </a:t>
             </a:r>
             <a:r>
-              <a:rPr lang="de-AT" dirty="0" err="1" smtClean="0"/>
+              <a:rPr lang="de-AT" dirty="0" err="1"/>
               <a:t>else</a:t>
             </a:r>
-            <a:endParaRPr lang="de-AT" dirty="0" smtClean="0"/>
-          </a:p>
-          <a:p>
-            <a:r>
-              <a:rPr lang="de-AT" dirty="0" err="1" smtClean="0">
+            <a:endParaRPr lang="de-AT" dirty="0"/>
+          </a:p>
+          <a:p>
+            <a:r>
+              <a:rPr lang="de-AT" dirty="0" err="1">
                 <a:solidFill>
                   <a:schemeClr val="accent6">
                     <a:lumMod val="60000"/>
@@ -30300,7 +30044,7 @@
               <a:t>register</a:t>
             </a:r>
             <a:r>
-              <a:rPr lang="de-AT" dirty="0" smtClean="0">
+              <a:rPr lang="de-AT" dirty="0">
                 <a:solidFill>
                   <a:schemeClr val="accent6">
                     <a:lumMod val="60000"/>
@@ -30311,7 +30055,7 @@
               <a:t> ‚</a:t>
             </a:r>
             <a:r>
-              <a:rPr lang="de-AT" dirty="0" err="1" smtClean="0">
+              <a:rPr lang="de-AT" dirty="0" err="1">
                 <a:solidFill>
                   <a:schemeClr val="accent6">
                     <a:lumMod val="60000"/>
@@ -30322,7 +30066,7 @@
               <a:t>sync</a:t>
             </a:r>
             <a:r>
-              <a:rPr lang="de-AT" dirty="0" smtClean="0">
+              <a:rPr lang="de-AT" dirty="0">
                 <a:solidFill>
                   <a:schemeClr val="accent6">
                     <a:lumMod val="60000"/>
@@ -30333,7 +30077,7 @@
               <a:t>‘ </a:t>
             </a:r>
             <a:r>
-              <a:rPr lang="de-AT" dirty="0" err="1" smtClean="0">
+              <a:rPr lang="de-AT" dirty="0" err="1">
                 <a:solidFill>
                   <a:schemeClr val="accent6">
                     <a:lumMod val="60000"/>
@@ -30344,7 +30088,7 @@
               <a:t>event</a:t>
             </a:r>
             <a:r>
-              <a:rPr lang="de-AT" dirty="0" smtClean="0">
+              <a:rPr lang="de-AT" dirty="0">
                 <a:solidFill>
                   <a:schemeClr val="accent6">
                     <a:lumMod val="60000"/>
@@ -30355,7 +30099,7 @@
               <a:t> in </a:t>
             </a:r>
             <a:r>
-              <a:rPr lang="de-AT" dirty="0" err="1" smtClean="0">
+              <a:rPr lang="de-AT" dirty="0" err="1">
                 <a:solidFill>
                   <a:schemeClr val="accent6">
                     <a:lumMod val="60000"/>
@@ -30366,7 +30110,7 @@
               <a:t>service</a:t>
             </a:r>
             <a:r>
-              <a:rPr lang="de-AT" dirty="0" smtClean="0">
+              <a:rPr lang="de-AT" dirty="0">
                 <a:solidFill>
                   <a:schemeClr val="accent6">
                     <a:lumMod val="60000"/>
@@ -30377,7 +30121,7 @@
               <a:t> </a:t>
             </a:r>
             <a:r>
-              <a:rPr lang="de-AT" dirty="0" err="1" smtClean="0">
+              <a:rPr lang="de-AT" dirty="0" err="1">
                 <a:solidFill>
                   <a:schemeClr val="accent6">
                     <a:lumMod val="60000"/>
@@ -31052,7 +30796,13 @@
       </p:grpSpPr>
       <p:sp>
         <p:nvSpPr>
-          <p:cNvPr id="2" name="Titel 1"/>
+          <p:cNvPr id="2" name="Titel 1">
+            <a:extLst>
+              <a:ext uri="{FF2B5EF4-FFF2-40B4-BE49-F238E27FC236}">
+                <a16:creationId xmlns:a16="http://schemas.microsoft.com/office/drawing/2014/main" id="{D5F88550-2520-2D82-89C9-21D8C56DBF96}"/>
+              </a:ext>
+            </a:extLst>
+          </p:cNvPr>
           <p:cNvSpPr>
             <a:spLocks noGrp="1"/>
           </p:cNvSpPr>
@@ -31067,14 +30817,25 @@
           <a:p>
             <a:r>
               <a:rPr lang="de-AT" dirty="0"/>
-              <a:t>Outline</a:t>
-            </a:r>
-          </a:p>
-        </p:txBody>
-      </p:sp>
-      <p:sp>
-        <p:nvSpPr>
-          <p:cNvPr id="3" name="Inhaltsplatzhalter 2"/>
+              <a:t>Web Push and </a:t>
+            </a:r>
+            <a:r>
+              <a:rPr lang="de-AT" dirty="0" err="1"/>
+              <a:t>Notifications</a:t>
+            </a:r>
+            <a:endParaRPr lang="de-AT" dirty="0"/>
+          </a:p>
+        </p:txBody>
+      </p:sp>
+      <p:sp>
+        <p:nvSpPr>
+          <p:cNvPr id="3" name="Inhaltsplatzhalter 2">
+            <a:extLst>
+              <a:ext uri="{FF2B5EF4-FFF2-40B4-BE49-F238E27FC236}">
+                <a16:creationId xmlns:a16="http://schemas.microsoft.com/office/drawing/2014/main" id="{80F882AE-7BBF-44C0-3CFC-9FD462575601}"/>
+              </a:ext>
+            </a:extLst>
+          </p:cNvPr>
           <p:cNvSpPr>
             <a:spLocks noGrp="1"/>
           </p:cNvSpPr>
@@ -31089,372 +30850,220 @@
           </a:bodyPr>
           <a:lstStyle/>
           <a:p>
-            <a:pPr marL="514350" indent="-514350">
-              <a:buFont typeface="+mj-lt"/>
-              <a:buAutoNum type="arabicPeriod"/>
-            </a:pPr>
-            <a:r>
-              <a:rPr lang="de-AT" dirty="0">
-                <a:solidFill>
-                  <a:schemeClr val="accent6">
-                    <a:lumMod val="60000"/>
-                    <a:lumOff val="40000"/>
-                  </a:schemeClr>
-                </a:solidFill>
-              </a:rPr>
-              <a:t>Basics</a:t>
-            </a:r>
-          </a:p>
-          <a:p>
-            <a:pPr marL="971550" lvl="1" indent="-514350">
-              <a:buFont typeface="+mj-lt"/>
-              <a:buAutoNum type="arabicPeriod"/>
-            </a:pPr>
-            <a:r>
-              <a:rPr lang="de-AT" dirty="0">
-                <a:solidFill>
-                  <a:schemeClr val="accent6">
-                    <a:lumMod val="60000"/>
-                    <a:lumOff val="40000"/>
-                  </a:schemeClr>
-                </a:solidFill>
-              </a:rPr>
-              <a:t>App Manifest </a:t>
-            </a:r>
-          </a:p>
-          <a:p>
-            <a:pPr marL="971550" lvl="1" indent="-514350">
-              <a:buFont typeface="+mj-lt"/>
-              <a:buAutoNum type="arabicPeriod"/>
-            </a:pPr>
-            <a:r>
-              <a:rPr lang="de-AT" dirty="0">
-                <a:solidFill>
-                  <a:schemeClr val="accent6">
-                    <a:lumMod val="60000"/>
-                    <a:lumOff val="40000"/>
-                  </a:schemeClr>
-                </a:solidFill>
-              </a:rPr>
-              <a:t>Service </a:t>
-            </a:r>
-            <a:r>
-              <a:rPr lang="de-AT" dirty="0" err="1">
-                <a:solidFill>
-                  <a:schemeClr val="accent6">
-                    <a:lumMod val="60000"/>
-                    <a:lumOff val="40000"/>
-                  </a:schemeClr>
-                </a:solidFill>
-              </a:rPr>
-              <a:t>Workers</a:t>
-            </a:r>
-            <a:endParaRPr lang="de-AT" dirty="0">
-              <a:solidFill>
-                <a:schemeClr val="accent6">
-                  <a:lumMod val="60000"/>
-                  <a:lumOff val="40000"/>
-                </a:schemeClr>
-              </a:solidFill>
-            </a:endParaRPr>
-          </a:p>
-          <a:p>
-            <a:pPr marL="971550" lvl="1" indent="-514350">
-              <a:buFont typeface="+mj-lt"/>
-              <a:buAutoNum type="arabicPeriod"/>
-            </a:pPr>
-            <a:r>
-              <a:rPr lang="de-AT" dirty="0">
-                <a:solidFill>
-                  <a:schemeClr val="accent6">
-                    <a:lumMod val="60000"/>
-                    <a:lumOff val="40000"/>
-                  </a:schemeClr>
-                </a:solidFill>
-              </a:rPr>
-              <a:t>Installation</a:t>
-            </a:r>
-          </a:p>
-          <a:p>
-            <a:pPr marL="514350" indent="-514350">
-              <a:buFont typeface="+mj-lt"/>
-              <a:buAutoNum type="arabicPeriod"/>
-            </a:pPr>
-            <a:r>
-              <a:rPr lang="de-AT" dirty="0" err="1">
-                <a:solidFill>
-                  <a:schemeClr val="accent6">
-                    <a:lumMod val="60000"/>
-                    <a:lumOff val="40000"/>
-                  </a:schemeClr>
-                </a:solidFill>
-              </a:rPr>
-              <a:t>Promise</a:t>
-            </a:r>
-            <a:r>
-              <a:rPr lang="de-AT" dirty="0">
-                <a:solidFill>
-                  <a:schemeClr val="accent6">
-                    <a:lumMod val="60000"/>
-                    <a:lumOff val="40000"/>
-                  </a:schemeClr>
-                </a:solidFill>
-              </a:rPr>
+            <a:r>
+              <a:rPr lang="de-AT" dirty="0"/>
+              <a:t>Request </a:t>
+            </a:r>
+            <a:r>
+              <a:rPr lang="de-AT" dirty="0" err="1"/>
+              <a:t>permissions</a:t>
+            </a:r>
+            <a:endParaRPr lang="de-AT" dirty="0"/>
+          </a:p>
+          <a:p>
+            <a:pPr lvl="1"/>
+            <a:r>
+              <a:rPr lang="de-AT" dirty="0" err="1"/>
+              <a:t>add</a:t>
+            </a:r>
+            <a:r>
+              <a:rPr lang="de-AT" dirty="0"/>
               <a:t> </a:t>
             </a:r>
             <a:r>
-              <a:rPr lang="de-AT" dirty="0" err="1">
-                <a:solidFill>
-                  <a:schemeClr val="accent6">
-                    <a:lumMod val="60000"/>
-                    <a:lumOff val="40000"/>
-                  </a:schemeClr>
-                </a:solidFill>
-              </a:rPr>
-              <a:t>and</a:t>
-            </a:r>
-            <a:r>
-              <a:rPr lang="de-AT" dirty="0">
-                <a:solidFill>
-                  <a:schemeClr val="accent6">
-                    <a:lumMod val="60000"/>
-                    <a:lumOff val="40000"/>
-                  </a:schemeClr>
-                </a:solidFill>
-              </a:rPr>
+              <a:rPr lang="de-AT" dirty="0" err="1"/>
+              <a:t>button</a:t>
+            </a:r>
+            <a:endParaRPr lang="de-AT" dirty="0"/>
+          </a:p>
+          <a:p>
+            <a:pPr lvl="1"/>
+            <a:r>
+              <a:rPr lang="de-AT" dirty="0" err="1"/>
+              <a:t>show</a:t>
+            </a:r>
+            <a:r>
+              <a:rPr lang="de-AT" dirty="0"/>
               <a:t> </a:t>
             </a:r>
             <a:r>
-              <a:rPr lang="de-AT" dirty="0" err="1">
-                <a:solidFill>
-                  <a:schemeClr val="accent6">
-                    <a:lumMod val="60000"/>
-                    <a:lumOff val="40000"/>
-                  </a:schemeClr>
-                </a:solidFill>
-              </a:rPr>
-              <a:t>Fetch</a:t>
-            </a:r>
-            <a:r>
-              <a:rPr lang="de-AT" dirty="0">
-                <a:solidFill>
-                  <a:schemeClr val="accent6">
-                    <a:lumMod val="60000"/>
-                    <a:lumOff val="40000"/>
-                  </a:schemeClr>
-                </a:solidFill>
-              </a:rPr>
-              <a:t>, Service Worker Caching</a:t>
-            </a:r>
-          </a:p>
-          <a:p>
-            <a:pPr marL="514350" indent="-514350">
-              <a:buFont typeface="+mj-lt"/>
-              <a:buAutoNum type="arabicPeriod"/>
-            </a:pPr>
-            <a:r>
-              <a:rPr lang="de-AT" dirty="0" err="1">
-                <a:solidFill>
-                  <a:schemeClr val="accent6">
-                    <a:lumMod val="60000"/>
-                    <a:lumOff val="40000"/>
-                  </a:schemeClr>
-                </a:solidFill>
-              </a:rPr>
-              <a:t>Advanced</a:t>
-            </a:r>
-            <a:r>
-              <a:rPr lang="de-AT" dirty="0">
-                <a:solidFill>
-                  <a:schemeClr val="accent6">
-                    <a:lumMod val="60000"/>
-                    <a:lumOff val="40000"/>
-                  </a:schemeClr>
-                </a:solidFill>
-              </a:rPr>
-              <a:t> Caching, </a:t>
-            </a:r>
-            <a:r>
-              <a:rPr lang="de-AT" dirty="0" err="1">
-                <a:solidFill>
-                  <a:schemeClr val="accent6">
-                    <a:lumMod val="60000"/>
-                    <a:lumOff val="40000"/>
-                  </a:schemeClr>
-                </a:solidFill>
-              </a:rPr>
-              <a:t>Indexed</a:t>
-            </a:r>
-            <a:r>
-              <a:rPr lang="de-AT" dirty="0">
-                <a:solidFill>
-                  <a:schemeClr val="accent6">
-                    <a:lumMod val="60000"/>
-                    <a:lumOff val="40000"/>
-                  </a:schemeClr>
-                </a:solidFill>
-              </a:rPr>
-              <a:t> DB </a:t>
-            </a:r>
-            <a:r>
-              <a:rPr lang="de-AT" dirty="0" err="1">
-                <a:solidFill>
-                  <a:schemeClr val="accent6">
-                    <a:lumMod val="60000"/>
-                    <a:lumOff val="40000"/>
-                  </a:schemeClr>
-                </a:solidFill>
-              </a:rPr>
-              <a:t>and</a:t>
-            </a:r>
-            <a:r>
-              <a:rPr lang="de-AT" dirty="0">
-                <a:solidFill>
-                  <a:schemeClr val="accent6">
-                    <a:lumMod val="60000"/>
-                    <a:lumOff val="40000"/>
-                  </a:schemeClr>
-                </a:solidFill>
-              </a:rPr>
-              <a:t> Dynamic Data</a:t>
-            </a:r>
-          </a:p>
-          <a:p>
-            <a:pPr marL="514350" indent="-514350">
-              <a:buFont typeface="+mj-lt"/>
-              <a:buAutoNum type="arabicPeriod"/>
-            </a:pPr>
-            <a:r>
-              <a:rPr lang="de-AT" dirty="0" err="1">
-                <a:solidFill>
-                  <a:schemeClr val="accent6">
-                    <a:lumMod val="60000"/>
-                    <a:lumOff val="40000"/>
-                  </a:schemeClr>
-                </a:solidFill>
-              </a:rPr>
-              <a:t>Responsive</a:t>
-            </a:r>
-            <a:r>
-              <a:rPr lang="de-AT" dirty="0">
-                <a:solidFill>
-                  <a:schemeClr val="accent6">
-                    <a:lumMod val="60000"/>
-                    <a:lumOff val="40000"/>
-                  </a:schemeClr>
-                </a:solidFill>
-              </a:rPr>
-              <a:t> UI, Background </a:t>
-            </a:r>
-            <a:r>
-              <a:rPr lang="de-AT" dirty="0" err="1">
-                <a:solidFill>
-                  <a:schemeClr val="accent6">
-                    <a:lumMod val="60000"/>
-                    <a:lumOff val="40000"/>
-                  </a:schemeClr>
-                </a:solidFill>
-              </a:rPr>
-              <a:t>Sync</a:t>
-            </a:r>
-            <a:r>
-              <a:rPr lang="de-AT" dirty="0">
-                <a:solidFill>
-                  <a:schemeClr val="accent6">
-                    <a:lumMod val="60000"/>
-                    <a:lumOff val="40000"/>
-                  </a:schemeClr>
-                </a:solidFill>
-              </a:rPr>
+              <a:rPr lang="de-AT" dirty="0" err="1"/>
+              <a:t>only</a:t>
+            </a:r>
+            <a:r>
+              <a:rPr lang="de-AT" dirty="0"/>
               <a:t> </a:t>
             </a:r>
-          </a:p>
-          <a:p>
-            <a:pPr marL="514350" indent="-514350">
-              <a:buFont typeface="+mj-lt"/>
-              <a:buAutoNum type="arabicPeriod"/>
-            </a:pPr>
-            <a:r>
-              <a:rPr lang="de-AT" dirty="0">
-                <a:solidFill>
-                  <a:schemeClr val="accent6">
-                    <a:lumMod val="60000"/>
-                    <a:lumOff val="40000"/>
-                  </a:schemeClr>
-                </a:solidFill>
-              </a:rPr>
-              <a:t>Web Push </a:t>
-            </a:r>
-            <a:r>
-              <a:rPr lang="de-AT" dirty="0" err="1">
-                <a:solidFill>
-                  <a:schemeClr val="accent6">
-                    <a:lumMod val="60000"/>
-                    <a:lumOff val="40000"/>
-                  </a:schemeClr>
-                </a:solidFill>
-              </a:rPr>
-              <a:t>Notifications</a:t>
-            </a:r>
-            <a:r>
-              <a:rPr lang="de-AT" dirty="0">
-                <a:solidFill>
-                  <a:schemeClr val="accent6">
-                    <a:lumMod val="60000"/>
-                    <a:lumOff val="40000"/>
-                  </a:schemeClr>
-                </a:solidFill>
-              </a:rPr>
+            <a:r>
+              <a:rPr lang="de-AT" dirty="0" err="1"/>
+              <a:t>when</a:t>
+            </a:r>
+            <a:r>
+              <a:rPr lang="de-AT" dirty="0"/>
               <a:t> </a:t>
             </a:r>
-          </a:p>
-          <a:p>
-            <a:pPr marL="514350" indent="-514350">
-              <a:buFont typeface="+mj-lt"/>
-              <a:buAutoNum type="arabicPeriod"/>
-            </a:pPr>
-            <a:r>
-              <a:rPr lang="de-AT" dirty="0"/>
-              <a:t>Native Device Features</a:t>
-            </a:r>
-          </a:p>
-          <a:p>
-            <a:pPr marL="514350" indent="-514350">
-              <a:buFont typeface="+mj-lt"/>
-              <a:buAutoNum type="arabicPeriod"/>
-            </a:pPr>
-            <a:r>
-              <a:rPr lang="de-AT" dirty="0">
-                <a:solidFill>
-                  <a:schemeClr val="bg1">
-                    <a:lumMod val="85000"/>
-                  </a:schemeClr>
-                </a:solidFill>
-              </a:rPr>
-              <a:t>Round </a:t>
-            </a:r>
-            <a:r>
-              <a:rPr lang="de-AT" dirty="0" err="1">
-                <a:solidFill>
-                  <a:schemeClr val="bg1">
-                    <a:lumMod val="85000"/>
-                  </a:schemeClr>
-                </a:solidFill>
-              </a:rPr>
-              <a:t>Up</a:t>
-            </a:r>
-            <a:r>
-              <a:rPr lang="de-AT" dirty="0">
-                <a:solidFill>
-                  <a:schemeClr val="bg1">
-                    <a:lumMod val="85000"/>
-                  </a:schemeClr>
-                </a:solidFill>
-              </a:rPr>
-              <a:t> &amp; Quiz</a:t>
-            </a:r>
-          </a:p>
-          <a:p>
+            <a:r>
+              <a:rPr lang="de-AT" dirty="0" err="1"/>
+              <a:t>notifications</a:t>
+            </a:r>
+            <a:r>
+              <a:rPr lang="de-AT" dirty="0"/>
+              <a:t> </a:t>
+            </a:r>
+            <a:r>
+              <a:rPr lang="de-AT" dirty="0" err="1"/>
+              <a:t>are</a:t>
+            </a:r>
+            <a:r>
+              <a:rPr lang="de-AT" dirty="0"/>
+              <a:t> </a:t>
+            </a:r>
+            <a:r>
+              <a:rPr lang="de-AT" dirty="0" err="1"/>
+              <a:t>supported</a:t>
+            </a:r>
+            <a:endParaRPr lang="de-AT" dirty="0"/>
+          </a:p>
+          <a:p>
+            <a:pPr lvl="1"/>
+            <a:r>
+              <a:rPr lang="de-AT" dirty="0"/>
+              <a:t>handle </a:t>
+            </a:r>
+            <a:r>
+              <a:rPr lang="de-AT" dirty="0" err="1"/>
+              <a:t>click</a:t>
+            </a:r>
+            <a:r>
+              <a:rPr lang="de-AT" dirty="0"/>
+              <a:t> </a:t>
+            </a:r>
+            <a:r>
+              <a:rPr lang="de-AT" dirty="0" err="1"/>
+              <a:t>event</a:t>
+            </a:r>
+            <a:endParaRPr lang="de-AT" dirty="0"/>
+          </a:p>
+          <a:p>
+            <a:pPr lvl="1"/>
+            <a:r>
+              <a:rPr lang="de-AT" dirty="0"/>
+              <a:t>handle </a:t>
+            </a:r>
+            <a:r>
+              <a:rPr lang="de-AT" dirty="0" err="1"/>
+              <a:t>user</a:t>
+            </a:r>
+            <a:r>
+              <a:rPr lang="de-AT" dirty="0"/>
+              <a:t> </a:t>
+            </a:r>
+            <a:r>
+              <a:rPr lang="de-AT" dirty="0" err="1"/>
+              <a:t>response</a:t>
+            </a:r>
+            <a:endParaRPr lang="de-AT" dirty="0"/>
+          </a:p>
+          <a:p>
+            <a:r>
+              <a:rPr lang="de-AT" dirty="0"/>
+              <a:t>Create </a:t>
+            </a:r>
+            <a:r>
+              <a:rPr lang="de-AT" dirty="0" err="1"/>
+              <a:t>notification</a:t>
+            </a:r>
+            <a:endParaRPr lang="de-AT" dirty="0"/>
+          </a:p>
+          <a:p>
+            <a:r>
+              <a:rPr lang="de-AT" dirty="0"/>
+              <a:t>Transfer </a:t>
+            </a:r>
+            <a:r>
+              <a:rPr lang="de-AT" dirty="0" err="1"/>
+              <a:t>to</a:t>
+            </a:r>
+            <a:r>
+              <a:rPr lang="de-AT" dirty="0"/>
+              <a:t> </a:t>
+            </a:r>
+            <a:r>
+              <a:rPr lang="de-AT" dirty="0" err="1"/>
+              <a:t>service</a:t>
+            </a:r>
+            <a:r>
+              <a:rPr lang="de-AT" dirty="0"/>
+              <a:t> </a:t>
+            </a:r>
+            <a:r>
+              <a:rPr lang="de-AT" dirty="0" err="1"/>
+              <a:t>worker</a:t>
+            </a:r>
+            <a:r>
+              <a:rPr lang="de-AT" dirty="0"/>
+              <a:t> (</a:t>
+            </a:r>
+            <a:r>
+              <a:rPr lang="de-AT" dirty="0" err="1"/>
+              <a:t>prep</a:t>
+            </a:r>
+            <a:r>
+              <a:rPr lang="de-AT" dirty="0"/>
+              <a:t> </a:t>
+            </a:r>
+            <a:r>
+              <a:rPr lang="de-AT" dirty="0" err="1"/>
+              <a:t>for</a:t>
+            </a:r>
+            <a:r>
+              <a:rPr lang="de-AT" dirty="0"/>
+              <a:t> push </a:t>
+            </a:r>
+            <a:r>
+              <a:rPr lang="de-AT" dirty="0" err="1"/>
+              <a:t>handling</a:t>
+            </a:r>
+            <a:r>
+              <a:rPr lang="de-AT" dirty="0"/>
+              <a:t>)</a:t>
+            </a:r>
+          </a:p>
+          <a:p>
+            <a:r>
+              <a:rPr lang="de-AT" dirty="0" err="1"/>
+              <a:t>Improve</a:t>
+            </a:r>
+            <a:r>
+              <a:rPr lang="de-AT" dirty="0"/>
+              <a:t> </a:t>
+            </a:r>
+            <a:r>
+              <a:rPr lang="de-AT" dirty="0" err="1"/>
+              <a:t>options</a:t>
+            </a:r>
+            <a:endParaRPr lang="de-AT" dirty="0"/>
+          </a:p>
+          <a:p>
+            <a:r>
+              <a:rPr lang="de-AT" dirty="0"/>
+              <a:t>Add </a:t>
+            </a:r>
+            <a:r>
+              <a:rPr lang="de-AT" dirty="0" err="1"/>
+              <a:t>actions</a:t>
+            </a:r>
+            <a:endParaRPr lang="de-AT" dirty="0"/>
+          </a:p>
+          <a:p>
+            <a:r>
+              <a:rPr lang="de-AT" dirty="0"/>
+              <a:t>Remote </a:t>
+            </a:r>
+            <a:r>
+              <a:rPr lang="de-AT" dirty="0" err="1"/>
+              <a:t>debugging</a:t>
+            </a:r>
             <a:endParaRPr lang="de-AT" dirty="0"/>
           </a:p>
         </p:txBody>
@@ -31462,7 +31071,7 @@
     </p:spTree>
     <p:extLst>
       <p:ext uri="{BB962C8B-B14F-4D97-AF65-F5344CB8AC3E}">
-        <p14:creationId xmlns:p14="http://schemas.microsoft.com/office/powerpoint/2010/main" val="1796238282"/>
+        <p14:creationId xmlns:p14="http://schemas.microsoft.com/office/powerpoint/2010/main" val="1579405541"/>
       </p:ext>
     </p:extLst>
   </p:cSld>
@@ -31491,6 +31100,1800 @@
       </p:grpSpPr>
       <p:sp>
         <p:nvSpPr>
+          <p:cNvPr id="2" name="Titel 1">
+            <a:extLst>
+              <a:ext uri="{FF2B5EF4-FFF2-40B4-BE49-F238E27FC236}">
+                <a16:creationId xmlns:a16="http://schemas.microsoft.com/office/drawing/2014/main" id="{763E4651-52E3-E849-955C-9DD8F47A9BA0}"/>
+              </a:ext>
+            </a:extLst>
+          </p:cNvPr>
+          <p:cNvSpPr>
+            <a:spLocks noGrp="1"/>
+          </p:cNvSpPr>
+          <p:nvPr>
+            <p:ph type="title"/>
+          </p:nvPr>
+        </p:nvSpPr>
+        <p:spPr/>
+        <p:txBody>
+          <a:bodyPr/>
+          <a:lstStyle/>
+          <a:p>
+            <a:r>
+              <a:rPr lang="de-DE" dirty="0"/>
+              <a:t>Push </a:t>
+            </a:r>
+            <a:r>
+              <a:rPr lang="de-DE" dirty="0" err="1"/>
+              <a:t>Notifications</a:t>
+            </a:r>
+            <a:endParaRPr lang="de-AT" dirty="0"/>
+          </a:p>
+        </p:txBody>
+      </p:sp>
+      <p:sp>
+        <p:nvSpPr>
+          <p:cNvPr id="4" name="Rechteck 3">
+            <a:extLst>
+              <a:ext uri="{FF2B5EF4-FFF2-40B4-BE49-F238E27FC236}">
+                <a16:creationId xmlns:a16="http://schemas.microsoft.com/office/drawing/2014/main" id="{C016FC62-A13C-7FD9-BAF5-C54C652ABB58}"/>
+              </a:ext>
+            </a:extLst>
+          </p:cNvPr>
+          <p:cNvSpPr/>
+          <p:nvPr/>
+        </p:nvSpPr>
+        <p:spPr>
+          <a:xfrm>
+            <a:off x="4706711" y="1690688"/>
+            <a:ext cx="1671609" cy="1248403"/>
+          </a:xfrm>
+          <a:prstGeom prst="rect">
+            <a:avLst/>
+          </a:prstGeom>
+        </p:spPr>
+        <p:style>
+          <a:lnRef idx="2">
+            <a:schemeClr val="accent6">
+              <a:shade val="50000"/>
+            </a:schemeClr>
+          </a:lnRef>
+          <a:fillRef idx="1">
+            <a:schemeClr val="accent6"/>
+          </a:fillRef>
+          <a:effectRef idx="0">
+            <a:schemeClr val="accent6"/>
+          </a:effectRef>
+          <a:fontRef idx="minor">
+            <a:schemeClr val="lt1"/>
+          </a:fontRef>
+        </p:style>
+        <p:txBody>
+          <a:bodyPr rtlCol="0" anchor="ctr"/>
+          <a:lstStyle/>
+          <a:p>
+            <a:pPr algn="ctr"/>
+            <a:r>
+              <a:rPr lang="de-AT" dirty="0"/>
+              <a:t>App</a:t>
+            </a:r>
+          </a:p>
+        </p:txBody>
+      </p:sp>
+      <p:sp>
+        <p:nvSpPr>
+          <p:cNvPr id="5" name="Rechteck 4">
+            <a:extLst>
+              <a:ext uri="{FF2B5EF4-FFF2-40B4-BE49-F238E27FC236}">
+                <a16:creationId xmlns:a16="http://schemas.microsoft.com/office/drawing/2014/main" id="{09778050-0BB9-ACDA-994B-84DA9B85C801}"/>
+              </a:ext>
+            </a:extLst>
+          </p:cNvPr>
+          <p:cNvSpPr/>
+          <p:nvPr/>
+        </p:nvSpPr>
+        <p:spPr>
+          <a:xfrm>
+            <a:off x="7867640" y="2973168"/>
+            <a:ext cx="1664080" cy="1248403"/>
+          </a:xfrm>
+          <a:prstGeom prst="rect">
+            <a:avLst/>
+          </a:prstGeom>
+        </p:spPr>
+        <p:style>
+          <a:lnRef idx="2">
+            <a:schemeClr val="accent5">
+              <a:shade val="50000"/>
+            </a:schemeClr>
+          </a:lnRef>
+          <a:fillRef idx="1">
+            <a:schemeClr val="accent5"/>
+          </a:fillRef>
+          <a:effectRef idx="0">
+            <a:schemeClr val="accent5"/>
+          </a:effectRef>
+          <a:fontRef idx="minor">
+            <a:schemeClr val="lt1"/>
+          </a:fontRef>
+        </p:style>
+        <p:txBody>
+          <a:bodyPr rtlCol="0" anchor="ctr"/>
+          <a:lstStyle/>
+          <a:p>
+            <a:pPr algn="ctr"/>
+            <a:r>
+              <a:rPr lang="de-AT" dirty="0"/>
+              <a:t>Browser </a:t>
+            </a:r>
+            <a:r>
+              <a:rPr lang="de-AT" dirty="0" err="1"/>
+              <a:t>vendor</a:t>
+            </a:r>
+            <a:r>
+              <a:rPr lang="de-AT" dirty="0"/>
+              <a:t> push </a:t>
+            </a:r>
+            <a:r>
+              <a:rPr lang="de-AT" dirty="0" err="1"/>
+              <a:t>server</a:t>
+            </a:r>
+            <a:endParaRPr lang="de-AT" dirty="0"/>
+          </a:p>
+        </p:txBody>
+      </p:sp>
+      <p:sp>
+        <p:nvSpPr>
+          <p:cNvPr id="8" name="Gewitterblitz 7">
+            <a:extLst>
+              <a:ext uri="{FF2B5EF4-FFF2-40B4-BE49-F238E27FC236}">
+                <a16:creationId xmlns:a16="http://schemas.microsoft.com/office/drawing/2014/main" id="{28E2C654-10ED-9D15-8191-10B8B78F18D6}"/>
+              </a:ext>
+            </a:extLst>
+          </p:cNvPr>
+          <p:cNvSpPr/>
+          <p:nvPr/>
+        </p:nvSpPr>
+        <p:spPr>
+          <a:xfrm>
+            <a:off x="8014512" y="4342136"/>
+            <a:ext cx="1204599" cy="1204599"/>
+          </a:xfrm>
+          <a:prstGeom prst="lightningBolt">
+            <a:avLst/>
+          </a:prstGeom>
+        </p:spPr>
+        <p:style>
+          <a:lnRef idx="2">
+            <a:schemeClr val="accent1">
+              <a:shade val="50000"/>
+            </a:schemeClr>
+          </a:lnRef>
+          <a:fillRef idx="1">
+            <a:schemeClr val="accent1"/>
+          </a:fillRef>
+          <a:effectRef idx="0">
+            <a:schemeClr val="accent1"/>
+          </a:effectRef>
+          <a:fontRef idx="minor">
+            <a:schemeClr val="lt1"/>
+          </a:fontRef>
+        </p:style>
+        <p:txBody>
+          <a:bodyPr rtlCol="0" anchor="ctr"/>
+          <a:lstStyle/>
+          <a:p>
+            <a:pPr algn="ctr"/>
+            <a:endParaRPr lang="de-AT"/>
+          </a:p>
+        </p:txBody>
+      </p:sp>
+      <p:sp>
+        <p:nvSpPr>
+          <p:cNvPr id="10" name="Rechteck 9">
+            <a:extLst>
+              <a:ext uri="{FF2B5EF4-FFF2-40B4-BE49-F238E27FC236}">
+                <a16:creationId xmlns:a16="http://schemas.microsoft.com/office/drawing/2014/main" id="{F10FED07-9C83-B5BF-374B-630875814C8F}"/>
+              </a:ext>
+            </a:extLst>
+          </p:cNvPr>
+          <p:cNvSpPr/>
+          <p:nvPr/>
+        </p:nvSpPr>
+        <p:spPr>
+          <a:xfrm>
+            <a:off x="4715322" y="4221571"/>
+            <a:ext cx="1664080" cy="1248403"/>
+          </a:xfrm>
+          <a:prstGeom prst="rect">
+            <a:avLst/>
+          </a:prstGeom>
+        </p:spPr>
+        <p:style>
+          <a:lnRef idx="2">
+            <a:schemeClr val="accent5">
+              <a:shade val="50000"/>
+            </a:schemeClr>
+          </a:lnRef>
+          <a:fillRef idx="1">
+            <a:schemeClr val="accent5"/>
+          </a:fillRef>
+          <a:effectRef idx="0">
+            <a:schemeClr val="accent5"/>
+          </a:effectRef>
+          <a:fontRef idx="minor">
+            <a:schemeClr val="lt1"/>
+          </a:fontRef>
+        </p:style>
+        <p:txBody>
+          <a:bodyPr rtlCol="0" anchor="ctr"/>
+          <a:lstStyle/>
+          <a:p>
+            <a:pPr algn="ctr"/>
+            <a:r>
+              <a:rPr lang="de-AT" dirty="0"/>
+              <a:t>Service Worker</a:t>
+            </a:r>
+          </a:p>
+        </p:txBody>
+      </p:sp>
+      <p:sp>
+        <p:nvSpPr>
+          <p:cNvPr id="13" name="Rechteck 12">
+            <a:extLst>
+              <a:ext uri="{FF2B5EF4-FFF2-40B4-BE49-F238E27FC236}">
+                <a16:creationId xmlns:a16="http://schemas.microsoft.com/office/drawing/2014/main" id="{2BFC2696-14B0-41AA-7E02-FC5B5441AFFC}"/>
+              </a:ext>
+            </a:extLst>
+          </p:cNvPr>
+          <p:cNvSpPr/>
+          <p:nvPr/>
+        </p:nvSpPr>
+        <p:spPr>
+          <a:xfrm>
+            <a:off x="499677" y="2966436"/>
+            <a:ext cx="1664080" cy="1248403"/>
+          </a:xfrm>
+          <a:prstGeom prst="rect">
+            <a:avLst/>
+          </a:prstGeom>
+        </p:spPr>
+        <p:style>
+          <a:lnRef idx="2">
+            <a:schemeClr val="accent5">
+              <a:shade val="50000"/>
+            </a:schemeClr>
+          </a:lnRef>
+          <a:fillRef idx="1">
+            <a:schemeClr val="accent5"/>
+          </a:fillRef>
+          <a:effectRef idx="0">
+            <a:schemeClr val="accent5"/>
+          </a:effectRef>
+          <a:fontRef idx="minor">
+            <a:schemeClr val="lt1"/>
+          </a:fontRef>
+        </p:style>
+        <p:txBody>
+          <a:bodyPr rtlCol="0" anchor="ctr"/>
+          <a:lstStyle/>
+          <a:p>
+            <a:pPr algn="ctr"/>
+            <a:r>
+              <a:rPr lang="de-AT" dirty="0"/>
+              <a:t>Backend </a:t>
+            </a:r>
+            <a:r>
+              <a:rPr lang="de-AT" dirty="0" err="1"/>
+              <a:t>server</a:t>
+            </a:r>
+            <a:endParaRPr lang="de-AT" dirty="0"/>
+          </a:p>
+        </p:txBody>
+      </p:sp>
+      <p:sp>
+        <p:nvSpPr>
+          <p:cNvPr id="18" name="Ellipse 17">
+            <a:extLst>
+              <a:ext uri="{FF2B5EF4-FFF2-40B4-BE49-F238E27FC236}">
+                <a16:creationId xmlns:a16="http://schemas.microsoft.com/office/drawing/2014/main" id="{77E9FB1B-2CBD-585A-8FD3-CD8DB280E3E8}"/>
+              </a:ext>
+            </a:extLst>
+          </p:cNvPr>
+          <p:cNvSpPr/>
+          <p:nvPr/>
+        </p:nvSpPr>
+        <p:spPr>
+          <a:xfrm>
+            <a:off x="1411725" y="2537035"/>
+            <a:ext cx="1417920" cy="801389"/>
+          </a:xfrm>
+          <a:prstGeom prst="ellipse">
+            <a:avLst/>
+          </a:prstGeom>
+        </p:spPr>
+        <p:style>
+          <a:lnRef idx="2">
+            <a:schemeClr val="accent6">
+              <a:shade val="50000"/>
+            </a:schemeClr>
+          </a:lnRef>
+          <a:fillRef idx="1">
+            <a:schemeClr val="accent6"/>
+          </a:fillRef>
+          <a:effectRef idx="0">
+            <a:schemeClr val="accent6"/>
+          </a:effectRef>
+          <a:fontRef idx="minor">
+            <a:schemeClr val="lt1"/>
+          </a:fontRef>
+        </p:style>
+        <p:txBody>
+          <a:bodyPr rtlCol="0" anchor="ctr"/>
+          <a:lstStyle/>
+          <a:p>
+            <a:pPr algn="ctr"/>
+            <a:r>
+              <a:rPr lang="de-AT" sz="1200" dirty="0"/>
+              <a:t>Send push </a:t>
+            </a:r>
+            <a:r>
+              <a:rPr lang="de-AT" sz="1200" dirty="0" err="1"/>
+              <a:t>notification</a:t>
+            </a:r>
+            <a:endParaRPr lang="de-AT" sz="1200" dirty="0"/>
+          </a:p>
+        </p:txBody>
+      </p:sp>
+      <p:sp>
+        <p:nvSpPr>
+          <p:cNvPr id="19" name="Ellipse 18">
+            <a:extLst>
+              <a:ext uri="{FF2B5EF4-FFF2-40B4-BE49-F238E27FC236}">
+                <a16:creationId xmlns:a16="http://schemas.microsoft.com/office/drawing/2014/main" id="{4620F24E-1B7E-A8C8-FC4E-651CA0BF6B37}"/>
+              </a:ext>
+            </a:extLst>
+          </p:cNvPr>
+          <p:cNvSpPr/>
+          <p:nvPr/>
+        </p:nvSpPr>
+        <p:spPr>
+          <a:xfrm>
+            <a:off x="5849787" y="1589392"/>
+            <a:ext cx="2035781" cy="826793"/>
+          </a:xfrm>
+          <a:prstGeom prst="ellipse">
+            <a:avLst/>
+          </a:prstGeom>
+        </p:spPr>
+        <p:style>
+          <a:lnRef idx="2">
+            <a:schemeClr val="accent1">
+              <a:shade val="50000"/>
+            </a:schemeClr>
+          </a:lnRef>
+          <a:fillRef idx="1">
+            <a:schemeClr val="accent1"/>
+          </a:fillRef>
+          <a:effectRef idx="0">
+            <a:schemeClr val="accent1"/>
+          </a:effectRef>
+          <a:fontRef idx="minor">
+            <a:schemeClr val="lt1"/>
+          </a:fontRef>
+        </p:style>
+        <p:txBody>
+          <a:bodyPr rtlCol="0" anchor="ctr"/>
+          <a:lstStyle/>
+          <a:p>
+            <a:pPr algn="ctr"/>
+            <a:r>
+              <a:rPr lang="de-AT" dirty="0"/>
+              <a:t>1 User </a:t>
+            </a:r>
+            <a:r>
+              <a:rPr lang="de-AT" dirty="0" err="1"/>
+              <a:t>allows</a:t>
+            </a:r>
+            <a:r>
+              <a:rPr lang="de-AT" dirty="0"/>
+              <a:t> </a:t>
+            </a:r>
+            <a:r>
+              <a:rPr lang="de-AT" dirty="0" err="1"/>
+              <a:t>notifications</a:t>
+            </a:r>
+            <a:endParaRPr lang="de-AT" dirty="0"/>
+          </a:p>
+        </p:txBody>
+      </p:sp>
+      <p:sp>
+        <p:nvSpPr>
+          <p:cNvPr id="22" name="Ellipse 21">
+            <a:extLst>
+              <a:ext uri="{FF2B5EF4-FFF2-40B4-BE49-F238E27FC236}">
+                <a16:creationId xmlns:a16="http://schemas.microsoft.com/office/drawing/2014/main" id="{22C00CCA-E5E2-FCAB-3731-36693AFFC32E}"/>
+              </a:ext>
+            </a:extLst>
+          </p:cNvPr>
+          <p:cNvSpPr/>
+          <p:nvPr/>
+        </p:nvSpPr>
+        <p:spPr>
+          <a:xfrm>
+            <a:off x="2373544" y="3229211"/>
+            <a:ext cx="2080760" cy="826793"/>
+          </a:xfrm>
+          <a:prstGeom prst="ellipse">
+            <a:avLst/>
+          </a:prstGeom>
+        </p:spPr>
+        <p:style>
+          <a:lnRef idx="2">
+            <a:schemeClr val="accent1">
+              <a:shade val="50000"/>
+            </a:schemeClr>
+          </a:lnRef>
+          <a:fillRef idx="1">
+            <a:schemeClr val="accent1"/>
+          </a:fillRef>
+          <a:effectRef idx="0">
+            <a:schemeClr val="accent1"/>
+          </a:effectRef>
+          <a:fontRef idx="minor">
+            <a:schemeClr val="lt1"/>
+          </a:fontRef>
+        </p:style>
+        <p:txBody>
+          <a:bodyPr rtlCol="0" anchor="ctr"/>
+          <a:lstStyle/>
+          <a:p>
+            <a:pPr algn="ctr"/>
+            <a:r>
+              <a:rPr lang="de-AT" dirty="0"/>
+              <a:t>2 Create </a:t>
+            </a:r>
+            <a:r>
+              <a:rPr lang="de-AT" dirty="0" err="1"/>
+              <a:t>new</a:t>
+            </a:r>
+            <a:r>
+              <a:rPr lang="de-AT" dirty="0"/>
+              <a:t> </a:t>
+            </a:r>
+            <a:r>
+              <a:rPr lang="de-AT" dirty="0" err="1"/>
+              <a:t>subscription</a:t>
+            </a:r>
+            <a:endParaRPr lang="de-AT" dirty="0"/>
+          </a:p>
+        </p:txBody>
+      </p:sp>
+      <p:cxnSp>
+        <p:nvCxnSpPr>
+          <p:cNvPr id="24" name="Gerade Verbindung mit Pfeil 23">
+            <a:extLst>
+              <a:ext uri="{FF2B5EF4-FFF2-40B4-BE49-F238E27FC236}">
+                <a16:creationId xmlns:a16="http://schemas.microsoft.com/office/drawing/2014/main" id="{2DBD78CB-65AC-C9FC-4220-9EB23383F065}"/>
+              </a:ext>
+            </a:extLst>
+          </p:cNvPr>
+          <p:cNvCxnSpPr/>
+          <p:nvPr/>
+        </p:nvCxnSpPr>
+        <p:spPr>
+          <a:xfrm flipV="1">
+            <a:off x="4913453" y="2939091"/>
+            <a:ext cx="0" cy="1282480"/>
+          </a:xfrm>
+          <a:prstGeom prst="straightConnector1">
+            <a:avLst/>
+          </a:prstGeom>
+          <a:ln>
+            <a:headEnd type="triangle"/>
+            <a:tailEnd type="triangle"/>
+          </a:ln>
+        </p:spPr>
+        <p:style>
+          <a:lnRef idx="1">
+            <a:schemeClr val="accent1"/>
+          </a:lnRef>
+          <a:fillRef idx="0">
+            <a:schemeClr val="accent1"/>
+          </a:fillRef>
+          <a:effectRef idx="0">
+            <a:schemeClr val="accent1"/>
+          </a:effectRef>
+          <a:fontRef idx="minor">
+            <a:schemeClr val="tx1"/>
+          </a:fontRef>
+        </p:style>
+      </p:cxnSp>
+      <p:cxnSp>
+        <p:nvCxnSpPr>
+          <p:cNvPr id="25" name="Gerade Verbindung mit Pfeil 24">
+            <a:extLst>
+              <a:ext uri="{FF2B5EF4-FFF2-40B4-BE49-F238E27FC236}">
+                <a16:creationId xmlns:a16="http://schemas.microsoft.com/office/drawing/2014/main" id="{54A405FE-C5F0-B87C-5AB1-EC26400B4ABB}"/>
+              </a:ext>
+            </a:extLst>
+          </p:cNvPr>
+          <p:cNvCxnSpPr/>
+          <p:nvPr/>
+        </p:nvCxnSpPr>
+        <p:spPr>
+          <a:xfrm flipV="1">
+            <a:off x="6153874" y="2952554"/>
+            <a:ext cx="0" cy="1282480"/>
+          </a:xfrm>
+          <a:prstGeom prst="straightConnector1">
+            <a:avLst/>
+          </a:prstGeom>
+          <a:ln>
+            <a:headEnd type="triangle"/>
+            <a:tailEnd type="triangle"/>
+          </a:ln>
+        </p:spPr>
+        <p:style>
+          <a:lnRef idx="1">
+            <a:schemeClr val="accent1"/>
+          </a:lnRef>
+          <a:fillRef idx="0">
+            <a:schemeClr val="accent1"/>
+          </a:fillRef>
+          <a:effectRef idx="0">
+            <a:schemeClr val="accent1"/>
+          </a:effectRef>
+          <a:fontRef idx="minor">
+            <a:schemeClr val="tx1"/>
+          </a:fontRef>
+        </p:style>
+      </p:cxnSp>
+      <p:cxnSp>
+        <p:nvCxnSpPr>
+          <p:cNvPr id="29" name="Gerade Verbindung mit Pfeil 28">
+            <a:extLst>
+              <a:ext uri="{FF2B5EF4-FFF2-40B4-BE49-F238E27FC236}">
+                <a16:creationId xmlns:a16="http://schemas.microsoft.com/office/drawing/2014/main" id="{DE951049-0A3D-2DA7-20CC-2E95C4C17447}"/>
+              </a:ext>
+            </a:extLst>
+          </p:cNvPr>
+          <p:cNvCxnSpPr>
+            <a:stCxn id="10" idx="0"/>
+            <a:endCxn id="4" idx="2"/>
+          </p:cNvCxnSpPr>
+          <p:nvPr/>
+        </p:nvCxnSpPr>
+        <p:spPr>
+          <a:xfrm flipH="1" flipV="1">
+            <a:off x="5542516" y="2939091"/>
+            <a:ext cx="4846" cy="1282480"/>
+          </a:xfrm>
+          <a:prstGeom prst="straightConnector1">
+            <a:avLst/>
+          </a:prstGeom>
+          <a:ln>
+            <a:tailEnd type="triangle"/>
+          </a:ln>
+        </p:spPr>
+        <p:style>
+          <a:lnRef idx="1">
+            <a:schemeClr val="accent1"/>
+          </a:lnRef>
+          <a:fillRef idx="0">
+            <a:schemeClr val="accent1"/>
+          </a:fillRef>
+          <a:effectRef idx="0">
+            <a:schemeClr val="accent1"/>
+          </a:effectRef>
+          <a:fontRef idx="minor">
+            <a:schemeClr val="tx1"/>
+          </a:fontRef>
+        </p:style>
+      </p:cxnSp>
+      <p:sp>
+        <p:nvSpPr>
+          <p:cNvPr id="27" name="Ellipse 26">
+            <a:extLst>
+              <a:ext uri="{FF2B5EF4-FFF2-40B4-BE49-F238E27FC236}">
+                <a16:creationId xmlns:a16="http://schemas.microsoft.com/office/drawing/2014/main" id="{F3A3C5F4-D882-DC70-A849-2A5C331B6620}"/>
+              </a:ext>
+            </a:extLst>
+          </p:cNvPr>
+          <p:cNvSpPr/>
+          <p:nvPr/>
+        </p:nvSpPr>
+        <p:spPr>
+          <a:xfrm>
+            <a:off x="5088396" y="3224720"/>
+            <a:ext cx="917931" cy="801389"/>
+          </a:xfrm>
+          <a:prstGeom prst="ellipse">
+            <a:avLst/>
+          </a:prstGeom>
+        </p:spPr>
+        <p:style>
+          <a:lnRef idx="2">
+            <a:schemeClr val="accent6">
+              <a:shade val="50000"/>
+            </a:schemeClr>
+          </a:lnRef>
+          <a:fillRef idx="1">
+            <a:schemeClr val="accent6"/>
+          </a:fillRef>
+          <a:effectRef idx="0">
+            <a:schemeClr val="accent6"/>
+          </a:effectRef>
+          <a:fontRef idx="minor">
+            <a:schemeClr val="lt1"/>
+          </a:fontRef>
+        </p:style>
+        <p:txBody>
+          <a:bodyPr rtlCol="0" anchor="ctr"/>
+          <a:lstStyle/>
+          <a:p>
+            <a:pPr algn="ctr"/>
+            <a:r>
+              <a:rPr lang="de-AT" sz="1200" dirty="0"/>
+              <a:t>Display </a:t>
+            </a:r>
+            <a:r>
+              <a:rPr lang="de-AT" sz="1200" dirty="0" err="1"/>
+              <a:t>notification</a:t>
+            </a:r>
+            <a:endParaRPr lang="de-AT" sz="1200" dirty="0"/>
+          </a:p>
+        </p:txBody>
+      </p:sp>
+      <p:cxnSp>
+        <p:nvCxnSpPr>
+          <p:cNvPr id="31" name="Verbinder: gewinkelt 30">
+            <a:extLst>
+              <a:ext uri="{FF2B5EF4-FFF2-40B4-BE49-F238E27FC236}">
+                <a16:creationId xmlns:a16="http://schemas.microsoft.com/office/drawing/2014/main" id="{D343A41F-084D-2B3E-616B-E748626B2476}"/>
+              </a:ext>
+            </a:extLst>
+          </p:cNvPr>
+          <p:cNvCxnSpPr>
+            <a:cxnSpLocks/>
+            <a:stCxn id="22" idx="4"/>
+            <a:endCxn id="5" idx="3"/>
+          </p:cNvCxnSpPr>
+          <p:nvPr/>
+        </p:nvCxnSpPr>
+        <p:spPr>
+          <a:xfrm rot="5400000" flipH="1" flipV="1">
+            <a:off x="6243505" y="767789"/>
+            <a:ext cx="458634" cy="6117796"/>
+          </a:xfrm>
+          <a:prstGeom prst="bentConnector4">
+            <a:avLst>
+              <a:gd name="adj1" fmla="val -408981"/>
+              <a:gd name="adj2" fmla="val 103737"/>
+            </a:avLst>
+          </a:prstGeom>
+          <a:ln>
+            <a:tailEnd type="triangle"/>
+          </a:ln>
+        </p:spPr>
+        <p:style>
+          <a:lnRef idx="1">
+            <a:schemeClr val="accent1"/>
+          </a:lnRef>
+          <a:fillRef idx="0">
+            <a:schemeClr val="accent1"/>
+          </a:fillRef>
+          <a:effectRef idx="0">
+            <a:schemeClr val="accent1"/>
+          </a:effectRef>
+          <a:fontRef idx="minor">
+            <a:schemeClr val="tx1"/>
+          </a:fontRef>
+        </p:style>
+      </p:cxnSp>
+      <p:cxnSp>
+        <p:nvCxnSpPr>
+          <p:cNvPr id="37" name="Verbinder: gewinkelt 36">
+            <a:extLst>
+              <a:ext uri="{FF2B5EF4-FFF2-40B4-BE49-F238E27FC236}">
+                <a16:creationId xmlns:a16="http://schemas.microsoft.com/office/drawing/2014/main" id="{98934285-7960-CAE5-5E19-BE1E3869A00F}"/>
+              </a:ext>
+            </a:extLst>
+          </p:cNvPr>
+          <p:cNvCxnSpPr>
+            <a:stCxn id="10" idx="1"/>
+            <a:endCxn id="13" idx="2"/>
+          </p:cNvCxnSpPr>
+          <p:nvPr/>
+        </p:nvCxnSpPr>
+        <p:spPr>
+          <a:xfrm rot="10800000">
+            <a:off x="1331718" y="4214839"/>
+            <a:ext cx="3383605" cy="630934"/>
+          </a:xfrm>
+          <a:prstGeom prst="bentConnector2">
+            <a:avLst/>
+          </a:prstGeom>
+          <a:ln>
+            <a:tailEnd type="triangle"/>
+          </a:ln>
+        </p:spPr>
+        <p:style>
+          <a:lnRef idx="1">
+            <a:schemeClr val="accent1"/>
+          </a:lnRef>
+          <a:fillRef idx="0">
+            <a:schemeClr val="accent1"/>
+          </a:fillRef>
+          <a:effectRef idx="0">
+            <a:schemeClr val="accent1"/>
+          </a:effectRef>
+          <a:fontRef idx="minor">
+            <a:schemeClr val="tx1"/>
+          </a:fontRef>
+        </p:style>
+      </p:cxnSp>
+      <p:cxnSp>
+        <p:nvCxnSpPr>
+          <p:cNvPr id="42" name="Verbinder: gewinkelt 41">
+            <a:extLst>
+              <a:ext uri="{FF2B5EF4-FFF2-40B4-BE49-F238E27FC236}">
+                <a16:creationId xmlns:a16="http://schemas.microsoft.com/office/drawing/2014/main" id="{A60C1C8C-AA2B-1965-4297-4DBFB74ADB37}"/>
+              </a:ext>
+            </a:extLst>
+          </p:cNvPr>
+          <p:cNvCxnSpPr>
+            <a:stCxn id="13" idx="0"/>
+            <a:endCxn id="5" idx="0"/>
+          </p:cNvCxnSpPr>
+          <p:nvPr/>
+        </p:nvCxnSpPr>
+        <p:spPr>
+          <a:xfrm rot="16200000" flipH="1">
+            <a:off x="5012332" y="-714179"/>
+            <a:ext cx="6732" cy="7367963"/>
+          </a:xfrm>
+          <a:prstGeom prst="bentConnector3">
+            <a:avLst>
+              <a:gd name="adj1" fmla="val -21276990"/>
+            </a:avLst>
+          </a:prstGeom>
+          <a:ln>
+            <a:tailEnd type="triangle"/>
+          </a:ln>
+        </p:spPr>
+        <p:style>
+          <a:lnRef idx="1">
+            <a:schemeClr val="accent1"/>
+          </a:lnRef>
+          <a:fillRef idx="0">
+            <a:schemeClr val="accent1"/>
+          </a:fillRef>
+          <a:effectRef idx="0">
+            <a:schemeClr val="accent1"/>
+          </a:effectRef>
+          <a:fontRef idx="minor">
+            <a:schemeClr val="tx1"/>
+          </a:fontRef>
+        </p:style>
+      </p:cxnSp>
+      <p:cxnSp>
+        <p:nvCxnSpPr>
+          <p:cNvPr id="45" name="Verbinder: gewinkelt 44">
+            <a:extLst>
+              <a:ext uri="{FF2B5EF4-FFF2-40B4-BE49-F238E27FC236}">
+                <a16:creationId xmlns:a16="http://schemas.microsoft.com/office/drawing/2014/main" id="{EF0460AC-B3C4-E9C1-DC4E-FAA07C2C08BF}"/>
+              </a:ext>
+            </a:extLst>
+          </p:cNvPr>
+          <p:cNvCxnSpPr>
+            <a:stCxn id="5" idx="2"/>
+            <a:endCxn id="10" idx="3"/>
+          </p:cNvCxnSpPr>
+          <p:nvPr/>
+        </p:nvCxnSpPr>
+        <p:spPr>
+          <a:xfrm rot="5400000">
+            <a:off x="7227440" y="3373533"/>
+            <a:ext cx="624202" cy="2320278"/>
+          </a:xfrm>
+          <a:prstGeom prst="bentConnector2">
+            <a:avLst/>
+          </a:prstGeom>
+          <a:ln>
+            <a:tailEnd type="triangle"/>
+          </a:ln>
+        </p:spPr>
+        <p:style>
+          <a:lnRef idx="1">
+            <a:schemeClr val="accent1"/>
+          </a:lnRef>
+          <a:fillRef idx="0">
+            <a:schemeClr val="accent1"/>
+          </a:fillRef>
+          <a:effectRef idx="0">
+            <a:schemeClr val="accent1"/>
+          </a:effectRef>
+          <a:fontRef idx="minor">
+            <a:schemeClr val="tx1"/>
+          </a:fontRef>
+        </p:style>
+      </p:cxnSp>
+      <p:sp>
+        <p:nvSpPr>
+          <p:cNvPr id="40" name="Ellipse 39">
+            <a:extLst>
+              <a:ext uri="{FF2B5EF4-FFF2-40B4-BE49-F238E27FC236}">
+                <a16:creationId xmlns:a16="http://schemas.microsoft.com/office/drawing/2014/main" id="{E3F38FBF-D088-A956-9692-FE818CDCAC6A}"/>
+              </a:ext>
+            </a:extLst>
+          </p:cNvPr>
+          <p:cNvSpPr/>
+          <p:nvPr/>
+        </p:nvSpPr>
+        <p:spPr>
+          <a:xfrm>
+            <a:off x="6625561" y="4424163"/>
+            <a:ext cx="1417920" cy="801389"/>
+          </a:xfrm>
+          <a:prstGeom prst="ellipse">
+            <a:avLst/>
+          </a:prstGeom>
+        </p:spPr>
+        <p:style>
+          <a:lnRef idx="2">
+            <a:schemeClr val="accent6">
+              <a:shade val="50000"/>
+            </a:schemeClr>
+          </a:lnRef>
+          <a:fillRef idx="1">
+            <a:schemeClr val="accent6"/>
+          </a:fillRef>
+          <a:effectRef idx="0">
+            <a:schemeClr val="accent6"/>
+          </a:effectRef>
+          <a:fontRef idx="minor">
+            <a:schemeClr val="lt1"/>
+          </a:fontRef>
+        </p:style>
+        <p:txBody>
+          <a:bodyPr rtlCol="0" anchor="ctr"/>
+          <a:lstStyle/>
+          <a:p>
+            <a:pPr algn="ctr"/>
+            <a:r>
+              <a:rPr lang="de-AT" sz="1200" dirty="0"/>
+              <a:t>„push“ </a:t>
+            </a:r>
+            <a:r>
+              <a:rPr lang="de-AT" sz="1200" dirty="0" err="1"/>
+              <a:t>event</a:t>
+            </a:r>
+            <a:endParaRPr lang="de-AT" sz="1200" dirty="0"/>
+          </a:p>
+        </p:txBody>
+      </p:sp>
+      <p:sp>
+        <p:nvSpPr>
+          <p:cNvPr id="46" name="Ellipse 45">
+            <a:extLst>
+              <a:ext uri="{FF2B5EF4-FFF2-40B4-BE49-F238E27FC236}">
+                <a16:creationId xmlns:a16="http://schemas.microsoft.com/office/drawing/2014/main" id="{13214873-D3B5-968F-B8CB-EAC4548EF5F4}"/>
+              </a:ext>
+            </a:extLst>
+          </p:cNvPr>
+          <p:cNvSpPr/>
+          <p:nvPr/>
+        </p:nvSpPr>
+        <p:spPr>
+          <a:xfrm>
+            <a:off x="6306643" y="3471435"/>
+            <a:ext cx="1273913" cy="826793"/>
+          </a:xfrm>
+          <a:prstGeom prst="ellipse">
+            <a:avLst/>
+          </a:prstGeom>
+        </p:spPr>
+        <p:style>
+          <a:lnRef idx="2">
+            <a:schemeClr val="accent1">
+              <a:shade val="50000"/>
+            </a:schemeClr>
+          </a:lnRef>
+          <a:fillRef idx="1">
+            <a:schemeClr val="accent1"/>
+          </a:fillRef>
+          <a:effectRef idx="0">
+            <a:schemeClr val="accent1"/>
+          </a:effectRef>
+          <a:fontRef idx="minor">
+            <a:schemeClr val="lt1"/>
+          </a:fontRef>
+        </p:style>
+        <p:txBody>
+          <a:bodyPr rtlCol="0" anchor="ctr"/>
+          <a:lstStyle/>
+          <a:p>
+            <a:pPr algn="ctr"/>
+            <a:r>
+              <a:rPr lang="de-AT" sz="1050" dirty="0"/>
+              <a:t>Check </a:t>
+            </a:r>
+            <a:r>
+              <a:rPr lang="de-AT" sz="1050" dirty="0" err="1"/>
+              <a:t>for</a:t>
+            </a:r>
+            <a:r>
+              <a:rPr lang="de-AT" sz="1050" dirty="0"/>
+              <a:t> </a:t>
+            </a:r>
+            <a:r>
+              <a:rPr lang="de-AT" sz="1050" dirty="0" err="1"/>
+              <a:t>existing</a:t>
+            </a:r>
+            <a:r>
+              <a:rPr lang="de-AT" sz="1050" dirty="0"/>
+              <a:t> </a:t>
+            </a:r>
+            <a:r>
+              <a:rPr lang="de-AT" sz="1050" dirty="0" err="1"/>
+              <a:t>subscriptions</a:t>
+            </a:r>
+            <a:endParaRPr lang="de-AT" sz="1050" dirty="0"/>
+          </a:p>
+        </p:txBody>
+      </p:sp>
+    </p:spTree>
+    <p:extLst>
+      <p:ext uri="{BB962C8B-B14F-4D97-AF65-F5344CB8AC3E}">
+        <p14:creationId xmlns:p14="http://schemas.microsoft.com/office/powerpoint/2010/main" val="518046411"/>
+      </p:ext>
+    </p:extLst>
+  </p:cSld>
+  <p:clrMapOvr>
+    <a:masterClrMapping/>
+  </p:clrMapOvr>
+</p:sld>
+</file>
+
+<file path=ppt/slides/slide82.xml><?xml version="1.0" encoding="utf-8"?>
+<p:sld xmlns:a="http://schemas.openxmlformats.org/drawingml/2006/main" xmlns:r="http://schemas.openxmlformats.org/officeDocument/2006/relationships" xmlns:p="http://schemas.openxmlformats.org/presentationml/2006/main">
+  <p:cSld>
+    <p:spTree>
+      <p:nvGrpSpPr>
+        <p:cNvPr id="1" name=""/>
+        <p:cNvGrpSpPr/>
+        <p:nvPr/>
+      </p:nvGrpSpPr>
+      <p:grpSpPr>
+        <a:xfrm>
+          <a:off x="0" y="0"/>
+          <a:ext cx="0" cy="0"/>
+          <a:chOff x="0" y="0"/>
+          <a:chExt cx="0" cy="0"/>
+        </a:xfrm>
+      </p:grpSpPr>
+      <p:sp>
+        <p:nvSpPr>
+          <p:cNvPr id="2" name="Titel 1">
+            <a:extLst>
+              <a:ext uri="{FF2B5EF4-FFF2-40B4-BE49-F238E27FC236}">
+                <a16:creationId xmlns:a16="http://schemas.microsoft.com/office/drawing/2014/main" id="{94B0F66E-35A6-2E64-89F3-0A1A327F452E}"/>
+              </a:ext>
+            </a:extLst>
+          </p:cNvPr>
+          <p:cNvSpPr>
+            <a:spLocks noGrp="1"/>
+          </p:cNvSpPr>
+          <p:nvPr>
+            <p:ph type="title"/>
+          </p:nvPr>
+        </p:nvSpPr>
+        <p:spPr/>
+        <p:txBody>
+          <a:bodyPr/>
+          <a:lstStyle/>
+          <a:p>
+            <a:r>
+              <a:rPr lang="de-DE" dirty="0" err="1"/>
+              <a:t>Subscribe</a:t>
+            </a:r>
+            <a:endParaRPr lang="de-AT" dirty="0"/>
+          </a:p>
+        </p:txBody>
+      </p:sp>
+      <p:sp>
+        <p:nvSpPr>
+          <p:cNvPr id="3" name="Inhaltsplatzhalter 2">
+            <a:extLst>
+              <a:ext uri="{FF2B5EF4-FFF2-40B4-BE49-F238E27FC236}">
+                <a16:creationId xmlns:a16="http://schemas.microsoft.com/office/drawing/2014/main" id="{F4100468-4413-F683-E02E-671A14BA79C2}"/>
+              </a:ext>
+            </a:extLst>
+          </p:cNvPr>
+          <p:cNvSpPr>
+            <a:spLocks noGrp="1"/>
+          </p:cNvSpPr>
+          <p:nvPr>
+            <p:ph idx="1"/>
+          </p:nvPr>
+        </p:nvSpPr>
+        <p:spPr/>
+        <p:txBody>
+          <a:bodyPr>
+            <a:normAutofit fontScale="92500" lnSpcReduction="20000"/>
+          </a:bodyPr>
+          <a:lstStyle/>
+          <a:p>
+            <a:r>
+              <a:rPr lang="de-DE" dirty="0"/>
+              <a:t>Check </a:t>
+            </a:r>
+            <a:r>
+              <a:rPr lang="de-DE" dirty="0" err="1"/>
+              <a:t>for</a:t>
+            </a:r>
+            <a:r>
+              <a:rPr lang="de-DE" dirty="0"/>
+              <a:t> </a:t>
+            </a:r>
+            <a:r>
+              <a:rPr lang="de-DE" dirty="0" err="1"/>
+              <a:t>subscription</a:t>
+            </a:r>
+            <a:r>
+              <a:rPr lang="de-DE" dirty="0"/>
+              <a:t> </a:t>
+            </a:r>
+            <a:r>
+              <a:rPr lang="de-DE" dirty="0" err="1"/>
+              <a:t>or</a:t>
+            </a:r>
+            <a:r>
+              <a:rPr lang="de-DE" dirty="0"/>
+              <a:t> </a:t>
+            </a:r>
+            <a:r>
+              <a:rPr lang="de-DE" dirty="0" err="1"/>
+              <a:t>register</a:t>
+            </a:r>
+            <a:r>
+              <a:rPr lang="de-DE" dirty="0"/>
+              <a:t> a </a:t>
+            </a:r>
+            <a:r>
+              <a:rPr lang="de-DE" dirty="0" err="1"/>
+              <a:t>new</a:t>
+            </a:r>
+            <a:r>
+              <a:rPr lang="de-DE" dirty="0"/>
+              <a:t> </a:t>
+            </a:r>
+            <a:r>
+              <a:rPr lang="de-DE" dirty="0" err="1"/>
+              <a:t>one</a:t>
+            </a:r>
+            <a:endParaRPr lang="de-DE" dirty="0"/>
+          </a:p>
+          <a:p>
+            <a:r>
+              <a:rPr lang="de-DE" dirty="0"/>
+              <a:t>VAPID </a:t>
+            </a:r>
+            <a:r>
+              <a:rPr lang="de-DE" dirty="0" err="1"/>
+              <a:t>approach</a:t>
+            </a:r>
+            <a:r>
+              <a:rPr lang="de-DE" dirty="0"/>
+              <a:t> (</a:t>
+            </a:r>
+            <a:r>
+              <a:rPr lang="de-DE" dirty="0" err="1"/>
+              <a:t>security</a:t>
+            </a:r>
+            <a:r>
+              <a:rPr lang="de-DE" dirty="0"/>
+              <a:t>)</a:t>
+            </a:r>
+          </a:p>
+          <a:p>
+            <a:pPr lvl="1"/>
+            <a:r>
+              <a:rPr lang="de-DE" dirty="0" err="1"/>
+              <a:t>public</a:t>
+            </a:r>
+            <a:r>
+              <a:rPr lang="de-DE" dirty="0"/>
+              <a:t> and private </a:t>
+            </a:r>
+            <a:r>
+              <a:rPr lang="de-DE" dirty="0" err="1"/>
+              <a:t>key</a:t>
+            </a:r>
+            <a:endParaRPr lang="de-DE" dirty="0"/>
+          </a:p>
+          <a:p>
+            <a:r>
+              <a:rPr lang="de-DE" dirty="0" err="1"/>
+              <a:t>Install</a:t>
+            </a:r>
+            <a:r>
+              <a:rPr lang="de-DE" dirty="0"/>
+              <a:t> web-push, </a:t>
+            </a:r>
+            <a:r>
+              <a:rPr lang="de-DE" dirty="0" err="1"/>
+              <a:t>create</a:t>
+            </a:r>
+            <a:r>
+              <a:rPr lang="de-DE" dirty="0"/>
+              <a:t> </a:t>
+            </a:r>
+            <a:r>
+              <a:rPr lang="de-DE" dirty="0" err="1"/>
+              <a:t>script</a:t>
+            </a:r>
+            <a:r>
+              <a:rPr lang="de-DE" dirty="0"/>
+              <a:t> in </a:t>
+            </a:r>
+            <a:r>
+              <a:rPr lang="de-DE" dirty="0" err="1"/>
+              <a:t>package.json</a:t>
+            </a:r>
+            <a:endParaRPr lang="de-DE" dirty="0"/>
+          </a:p>
+          <a:p>
+            <a:r>
+              <a:rPr lang="de-DE" dirty="0" err="1"/>
+              <a:t>Subscribe</a:t>
+            </a:r>
+            <a:endParaRPr lang="de-DE" dirty="0"/>
+          </a:p>
+          <a:p>
+            <a:pPr marL="457200" lvl="1" indent="0">
+              <a:buNone/>
+            </a:pPr>
+            <a:endParaRPr lang="de-DE" dirty="0"/>
+          </a:p>
+          <a:p>
+            <a:pPr marL="457200" lvl="1" indent="0">
+              <a:buNone/>
+            </a:pPr>
+            <a:r>
+              <a:rPr lang="de-DE" dirty="0"/>
+              <a:t>	</a:t>
+            </a:r>
+            <a:r>
+              <a:rPr lang="de-DE" dirty="0" err="1"/>
+              <a:t>endpoint</a:t>
+            </a:r>
+            <a:r>
+              <a:rPr lang="de-DE" dirty="0"/>
+              <a:t>: „https….“</a:t>
+            </a:r>
+          </a:p>
+          <a:p>
+            <a:pPr marL="457200" lvl="1" indent="0">
+              <a:buNone/>
+            </a:pPr>
+            <a:r>
+              <a:rPr lang="de-DE" dirty="0"/>
+              <a:t>	</a:t>
+            </a:r>
+            <a:r>
+              <a:rPr lang="de-DE" dirty="0" err="1"/>
+              <a:t>keys</a:t>
+            </a:r>
+            <a:r>
+              <a:rPr lang="de-DE" dirty="0"/>
+              <a:t>: 	</a:t>
+            </a:r>
+          </a:p>
+          <a:p>
+            <a:pPr marL="457200" lvl="1" indent="0">
+              <a:buNone/>
+            </a:pPr>
+            <a:r>
+              <a:rPr lang="de-DE" dirty="0"/>
+              <a:t>		</a:t>
+            </a:r>
+            <a:r>
+              <a:rPr lang="de-DE" dirty="0" err="1"/>
+              <a:t>auth</a:t>
+            </a:r>
+            <a:r>
+              <a:rPr lang="de-DE" dirty="0"/>
+              <a:t>: „dc….“</a:t>
+            </a:r>
+          </a:p>
+          <a:p>
+            <a:pPr marL="457200" lvl="1" indent="0">
+              <a:buNone/>
+            </a:pPr>
+            <a:r>
+              <a:rPr lang="de-DE" dirty="0"/>
+              <a:t>		p256dh: „B0q8SMMRgd….“</a:t>
+            </a:r>
+          </a:p>
+          <a:p>
+            <a:pPr marL="457200" lvl="1" indent="0">
+              <a:buNone/>
+            </a:pPr>
+            <a:endParaRPr lang="de-DE" dirty="0"/>
+          </a:p>
+          <a:p>
+            <a:pPr marL="457200" lvl="1" indent="0">
+              <a:buNone/>
+            </a:pPr>
+            <a:r>
+              <a:rPr lang="de-DE" dirty="0" err="1">
+                <a:solidFill>
+                  <a:srgbClr val="FF0000"/>
+                </a:solidFill>
+              </a:rPr>
+              <a:t>unregistering</a:t>
+            </a:r>
+            <a:r>
+              <a:rPr lang="de-DE" dirty="0">
+                <a:solidFill>
+                  <a:srgbClr val="FF0000"/>
+                </a:solidFill>
+              </a:rPr>
+              <a:t> </a:t>
+            </a:r>
+            <a:r>
+              <a:rPr lang="de-DE" dirty="0" err="1">
+                <a:solidFill>
+                  <a:srgbClr val="FF0000"/>
+                </a:solidFill>
+              </a:rPr>
+              <a:t>of</a:t>
+            </a:r>
+            <a:r>
+              <a:rPr lang="de-DE" dirty="0">
+                <a:solidFill>
+                  <a:srgbClr val="FF0000"/>
+                </a:solidFill>
+              </a:rPr>
+              <a:t> </a:t>
+            </a:r>
+            <a:r>
+              <a:rPr lang="de-DE" dirty="0" err="1">
+                <a:solidFill>
+                  <a:srgbClr val="FF0000"/>
+                </a:solidFill>
+              </a:rPr>
+              <a:t>service</a:t>
+            </a:r>
+            <a:r>
+              <a:rPr lang="de-DE" dirty="0">
+                <a:solidFill>
+                  <a:srgbClr val="FF0000"/>
+                </a:solidFill>
+              </a:rPr>
+              <a:t> </a:t>
+            </a:r>
+            <a:r>
+              <a:rPr lang="de-DE" dirty="0" err="1">
+                <a:solidFill>
+                  <a:srgbClr val="FF0000"/>
+                </a:solidFill>
+              </a:rPr>
+              <a:t>werker</a:t>
+            </a:r>
+            <a:r>
+              <a:rPr lang="de-DE" dirty="0">
+                <a:solidFill>
+                  <a:srgbClr val="FF0000"/>
+                </a:solidFill>
+              </a:rPr>
+              <a:t> </a:t>
+            </a:r>
+            <a:r>
+              <a:rPr lang="de-DE" dirty="0" err="1">
+                <a:solidFill>
+                  <a:srgbClr val="FF0000"/>
+                </a:solidFill>
+              </a:rPr>
+              <a:t>invalidates</a:t>
+            </a:r>
+            <a:r>
+              <a:rPr lang="de-DE" dirty="0">
+                <a:solidFill>
+                  <a:srgbClr val="FF0000"/>
+                </a:solidFill>
+              </a:rPr>
+              <a:t> </a:t>
+            </a:r>
+            <a:r>
+              <a:rPr lang="de-DE" dirty="0" err="1">
+                <a:solidFill>
+                  <a:srgbClr val="FF0000"/>
+                </a:solidFill>
+              </a:rPr>
+              <a:t>subscriptions</a:t>
+            </a:r>
+            <a:endParaRPr lang="de-DE" dirty="0">
+              <a:solidFill>
+                <a:srgbClr val="FF0000"/>
+              </a:solidFill>
+            </a:endParaRPr>
+          </a:p>
+        </p:txBody>
+      </p:sp>
+    </p:spTree>
+    <p:extLst>
+      <p:ext uri="{BB962C8B-B14F-4D97-AF65-F5344CB8AC3E}">
+        <p14:creationId xmlns:p14="http://schemas.microsoft.com/office/powerpoint/2010/main" val="3596463177"/>
+      </p:ext>
+    </p:extLst>
+  </p:cSld>
+  <p:clrMapOvr>
+    <a:masterClrMapping/>
+  </p:clrMapOvr>
+</p:sld>
+</file>
+
+<file path=ppt/slides/slide83.xml><?xml version="1.0" encoding="utf-8"?>
+<p:sld xmlns:a="http://schemas.openxmlformats.org/drawingml/2006/main" xmlns:r="http://schemas.openxmlformats.org/officeDocument/2006/relationships" xmlns:p="http://schemas.openxmlformats.org/presentationml/2006/main">
+  <p:cSld>
+    <p:spTree>
+      <p:nvGrpSpPr>
+        <p:cNvPr id="1" name=""/>
+        <p:cNvGrpSpPr/>
+        <p:nvPr/>
+      </p:nvGrpSpPr>
+      <p:grpSpPr>
+        <a:xfrm>
+          <a:off x="0" y="0"/>
+          <a:ext cx="0" cy="0"/>
+          <a:chOff x="0" y="0"/>
+          <a:chExt cx="0" cy="0"/>
+        </a:xfrm>
+      </p:grpSpPr>
+      <p:sp>
+        <p:nvSpPr>
+          <p:cNvPr id="2" name="Titel 1"/>
+          <p:cNvSpPr>
+            <a:spLocks noGrp="1"/>
+          </p:cNvSpPr>
+          <p:nvPr>
+            <p:ph type="title"/>
+          </p:nvPr>
+        </p:nvSpPr>
+        <p:spPr/>
+        <p:txBody>
+          <a:bodyPr/>
+          <a:lstStyle/>
+          <a:p>
+            <a:r>
+              <a:rPr lang="de-AT" dirty="0"/>
+              <a:t>Outline</a:t>
+            </a:r>
+          </a:p>
+        </p:txBody>
+      </p:sp>
+      <p:sp>
+        <p:nvSpPr>
+          <p:cNvPr id="3" name="Inhaltsplatzhalter 2"/>
+          <p:cNvSpPr>
+            <a:spLocks noGrp="1"/>
+          </p:cNvSpPr>
+          <p:nvPr>
+            <p:ph idx="1"/>
+          </p:nvPr>
+        </p:nvSpPr>
+        <p:spPr/>
+        <p:txBody>
+          <a:bodyPr>
+            <a:normAutofit lnSpcReduction="10000"/>
+          </a:bodyPr>
+          <a:lstStyle/>
+          <a:p>
+            <a:pPr marL="514350" indent="-514350">
+              <a:buFont typeface="+mj-lt"/>
+              <a:buAutoNum type="arabicPeriod"/>
+            </a:pPr>
+            <a:r>
+              <a:rPr lang="de-AT" dirty="0">
+                <a:solidFill>
+                  <a:schemeClr val="accent6">
+                    <a:lumMod val="60000"/>
+                    <a:lumOff val="40000"/>
+                  </a:schemeClr>
+                </a:solidFill>
+              </a:rPr>
+              <a:t>Basics</a:t>
+            </a:r>
+          </a:p>
+          <a:p>
+            <a:pPr marL="971550" lvl="1" indent="-514350">
+              <a:buFont typeface="+mj-lt"/>
+              <a:buAutoNum type="arabicPeriod"/>
+            </a:pPr>
+            <a:r>
+              <a:rPr lang="de-AT" dirty="0">
+                <a:solidFill>
+                  <a:schemeClr val="accent6">
+                    <a:lumMod val="60000"/>
+                    <a:lumOff val="40000"/>
+                  </a:schemeClr>
+                </a:solidFill>
+              </a:rPr>
+              <a:t>App Manifest </a:t>
+            </a:r>
+          </a:p>
+          <a:p>
+            <a:pPr marL="971550" lvl="1" indent="-514350">
+              <a:buFont typeface="+mj-lt"/>
+              <a:buAutoNum type="arabicPeriod"/>
+            </a:pPr>
+            <a:r>
+              <a:rPr lang="de-AT" dirty="0">
+                <a:solidFill>
+                  <a:schemeClr val="accent6">
+                    <a:lumMod val="60000"/>
+                    <a:lumOff val="40000"/>
+                  </a:schemeClr>
+                </a:solidFill>
+              </a:rPr>
+              <a:t>Service </a:t>
+            </a:r>
+            <a:r>
+              <a:rPr lang="de-AT" dirty="0" err="1">
+                <a:solidFill>
+                  <a:schemeClr val="accent6">
+                    <a:lumMod val="60000"/>
+                    <a:lumOff val="40000"/>
+                  </a:schemeClr>
+                </a:solidFill>
+              </a:rPr>
+              <a:t>Workers</a:t>
+            </a:r>
+            <a:endParaRPr lang="de-AT" dirty="0">
+              <a:solidFill>
+                <a:schemeClr val="accent6">
+                  <a:lumMod val="60000"/>
+                  <a:lumOff val="40000"/>
+                </a:schemeClr>
+              </a:solidFill>
+            </a:endParaRPr>
+          </a:p>
+          <a:p>
+            <a:pPr marL="971550" lvl="1" indent="-514350">
+              <a:buFont typeface="+mj-lt"/>
+              <a:buAutoNum type="arabicPeriod"/>
+            </a:pPr>
+            <a:r>
+              <a:rPr lang="de-AT" dirty="0">
+                <a:solidFill>
+                  <a:schemeClr val="accent6">
+                    <a:lumMod val="60000"/>
+                    <a:lumOff val="40000"/>
+                  </a:schemeClr>
+                </a:solidFill>
+              </a:rPr>
+              <a:t>Installation</a:t>
+            </a:r>
+          </a:p>
+          <a:p>
+            <a:pPr marL="514350" indent="-514350">
+              <a:buFont typeface="+mj-lt"/>
+              <a:buAutoNum type="arabicPeriod"/>
+            </a:pPr>
+            <a:r>
+              <a:rPr lang="de-AT" dirty="0" err="1">
+                <a:solidFill>
+                  <a:schemeClr val="accent6">
+                    <a:lumMod val="60000"/>
+                    <a:lumOff val="40000"/>
+                  </a:schemeClr>
+                </a:solidFill>
+              </a:rPr>
+              <a:t>Promise</a:t>
+            </a:r>
+            <a:r>
+              <a:rPr lang="de-AT" dirty="0">
+                <a:solidFill>
+                  <a:schemeClr val="accent6">
+                    <a:lumMod val="60000"/>
+                    <a:lumOff val="40000"/>
+                  </a:schemeClr>
+                </a:solidFill>
+              </a:rPr>
+              <a:t> </a:t>
+            </a:r>
+            <a:r>
+              <a:rPr lang="de-AT" dirty="0" err="1">
+                <a:solidFill>
+                  <a:schemeClr val="accent6">
+                    <a:lumMod val="60000"/>
+                    <a:lumOff val="40000"/>
+                  </a:schemeClr>
+                </a:solidFill>
+              </a:rPr>
+              <a:t>and</a:t>
+            </a:r>
+            <a:r>
+              <a:rPr lang="de-AT" dirty="0">
+                <a:solidFill>
+                  <a:schemeClr val="accent6">
+                    <a:lumMod val="60000"/>
+                    <a:lumOff val="40000"/>
+                  </a:schemeClr>
+                </a:solidFill>
+              </a:rPr>
+              <a:t> </a:t>
+            </a:r>
+            <a:r>
+              <a:rPr lang="de-AT" dirty="0" err="1">
+                <a:solidFill>
+                  <a:schemeClr val="accent6">
+                    <a:lumMod val="60000"/>
+                    <a:lumOff val="40000"/>
+                  </a:schemeClr>
+                </a:solidFill>
+              </a:rPr>
+              <a:t>Fetch</a:t>
+            </a:r>
+            <a:r>
+              <a:rPr lang="de-AT" dirty="0">
+                <a:solidFill>
+                  <a:schemeClr val="accent6">
+                    <a:lumMod val="60000"/>
+                    <a:lumOff val="40000"/>
+                  </a:schemeClr>
+                </a:solidFill>
+              </a:rPr>
+              <a:t>, Service Worker Caching</a:t>
+            </a:r>
+          </a:p>
+          <a:p>
+            <a:pPr marL="514350" indent="-514350">
+              <a:buFont typeface="+mj-lt"/>
+              <a:buAutoNum type="arabicPeriod"/>
+            </a:pPr>
+            <a:r>
+              <a:rPr lang="de-AT" dirty="0" err="1">
+                <a:solidFill>
+                  <a:schemeClr val="accent6">
+                    <a:lumMod val="60000"/>
+                    <a:lumOff val="40000"/>
+                  </a:schemeClr>
+                </a:solidFill>
+              </a:rPr>
+              <a:t>Advanced</a:t>
+            </a:r>
+            <a:r>
+              <a:rPr lang="de-AT" dirty="0">
+                <a:solidFill>
+                  <a:schemeClr val="accent6">
+                    <a:lumMod val="60000"/>
+                    <a:lumOff val="40000"/>
+                  </a:schemeClr>
+                </a:solidFill>
+              </a:rPr>
+              <a:t> Caching, </a:t>
+            </a:r>
+            <a:r>
+              <a:rPr lang="de-AT" dirty="0" err="1">
+                <a:solidFill>
+                  <a:schemeClr val="accent6">
+                    <a:lumMod val="60000"/>
+                    <a:lumOff val="40000"/>
+                  </a:schemeClr>
+                </a:solidFill>
+              </a:rPr>
+              <a:t>Indexed</a:t>
+            </a:r>
+            <a:r>
+              <a:rPr lang="de-AT" dirty="0">
+                <a:solidFill>
+                  <a:schemeClr val="accent6">
+                    <a:lumMod val="60000"/>
+                    <a:lumOff val="40000"/>
+                  </a:schemeClr>
+                </a:solidFill>
+              </a:rPr>
+              <a:t> DB </a:t>
+            </a:r>
+            <a:r>
+              <a:rPr lang="de-AT" dirty="0" err="1">
+                <a:solidFill>
+                  <a:schemeClr val="accent6">
+                    <a:lumMod val="60000"/>
+                    <a:lumOff val="40000"/>
+                  </a:schemeClr>
+                </a:solidFill>
+              </a:rPr>
+              <a:t>and</a:t>
+            </a:r>
+            <a:r>
+              <a:rPr lang="de-AT" dirty="0">
+                <a:solidFill>
+                  <a:schemeClr val="accent6">
+                    <a:lumMod val="60000"/>
+                    <a:lumOff val="40000"/>
+                  </a:schemeClr>
+                </a:solidFill>
+              </a:rPr>
+              <a:t> Dynamic Data</a:t>
+            </a:r>
+          </a:p>
+          <a:p>
+            <a:pPr marL="514350" indent="-514350">
+              <a:buFont typeface="+mj-lt"/>
+              <a:buAutoNum type="arabicPeriod"/>
+            </a:pPr>
+            <a:r>
+              <a:rPr lang="de-AT" dirty="0" err="1">
+                <a:solidFill>
+                  <a:schemeClr val="accent6">
+                    <a:lumMod val="60000"/>
+                    <a:lumOff val="40000"/>
+                  </a:schemeClr>
+                </a:solidFill>
+              </a:rPr>
+              <a:t>Responsive</a:t>
+            </a:r>
+            <a:r>
+              <a:rPr lang="de-AT" dirty="0">
+                <a:solidFill>
+                  <a:schemeClr val="accent6">
+                    <a:lumMod val="60000"/>
+                    <a:lumOff val="40000"/>
+                  </a:schemeClr>
+                </a:solidFill>
+              </a:rPr>
+              <a:t> UI, Background </a:t>
+            </a:r>
+            <a:r>
+              <a:rPr lang="de-AT" dirty="0" err="1">
+                <a:solidFill>
+                  <a:schemeClr val="accent6">
+                    <a:lumMod val="60000"/>
+                    <a:lumOff val="40000"/>
+                  </a:schemeClr>
+                </a:solidFill>
+              </a:rPr>
+              <a:t>Sync</a:t>
+            </a:r>
+            <a:r>
+              <a:rPr lang="de-AT" dirty="0">
+                <a:solidFill>
+                  <a:schemeClr val="accent6">
+                    <a:lumMod val="60000"/>
+                    <a:lumOff val="40000"/>
+                  </a:schemeClr>
+                </a:solidFill>
+              </a:rPr>
+              <a:t> </a:t>
+            </a:r>
+          </a:p>
+          <a:p>
+            <a:pPr marL="514350" indent="-514350">
+              <a:buFont typeface="+mj-lt"/>
+              <a:buAutoNum type="arabicPeriod"/>
+            </a:pPr>
+            <a:r>
+              <a:rPr lang="de-AT" dirty="0">
+                <a:solidFill>
+                  <a:schemeClr val="accent6">
+                    <a:lumMod val="60000"/>
+                    <a:lumOff val="40000"/>
+                  </a:schemeClr>
+                </a:solidFill>
+              </a:rPr>
+              <a:t>Web Push </a:t>
+            </a:r>
+            <a:r>
+              <a:rPr lang="de-AT" dirty="0" err="1">
+                <a:solidFill>
+                  <a:schemeClr val="accent6">
+                    <a:lumMod val="60000"/>
+                    <a:lumOff val="40000"/>
+                  </a:schemeClr>
+                </a:solidFill>
+              </a:rPr>
+              <a:t>Notifications</a:t>
+            </a:r>
+            <a:r>
+              <a:rPr lang="de-AT" dirty="0">
+                <a:solidFill>
+                  <a:schemeClr val="accent6">
+                    <a:lumMod val="60000"/>
+                    <a:lumOff val="40000"/>
+                  </a:schemeClr>
+                </a:solidFill>
+              </a:rPr>
+              <a:t> </a:t>
+            </a:r>
+          </a:p>
+          <a:p>
+            <a:pPr marL="514350" indent="-514350">
+              <a:buFont typeface="+mj-lt"/>
+              <a:buAutoNum type="arabicPeriod"/>
+            </a:pPr>
+            <a:r>
+              <a:rPr lang="de-AT" dirty="0"/>
+              <a:t>Native Device Features</a:t>
+            </a:r>
+          </a:p>
+          <a:p>
+            <a:pPr marL="514350" indent="-514350">
+              <a:buFont typeface="+mj-lt"/>
+              <a:buAutoNum type="arabicPeriod"/>
+            </a:pPr>
+            <a:r>
+              <a:rPr lang="de-AT" dirty="0">
+                <a:solidFill>
+                  <a:schemeClr val="bg1">
+                    <a:lumMod val="85000"/>
+                  </a:schemeClr>
+                </a:solidFill>
+              </a:rPr>
+              <a:t>Round </a:t>
+            </a:r>
+            <a:r>
+              <a:rPr lang="de-AT" dirty="0" err="1">
+                <a:solidFill>
+                  <a:schemeClr val="bg1">
+                    <a:lumMod val="85000"/>
+                  </a:schemeClr>
+                </a:solidFill>
+              </a:rPr>
+              <a:t>Up</a:t>
+            </a:r>
+            <a:r>
+              <a:rPr lang="de-AT" dirty="0">
+                <a:solidFill>
+                  <a:schemeClr val="bg1">
+                    <a:lumMod val="85000"/>
+                  </a:schemeClr>
+                </a:solidFill>
+              </a:rPr>
+              <a:t> &amp; Quiz</a:t>
+            </a:r>
+          </a:p>
+          <a:p>
+            <a:endParaRPr lang="de-AT" dirty="0"/>
+          </a:p>
+        </p:txBody>
+      </p:sp>
+    </p:spTree>
+    <p:extLst>
+      <p:ext uri="{BB962C8B-B14F-4D97-AF65-F5344CB8AC3E}">
+        <p14:creationId xmlns:p14="http://schemas.microsoft.com/office/powerpoint/2010/main" val="1796238282"/>
+      </p:ext>
+    </p:extLst>
+  </p:cSld>
+  <p:clrMapOvr>
+    <a:masterClrMapping/>
+  </p:clrMapOvr>
+</p:sld>
+</file>
+
+<file path=ppt/slides/slide84.xml><?xml version="1.0" encoding="utf-8"?>
+<p:sld xmlns:a="http://schemas.openxmlformats.org/drawingml/2006/main" xmlns:r="http://schemas.openxmlformats.org/officeDocument/2006/relationships" xmlns:p="http://schemas.openxmlformats.org/presentationml/2006/main">
+  <p:cSld>
+    <p:spTree>
+      <p:nvGrpSpPr>
+        <p:cNvPr id="1" name=""/>
+        <p:cNvGrpSpPr/>
+        <p:nvPr/>
+      </p:nvGrpSpPr>
+      <p:grpSpPr>
+        <a:xfrm>
+          <a:off x="0" y="0"/>
+          <a:ext cx="0" cy="0"/>
+          <a:chOff x="0" y="0"/>
+          <a:chExt cx="0" cy="0"/>
+        </a:xfrm>
+      </p:grpSpPr>
+      <p:sp>
+        <p:nvSpPr>
           <p:cNvPr id="2" name="Titel 1"/>
           <p:cNvSpPr>
             <a:spLocks noGrp="1"/>
@@ -31900,7 +33303,7 @@
 </p:sld>
 </file>
 
-<file path=ppt/slides/slide82.xml><?xml version="1.0" encoding="utf-8"?>
+<file path=ppt/slides/slide85.xml><?xml version="1.0" encoding="utf-8"?>
 <p:sld xmlns:a="http://schemas.openxmlformats.org/drawingml/2006/main" xmlns:r="http://schemas.openxmlformats.org/officeDocument/2006/relationships" xmlns:p="http://schemas.openxmlformats.org/presentationml/2006/main">
   <p:cSld>
     <p:spTree>
